--- a/Keys.pptx
+++ b/Keys.pptx
@@ -5,7 +5,7 @@
     <p:sldMasterId id="2147483648" r:id="rId1"/>
   </p:sldMasterIdLst>
   <p:notesMasterIdLst>
-    <p:notesMasterId r:id="rId25"/>
+    <p:notesMasterId r:id="rId45"/>
   </p:notesMasterIdLst>
   <p:sldIdLst>
     <p:sldId id="257" r:id="rId2"/>
@@ -13,24 +13,44 @@
     <p:sldId id="259" r:id="rId4"/>
     <p:sldId id="260" r:id="rId5"/>
     <p:sldId id="262" r:id="rId6"/>
-    <p:sldId id="265" r:id="rId7"/>
-    <p:sldId id="274" r:id="rId8"/>
-    <p:sldId id="275" r:id="rId9"/>
-    <p:sldId id="276" r:id="rId10"/>
-    <p:sldId id="280" r:id="rId11"/>
+    <p:sldId id="274" r:id="rId7"/>
+    <p:sldId id="275" r:id="rId8"/>
+    <p:sldId id="276" r:id="rId9"/>
+    <p:sldId id="277" r:id="rId10"/>
+    <p:sldId id="278" r:id="rId11"/>
     <p:sldId id="279" r:id="rId12"/>
-    <p:sldId id="267" r:id="rId13"/>
-    <p:sldId id="281" r:id="rId14"/>
-    <p:sldId id="282" r:id="rId15"/>
-    <p:sldId id="270" r:id="rId16"/>
+    <p:sldId id="280" r:id="rId13"/>
+    <p:sldId id="265" r:id="rId14"/>
+    <p:sldId id="281" r:id="rId15"/>
+    <p:sldId id="282" r:id="rId16"/>
     <p:sldId id="283" r:id="rId17"/>
     <p:sldId id="284" r:id="rId18"/>
     <p:sldId id="285" r:id="rId19"/>
     <p:sldId id="286" r:id="rId20"/>
     <p:sldId id="287" r:id="rId21"/>
     <p:sldId id="288" r:id="rId22"/>
-    <p:sldId id="273" r:id="rId23"/>
-    <p:sldId id="289" r:id="rId24"/>
+    <p:sldId id="289" r:id="rId23"/>
+    <p:sldId id="290" r:id="rId24"/>
+    <p:sldId id="291" r:id="rId25"/>
+    <p:sldId id="293" r:id="rId26"/>
+    <p:sldId id="294" r:id="rId27"/>
+    <p:sldId id="296" r:id="rId28"/>
+    <p:sldId id="297" r:id="rId29"/>
+    <p:sldId id="298" r:id="rId30"/>
+    <p:sldId id="299" r:id="rId31"/>
+    <p:sldId id="300" r:id="rId32"/>
+    <p:sldId id="301" r:id="rId33"/>
+    <p:sldId id="302" r:id="rId34"/>
+    <p:sldId id="270" r:id="rId35"/>
+    <p:sldId id="303" r:id="rId36"/>
+    <p:sldId id="304" r:id="rId37"/>
+    <p:sldId id="305" r:id="rId38"/>
+    <p:sldId id="306" r:id="rId39"/>
+    <p:sldId id="307" r:id="rId40"/>
+    <p:sldId id="308" r:id="rId41"/>
+    <p:sldId id="309" r:id="rId42"/>
+    <p:sldId id="310" r:id="rId43"/>
+    <p:sldId id="311" r:id="rId44"/>
   </p:sldIdLst>
   <p:sldSz cx="12192000" cy="6858000"/>
   <p:notesSz cx="6858000" cy="9144000"/>
@@ -220,7 +240,7 @@
           <a:p>
             <a:fld id="{AC4C85E2-005A-45D9-8494-3B69C5FE0CF5}" type="datetimeFigureOut">
               <a:rPr lang="en-US" smtClean="0"/>
-              <a:t>2/20/2024</a:t>
+              <a:t>2/27/2024</a:t>
             </a:fld>
             <a:endParaRPr lang="en-US"/>
           </a:p>
@@ -660,7 +680,13 @@
   <p:cSld>
     <p:spTree>
       <p:nvGrpSpPr>
-        <p:cNvPr id="1" name=""/>
+        <p:cNvPr id="1" name="">
+          <a:extLst>
+            <a:ext uri="{FF2B5EF4-FFF2-40B4-BE49-F238E27FC236}">
+              <a16:creationId xmlns:a16="http://schemas.microsoft.com/office/drawing/2014/main" id="{8E503610-6E1D-ADE3-5905-C8243D366BB4}"/>
+            </a:ext>
+          </a:extLst>
+        </p:cNvPr>
         <p:cNvGrpSpPr/>
         <p:nvPr/>
       </p:nvGrpSpPr>
@@ -674,7 +700,13 @@
       </p:grpSpPr>
       <p:sp>
         <p:nvSpPr>
-          <p:cNvPr id="2" name="Slide Image Placeholder 1"/>
+          <p:cNvPr id="2" name="Slide Image Placeholder 1">
+            <a:extLst>
+              <a:ext uri="{FF2B5EF4-FFF2-40B4-BE49-F238E27FC236}">
+                <a16:creationId xmlns:a16="http://schemas.microsoft.com/office/drawing/2014/main" id="{A7696E5E-9082-DE97-B67D-A8C3B20FD4B2}"/>
+              </a:ext>
+            </a:extLst>
+          </p:cNvPr>
           <p:cNvSpPr>
             <a:spLocks noGrp="1" noRot="1" noChangeAspect="1"/>
           </p:cNvSpPr>
@@ -686,7 +718,13 @@
       </p:sp>
       <p:sp>
         <p:nvSpPr>
-          <p:cNvPr id="3" name="Notes Placeholder 2"/>
+          <p:cNvPr id="3" name="Notes Placeholder 2">
+            <a:extLst>
+              <a:ext uri="{FF2B5EF4-FFF2-40B4-BE49-F238E27FC236}">
+                <a16:creationId xmlns:a16="http://schemas.microsoft.com/office/drawing/2014/main" id="{52C57BE3-E123-114E-167A-11EDA6FF9BB6}"/>
+              </a:ext>
+            </a:extLst>
+          </p:cNvPr>
           <p:cNvSpPr>
             <a:spLocks noGrp="1"/>
           </p:cNvSpPr>
@@ -705,7 +743,13 @@
       </p:sp>
       <p:sp>
         <p:nvSpPr>
-          <p:cNvPr id="4" name="Slide Number Placeholder 3"/>
+          <p:cNvPr id="4" name="Slide Number Placeholder 3">
+            <a:extLst>
+              <a:ext uri="{FF2B5EF4-FFF2-40B4-BE49-F238E27FC236}">
+                <a16:creationId xmlns:a16="http://schemas.microsoft.com/office/drawing/2014/main" id="{AEB3EF5B-7AE0-9109-3598-AB788CE2BD51}"/>
+              </a:ext>
+            </a:extLst>
+          </p:cNvPr>
           <p:cNvSpPr>
             <a:spLocks noGrp="1"/>
           </p:cNvSpPr>
@@ -720,7 +764,7 @@
           <a:p>
             <a:fld id="{F41AB581-53ED-4C3E-9BFC-DC7A5A05BA32}" type="slidenum">
               <a:rPr lang="en-US" smtClean="0"/>
-              <a:t>22</a:t>
+              <a:t>42</a:t>
             </a:fld>
             <a:endParaRPr lang="en-US"/>
           </a:p>
@@ -729,7 +773,7 @@
     </p:spTree>
     <p:extLst>
       <p:ext uri="{BB962C8B-B14F-4D97-AF65-F5344CB8AC3E}">
-        <p14:creationId xmlns:p14="http://schemas.microsoft.com/office/powerpoint/2010/main" val="3812009810"/>
+        <p14:creationId xmlns:p14="http://schemas.microsoft.com/office/powerpoint/2010/main" val="3820539141"/>
       </p:ext>
     </p:extLst>
   </p:cSld>
@@ -744,7 +788,13 @@
   <p:cSld>
     <p:spTree>
       <p:nvGrpSpPr>
-        <p:cNvPr id="1" name=""/>
+        <p:cNvPr id="1" name="">
+          <a:extLst>
+            <a:ext uri="{FF2B5EF4-FFF2-40B4-BE49-F238E27FC236}">
+              <a16:creationId xmlns:a16="http://schemas.microsoft.com/office/drawing/2014/main" id="{D738B72A-0BC5-0179-E387-D628ABA7E143}"/>
+            </a:ext>
+          </a:extLst>
+        </p:cNvPr>
         <p:cNvGrpSpPr/>
         <p:nvPr/>
       </p:nvGrpSpPr>
@@ -758,7 +808,13 @@
       </p:grpSpPr>
       <p:sp>
         <p:nvSpPr>
-          <p:cNvPr id="2" name="Slide Image Placeholder 1"/>
+          <p:cNvPr id="2" name="Slide Image Placeholder 1">
+            <a:extLst>
+              <a:ext uri="{FF2B5EF4-FFF2-40B4-BE49-F238E27FC236}">
+                <a16:creationId xmlns:a16="http://schemas.microsoft.com/office/drawing/2014/main" id="{A5A752CD-08FF-1D8D-97B6-4299ADE3696E}"/>
+              </a:ext>
+            </a:extLst>
+          </p:cNvPr>
           <p:cNvSpPr>
             <a:spLocks noGrp="1" noRot="1" noChangeAspect="1"/>
           </p:cNvSpPr>
@@ -770,7 +826,13 @@
       </p:sp>
       <p:sp>
         <p:nvSpPr>
-          <p:cNvPr id="3" name="Notes Placeholder 2"/>
+          <p:cNvPr id="3" name="Notes Placeholder 2">
+            <a:extLst>
+              <a:ext uri="{FF2B5EF4-FFF2-40B4-BE49-F238E27FC236}">
+                <a16:creationId xmlns:a16="http://schemas.microsoft.com/office/drawing/2014/main" id="{D8549C88-9E97-029B-56B2-658666986CA1}"/>
+              </a:ext>
+            </a:extLst>
+          </p:cNvPr>
           <p:cNvSpPr>
             <a:spLocks noGrp="1"/>
           </p:cNvSpPr>
@@ -789,7 +851,13 @@
       </p:sp>
       <p:sp>
         <p:nvSpPr>
-          <p:cNvPr id="4" name="Slide Number Placeholder 3"/>
+          <p:cNvPr id="4" name="Slide Number Placeholder 3">
+            <a:extLst>
+              <a:ext uri="{FF2B5EF4-FFF2-40B4-BE49-F238E27FC236}">
+                <a16:creationId xmlns:a16="http://schemas.microsoft.com/office/drawing/2014/main" id="{E881EBDF-F8C8-3F48-DAB7-A067C46C99A0}"/>
+              </a:ext>
+            </a:extLst>
+          </p:cNvPr>
           <p:cNvSpPr>
             <a:spLocks noGrp="1"/>
           </p:cNvSpPr>
@@ -804,7 +872,7 @@
           <a:p>
             <a:fld id="{F41AB581-53ED-4C3E-9BFC-DC7A5A05BA32}" type="slidenum">
               <a:rPr lang="en-US" smtClean="0"/>
-              <a:t>23</a:t>
+              <a:t>43</a:t>
             </a:fld>
             <a:endParaRPr lang="en-US"/>
           </a:p>
@@ -813,7 +881,7 @@
     </p:spTree>
     <p:extLst>
       <p:ext uri="{BB962C8B-B14F-4D97-AF65-F5344CB8AC3E}">
-        <p14:creationId xmlns:p14="http://schemas.microsoft.com/office/powerpoint/2010/main" val="2189783315"/>
+        <p14:creationId xmlns:p14="http://schemas.microsoft.com/office/powerpoint/2010/main" val="1009764563"/>
       </p:ext>
     </p:extLst>
   </p:cSld>
@@ -970,7 +1038,7 @@
           <a:p>
             <a:fld id="{88C4DB50-1BB9-4222-AF45-5D8DD1CA396C}" type="datetimeFigureOut">
               <a:rPr lang="en-US" smtClean="0"/>
-              <a:t>2/20/2024</a:t>
+              <a:t>2/27/2024</a:t>
             </a:fld>
             <a:endParaRPr lang="en-US"/>
           </a:p>
@@ -1168,7 +1236,7 @@
           <a:p>
             <a:fld id="{88C4DB50-1BB9-4222-AF45-5D8DD1CA396C}" type="datetimeFigureOut">
               <a:rPr lang="en-US" smtClean="0"/>
-              <a:t>2/20/2024</a:t>
+              <a:t>2/27/2024</a:t>
             </a:fld>
             <a:endParaRPr lang="en-US"/>
           </a:p>
@@ -1376,7 +1444,7 @@
           <a:p>
             <a:fld id="{88C4DB50-1BB9-4222-AF45-5D8DD1CA396C}" type="datetimeFigureOut">
               <a:rPr lang="en-US" smtClean="0"/>
-              <a:t>2/20/2024</a:t>
+              <a:t>2/27/2024</a:t>
             </a:fld>
             <a:endParaRPr lang="en-US"/>
           </a:p>
@@ -1574,7 +1642,7 @@
           <a:p>
             <a:fld id="{88C4DB50-1BB9-4222-AF45-5D8DD1CA396C}" type="datetimeFigureOut">
               <a:rPr lang="en-US" smtClean="0"/>
-              <a:t>2/20/2024</a:t>
+              <a:t>2/27/2024</a:t>
             </a:fld>
             <a:endParaRPr lang="en-US"/>
           </a:p>
@@ -1849,7 +1917,7 @@
           <a:p>
             <a:fld id="{88C4DB50-1BB9-4222-AF45-5D8DD1CA396C}" type="datetimeFigureOut">
               <a:rPr lang="en-US" smtClean="0"/>
-              <a:t>2/20/2024</a:t>
+              <a:t>2/27/2024</a:t>
             </a:fld>
             <a:endParaRPr lang="en-US"/>
           </a:p>
@@ -2114,7 +2182,7 @@
           <a:p>
             <a:fld id="{88C4DB50-1BB9-4222-AF45-5D8DD1CA396C}" type="datetimeFigureOut">
               <a:rPr lang="en-US" smtClean="0"/>
-              <a:t>2/20/2024</a:t>
+              <a:t>2/27/2024</a:t>
             </a:fld>
             <a:endParaRPr lang="en-US"/>
           </a:p>
@@ -2526,7 +2594,7 @@
           <a:p>
             <a:fld id="{88C4DB50-1BB9-4222-AF45-5D8DD1CA396C}" type="datetimeFigureOut">
               <a:rPr lang="en-US" smtClean="0"/>
-              <a:t>2/20/2024</a:t>
+              <a:t>2/27/2024</a:t>
             </a:fld>
             <a:endParaRPr lang="en-US"/>
           </a:p>
@@ -2667,7 +2735,7 @@
           <a:p>
             <a:fld id="{88C4DB50-1BB9-4222-AF45-5D8DD1CA396C}" type="datetimeFigureOut">
               <a:rPr lang="en-US" smtClean="0"/>
-              <a:t>2/20/2024</a:t>
+              <a:t>2/27/2024</a:t>
             </a:fld>
             <a:endParaRPr lang="en-US"/>
           </a:p>
@@ -2788,7 +2856,7 @@
           <a:p>
             <a:fld id="{88C4DB50-1BB9-4222-AF45-5D8DD1CA396C}" type="datetimeFigureOut">
               <a:rPr lang="en-US" smtClean="0"/>
-              <a:t>2/20/2024</a:t>
+              <a:t>2/27/2024</a:t>
             </a:fld>
             <a:endParaRPr lang="en-US"/>
           </a:p>
@@ -3099,7 +3167,7 @@
           <a:p>
             <a:fld id="{88C4DB50-1BB9-4222-AF45-5D8DD1CA396C}" type="datetimeFigureOut">
               <a:rPr lang="en-US" smtClean="0"/>
-              <a:t>2/20/2024</a:t>
+              <a:t>2/27/2024</a:t>
             </a:fld>
             <a:endParaRPr lang="en-US"/>
           </a:p>
@@ -3387,7 +3455,7 @@
           <a:p>
             <a:fld id="{88C4DB50-1BB9-4222-AF45-5D8DD1CA396C}" type="datetimeFigureOut">
               <a:rPr lang="en-US" smtClean="0"/>
-              <a:t>2/20/2024</a:t>
+              <a:t>2/27/2024</a:t>
             </a:fld>
             <a:endParaRPr lang="en-US"/>
           </a:p>
@@ -3628,7 +3696,7 @@
           <a:p>
             <a:fld id="{88C4DB50-1BB9-4222-AF45-5D8DD1CA396C}" type="datetimeFigureOut">
               <a:rPr lang="en-US" smtClean="0"/>
-              <a:t>2/20/2024</a:t>
+              <a:t>2/27/2024</a:t>
             </a:fld>
             <a:endParaRPr lang="en-US"/>
           </a:p>
@@ -4099,7 +4167,13 @@
   <p:cSld>
     <p:spTree>
       <p:nvGrpSpPr>
-        <p:cNvPr id="1" name=""/>
+        <p:cNvPr id="1" name="">
+          <a:extLst>
+            <a:ext uri="{FF2B5EF4-FFF2-40B4-BE49-F238E27FC236}">
+              <a16:creationId xmlns:a16="http://schemas.microsoft.com/office/drawing/2014/main" id="{BBDDA91F-9239-F410-782E-807A6DD1F43A}"/>
+            </a:ext>
+          </a:extLst>
+        </p:cNvPr>
         <p:cNvGrpSpPr/>
         <p:nvPr/>
       </p:nvGrpSpPr>
@@ -4113,10 +4187,10 @@
       </p:grpSpPr>
       <p:pic>
         <p:nvPicPr>
-          <p:cNvPr id="3" name="Picture 2" descr="vlcsnap-2024-02-20-06h05m23s660">
-            <a:extLst>
-              <a:ext uri="{FF2B5EF4-FFF2-40B4-BE49-F238E27FC236}">
-                <a16:creationId xmlns:a16="http://schemas.microsoft.com/office/drawing/2014/main" id="{3C41E79B-F88D-AAD8-37E8-48231E88676A}"/>
+          <p:cNvPr id="3" name="Picture 2" descr="vlcsnap-2024-02-20-00h07m21s305">
+            <a:extLst>
+              <a:ext uri="{FF2B5EF4-FFF2-40B4-BE49-F238E27FC236}">
+                <a16:creationId xmlns:a16="http://schemas.microsoft.com/office/drawing/2014/main" id="{C51D2577-CC8D-E92C-2C4E-FBDEC52D0518}"/>
               </a:ext>
             </a:extLst>
           </p:cNvPr>
@@ -4134,95 +4208,58 @@
               </a:ext>
             </a:extLst>
           </a:blip>
-          <a:srcRect b="5544"/>
+          <a:srcRect b="6807"/>
           <a:stretch/>
         </p:blipFill>
         <p:spPr>
           <a:xfrm>
             <a:off x="0" y="0"/>
-            <a:ext cx="12192000" cy="6477802"/>
+            <a:ext cx="12192000" cy="6391175"/>
           </a:xfrm>
           <a:prstGeom prst="rect">
             <a:avLst/>
           </a:prstGeom>
         </p:spPr>
       </p:pic>
-      <p:sp>
-        <p:nvSpPr>
-          <p:cNvPr id="4" name="Rectangle 3">
-            <a:extLst>
-              <a:ext uri="{FF2B5EF4-FFF2-40B4-BE49-F238E27FC236}">
-                <a16:creationId xmlns:a16="http://schemas.microsoft.com/office/drawing/2014/main" id="{E986CD39-161C-45CC-A57C-77EC5169DF6B}"/>
-              </a:ext>
-            </a:extLst>
-          </p:cNvPr>
-          <p:cNvSpPr>
-            <a:spLocks/>
-          </p:cNvSpPr>
+      <p:pic>
+        <p:nvPicPr>
+          <p:cNvPr id="6" name="Picture 5">
+            <a:extLst>
+              <a:ext uri="{FF2B5EF4-FFF2-40B4-BE49-F238E27FC236}">
+                <a16:creationId xmlns:a16="http://schemas.microsoft.com/office/drawing/2014/main" id="{2FD537F0-9D13-2C4F-A568-F771AF00DB49}"/>
+              </a:ext>
+            </a:extLst>
+          </p:cNvPr>
+          <p:cNvPicPr preferRelativeResize="0">
+            <a:picLocks/>
+          </p:cNvPicPr>
           <p:nvPr/>
-        </p:nvSpPr>
-        <p:spPr>
-          <a:xfrm>
-            <a:off x="365760" y="3497344"/>
-            <a:ext cx="5292977" cy="2870161"/>
-          </a:xfrm>
-          <a:prstGeom prst="rect">
-            <a:avLst/>
-          </a:prstGeom>
-          <a:solidFill>
-            <a:srgbClr val="001215"/>
-          </a:solidFill>
-          <a:ln>
-            <a:noFill/>
-          </a:ln>
-        </p:spPr>
-        <p:style>
-          <a:lnRef idx="2">
-            <a:schemeClr val="accent1">
-              <a:shade val="15000"/>
-            </a:schemeClr>
-          </a:lnRef>
-          <a:fillRef idx="1">
-            <a:schemeClr val="accent1"/>
-          </a:fillRef>
-          <a:effectRef idx="0">
-            <a:schemeClr val="accent1"/>
-          </a:effectRef>
-          <a:fontRef idx="minor">
-            <a:schemeClr val="lt1"/>
-          </a:fontRef>
-        </p:style>
-        <p:txBody>
-          <a:bodyPr tIns="0" rtlCol="0" anchor="ctr"/>
-          <a:lstStyle/>
-          <a:p>
-            <a:pPr algn="ctr"/>
-            <a:endParaRPr lang="en-US"/>
-          </a:p>
-        </p:txBody>
-      </p:sp>
+        </p:nvPicPr>
+        <p:blipFill rotWithShape="1">
+          <a:blip r:embed="rId3"/>
+          <a:srcRect l="-1875" t="-63285" r="1875" b="63441"/>
+          <a:stretch/>
+        </p:blipFill>
+        <p:spPr>
+          <a:xfrm>
+            <a:off x="640080" y="1188720"/>
+            <a:ext cx="4876800" cy="4754880"/>
+          </a:xfrm>
+          <a:prstGeom prst="rect">
+            <a:avLst/>
+          </a:prstGeom>
+        </p:spPr>
+      </p:pic>
     </p:spTree>
     <p:extLst>
       <p:ext uri="{BB962C8B-B14F-4D97-AF65-F5344CB8AC3E}">
-        <p14:creationId xmlns:p14="http://schemas.microsoft.com/office/powerpoint/2010/main" val="384544798"/>
+        <p14:creationId xmlns:p14="http://schemas.microsoft.com/office/powerpoint/2010/main" val="1414295946"/>
       </p:ext>
     </p:extLst>
   </p:cSld>
   <p:clrMapOvr>
     <a:masterClrMapping/>
   </p:clrMapOvr>
-  <mc:AlternateContent xmlns:mc="http://schemas.openxmlformats.org/markup-compatibility/2006">
-    <mc:Choice xmlns:p159="http://schemas.microsoft.com/office/powerpoint/2015/09/main" Requires="p159">
-      <p:transition xmlns:p14="http://schemas.microsoft.com/office/powerpoint/2010/main" spd="slow" p14:dur="2000">
-        <p159:morph option="byObject"/>
-      </p:transition>
-    </mc:Choice>
-    <mc:Fallback>
-      <p:transition spd="slow">
-        <p:fade/>
-      </p:transition>
-    </mc:Fallback>
-  </mc:AlternateContent>
 </p:sld>
 </file>
 
@@ -4231,7 +4268,13 @@
   <p:cSld>
     <p:spTree>
       <p:nvGrpSpPr>
-        <p:cNvPr id="1" name=""/>
+        <p:cNvPr id="1" name="">
+          <a:extLst>
+            <a:ext uri="{FF2B5EF4-FFF2-40B4-BE49-F238E27FC236}">
+              <a16:creationId xmlns:a16="http://schemas.microsoft.com/office/drawing/2014/main" id="{65ACE734-BB17-C709-AD09-B0626539C292}"/>
+            </a:ext>
+          </a:extLst>
+        </p:cNvPr>
         <p:cNvGrpSpPr/>
         <p:nvPr/>
       </p:nvGrpSpPr>
@@ -4245,10 +4288,10 @@
       </p:grpSpPr>
       <p:pic>
         <p:nvPicPr>
-          <p:cNvPr id="3" name="Picture 2" descr="vlcsnap-2024-02-20-06h05m23s660">
-            <a:extLst>
-              <a:ext uri="{FF2B5EF4-FFF2-40B4-BE49-F238E27FC236}">
-                <a16:creationId xmlns:a16="http://schemas.microsoft.com/office/drawing/2014/main" id="{3C41E79B-F88D-AAD8-37E8-48231E88676A}"/>
+          <p:cNvPr id="3" name="Picture 2" descr="vlcsnap-2024-02-20-00h07m21s305">
+            <a:extLst>
+              <a:ext uri="{FF2B5EF4-FFF2-40B4-BE49-F238E27FC236}">
+                <a16:creationId xmlns:a16="http://schemas.microsoft.com/office/drawing/2014/main" id="{515F0667-EF41-2B0C-855C-0FC8337C2AEB}"/>
               </a:ext>
             </a:extLst>
           </p:cNvPr>
@@ -4266,13 +4309,42 @@
               </a:ext>
             </a:extLst>
           </a:blip>
-          <a:srcRect b="5544"/>
+          <a:srcRect b="6807"/>
           <a:stretch/>
         </p:blipFill>
         <p:spPr>
           <a:xfrm>
             <a:off x="0" y="0"/>
-            <a:ext cx="12192000" cy="6477802"/>
+            <a:ext cx="12192000" cy="6391175"/>
+          </a:xfrm>
+          <a:prstGeom prst="rect">
+            <a:avLst/>
+          </a:prstGeom>
+        </p:spPr>
+      </p:pic>
+      <p:pic>
+        <p:nvPicPr>
+          <p:cNvPr id="6" name="Picture 5">
+            <a:extLst>
+              <a:ext uri="{FF2B5EF4-FFF2-40B4-BE49-F238E27FC236}">
+                <a16:creationId xmlns:a16="http://schemas.microsoft.com/office/drawing/2014/main" id="{ECA6C510-FD0E-44DB-F0D3-226B12534AE9}"/>
+              </a:ext>
+            </a:extLst>
+          </p:cNvPr>
+          <p:cNvPicPr preferRelativeResize="0">
+            <a:picLocks/>
+          </p:cNvPicPr>
+          <p:nvPr/>
+        </p:nvPicPr>
+        <p:blipFill rotWithShape="1">
+          <a:blip r:embed="rId3"/>
+          <a:srcRect l="-1875" t="-72885" r="1875" b="73041"/>
+          <a:stretch/>
+        </p:blipFill>
+        <p:spPr>
+          <a:xfrm>
+            <a:off x="640080" y="1188720"/>
+            <a:ext cx="4876800" cy="4754880"/>
           </a:xfrm>
           <a:prstGeom prst="rect">
             <a:avLst/>
@@ -4282,25 +4354,13 @@
     </p:spTree>
     <p:extLst>
       <p:ext uri="{BB962C8B-B14F-4D97-AF65-F5344CB8AC3E}">
-        <p14:creationId xmlns:p14="http://schemas.microsoft.com/office/powerpoint/2010/main" val="686054521"/>
+        <p14:creationId xmlns:p14="http://schemas.microsoft.com/office/powerpoint/2010/main" val="905890530"/>
       </p:ext>
     </p:extLst>
   </p:cSld>
   <p:clrMapOvr>
     <a:masterClrMapping/>
   </p:clrMapOvr>
-  <mc:AlternateContent xmlns:mc="http://schemas.openxmlformats.org/markup-compatibility/2006">
-    <mc:Choice xmlns:p159="http://schemas.microsoft.com/office/powerpoint/2015/09/main" Requires="p159">
-      <p:transition xmlns:p14="http://schemas.microsoft.com/office/powerpoint/2010/main" spd="slow" p14:dur="2000">
-        <p159:morph option="byObject"/>
-      </p:transition>
-    </mc:Choice>
-    <mc:Fallback>
-      <p:transition spd="slow">
-        <p:fade/>
-      </p:transition>
-    </mc:Fallback>
-  </mc:AlternateContent>
 </p:sld>
 </file>
 
@@ -4309,7 +4369,13 @@
   <p:cSld>
     <p:spTree>
       <p:nvGrpSpPr>
-        <p:cNvPr id="1" name=""/>
+        <p:cNvPr id="1" name="">
+          <a:extLst>
+            <a:ext uri="{FF2B5EF4-FFF2-40B4-BE49-F238E27FC236}">
+              <a16:creationId xmlns:a16="http://schemas.microsoft.com/office/drawing/2014/main" id="{1636B6DE-12DA-1801-ACAC-3B68642D7D27}"/>
+            </a:ext>
+          </a:extLst>
+        </p:cNvPr>
         <p:cNvGrpSpPr/>
         <p:nvPr/>
       </p:nvGrpSpPr>
@@ -4323,10 +4389,10 @@
       </p:grpSpPr>
       <p:pic>
         <p:nvPicPr>
-          <p:cNvPr id="3" name="Picture 2" descr="vlcsnap-2024-02-20-06h07m31s983">
-            <a:extLst>
-              <a:ext uri="{FF2B5EF4-FFF2-40B4-BE49-F238E27FC236}">
-                <a16:creationId xmlns:a16="http://schemas.microsoft.com/office/drawing/2014/main" id="{4FCE6023-EB19-CC33-D7ED-0868B8888A9F}"/>
+          <p:cNvPr id="3" name="Picture 2" descr="vlcsnap-2024-02-20-00h07m21s305">
+            <a:extLst>
+              <a:ext uri="{FF2B5EF4-FFF2-40B4-BE49-F238E27FC236}">
+                <a16:creationId xmlns:a16="http://schemas.microsoft.com/office/drawing/2014/main" id="{391A72D1-87C6-F87F-277D-A27CFD2E6950}"/>
               </a:ext>
             </a:extLst>
           </p:cNvPr>
@@ -4344,77 +4410,52 @@
               </a:ext>
             </a:extLst>
           </a:blip>
-          <a:srcRect b="5824"/>
+          <a:srcRect b="6807"/>
           <a:stretch/>
         </p:blipFill>
         <p:spPr>
           <a:xfrm>
             <a:off x="0" y="0"/>
-            <a:ext cx="12192000" cy="6458552"/>
+            <a:ext cx="12192000" cy="6391175"/>
           </a:xfrm>
           <a:prstGeom prst="rect">
             <a:avLst/>
           </a:prstGeom>
         </p:spPr>
       </p:pic>
-      <p:sp>
-        <p:nvSpPr>
-          <p:cNvPr id="4" name="Rectangle 3">
-            <a:extLst>
-              <a:ext uri="{FF2B5EF4-FFF2-40B4-BE49-F238E27FC236}">
-                <a16:creationId xmlns:a16="http://schemas.microsoft.com/office/drawing/2014/main" id="{8DCD2A3C-9056-4DD9-B723-A3F6C10BE480}"/>
-              </a:ext>
-            </a:extLst>
-          </p:cNvPr>
-          <p:cNvSpPr>
-            <a:spLocks/>
-          </p:cNvSpPr>
+      <p:pic>
+        <p:nvPicPr>
+          <p:cNvPr id="6" name="Picture 5">
+            <a:extLst>
+              <a:ext uri="{FF2B5EF4-FFF2-40B4-BE49-F238E27FC236}">
+                <a16:creationId xmlns:a16="http://schemas.microsoft.com/office/drawing/2014/main" id="{790234DE-0E80-C24A-5D7F-2CB386E670C2}"/>
+              </a:ext>
+            </a:extLst>
+          </p:cNvPr>
+          <p:cNvPicPr preferRelativeResize="0">
+            <a:picLocks/>
+          </p:cNvPicPr>
           <p:nvPr/>
-        </p:nvSpPr>
-        <p:spPr>
-          <a:xfrm>
-            <a:off x="365760" y="4308049"/>
-            <a:ext cx="5292977" cy="2059456"/>
-          </a:xfrm>
-          <a:prstGeom prst="rect">
-            <a:avLst/>
-          </a:prstGeom>
-          <a:solidFill>
-            <a:srgbClr val="001215"/>
-          </a:solidFill>
-          <a:ln>
-            <a:noFill/>
-          </a:ln>
-        </p:spPr>
-        <p:style>
-          <a:lnRef idx="2">
-            <a:schemeClr val="accent1">
-              <a:shade val="15000"/>
-            </a:schemeClr>
-          </a:lnRef>
-          <a:fillRef idx="1">
-            <a:schemeClr val="accent1"/>
-          </a:fillRef>
-          <a:effectRef idx="0">
-            <a:schemeClr val="accent1"/>
-          </a:effectRef>
-          <a:fontRef idx="minor">
-            <a:schemeClr val="lt1"/>
-          </a:fontRef>
-        </p:style>
-        <p:txBody>
-          <a:bodyPr tIns="0" rtlCol="0" anchor="ctr"/>
-          <a:lstStyle/>
-          <a:p>
-            <a:pPr algn="ctr"/>
-            <a:endParaRPr lang="en-US"/>
-          </a:p>
-        </p:txBody>
-      </p:sp>
+        </p:nvPicPr>
+        <p:blipFill rotWithShape="1">
+          <a:blip r:embed="rId3"/>
+          <a:srcRect l="-1875" t="-82485" r="1875" b="82641"/>
+          <a:stretch/>
+        </p:blipFill>
+        <p:spPr>
+          <a:xfrm>
+            <a:off x="640080" y="1188720"/>
+            <a:ext cx="4876800" cy="4754880"/>
+          </a:xfrm>
+          <a:prstGeom prst="rect">
+            <a:avLst/>
+          </a:prstGeom>
+        </p:spPr>
+      </p:pic>
     </p:spTree>
     <p:extLst>
       <p:ext uri="{BB962C8B-B14F-4D97-AF65-F5344CB8AC3E}">
-        <p14:creationId xmlns:p14="http://schemas.microsoft.com/office/powerpoint/2010/main" val="872119287"/>
+        <p14:creationId xmlns:p14="http://schemas.microsoft.com/office/powerpoint/2010/main" val="2736306845"/>
       </p:ext>
     </p:extLst>
   </p:cSld>
@@ -4443,10 +4484,10 @@
       </p:grpSpPr>
       <p:pic>
         <p:nvPicPr>
-          <p:cNvPr id="3" name="Picture 2" descr="vlcsnap-2024-02-20-06h07m31s983">
-            <a:extLst>
-              <a:ext uri="{FF2B5EF4-FFF2-40B4-BE49-F238E27FC236}">
-                <a16:creationId xmlns:a16="http://schemas.microsoft.com/office/drawing/2014/main" id="{4FCE6023-EB19-CC33-D7ED-0868B8888A9F}"/>
+          <p:cNvPr id="3" name="Picture 2" descr="vlcsnap-2024-02-20-06h05m23s660">
+            <a:extLst>
+              <a:ext uri="{FF2B5EF4-FFF2-40B4-BE49-F238E27FC236}">
+                <a16:creationId xmlns:a16="http://schemas.microsoft.com/office/drawing/2014/main" id="{3C41E79B-F88D-AAD8-37E8-48231E88676A}"/>
               </a:ext>
             </a:extLst>
           </p:cNvPr>
@@ -4464,77 +4505,52 @@
               </a:ext>
             </a:extLst>
           </a:blip>
-          <a:srcRect b="5824"/>
+          <a:srcRect b="5544"/>
           <a:stretch/>
         </p:blipFill>
         <p:spPr>
           <a:xfrm>
             <a:off x="0" y="0"/>
-            <a:ext cx="12192000" cy="6458552"/>
+            <a:ext cx="12192000" cy="6477802"/>
           </a:xfrm>
           <a:prstGeom prst="rect">
             <a:avLst/>
           </a:prstGeom>
         </p:spPr>
       </p:pic>
-      <p:sp>
-        <p:nvSpPr>
-          <p:cNvPr id="4" name="Rectangle 3">
-            <a:extLst>
-              <a:ext uri="{FF2B5EF4-FFF2-40B4-BE49-F238E27FC236}">
-                <a16:creationId xmlns:a16="http://schemas.microsoft.com/office/drawing/2014/main" id="{8DCD2A3C-9056-4DD9-B723-A3F6C10BE480}"/>
-              </a:ext>
-            </a:extLst>
-          </p:cNvPr>
-          <p:cNvSpPr>
-            <a:spLocks/>
-          </p:cNvSpPr>
+      <p:pic>
+        <p:nvPicPr>
+          <p:cNvPr id="2" name="Picture 1">
+            <a:extLst>
+              <a:ext uri="{FF2B5EF4-FFF2-40B4-BE49-F238E27FC236}">
+                <a16:creationId xmlns:a16="http://schemas.microsoft.com/office/drawing/2014/main" id="{8EB1A406-AD15-FE01-9AF7-8E75F4E86A26}"/>
+              </a:ext>
+            </a:extLst>
+          </p:cNvPr>
+          <p:cNvPicPr preferRelativeResize="0">
+            <a:picLocks/>
+          </p:cNvPicPr>
           <p:nvPr/>
-        </p:nvSpPr>
-        <p:spPr>
-          <a:xfrm>
-            <a:off x="365760" y="5137607"/>
-            <a:ext cx="5292977" cy="1229897"/>
-          </a:xfrm>
-          <a:prstGeom prst="rect">
-            <a:avLst/>
-          </a:prstGeom>
-          <a:solidFill>
-            <a:srgbClr val="001215"/>
-          </a:solidFill>
-          <a:ln>
-            <a:noFill/>
-          </a:ln>
-        </p:spPr>
-        <p:style>
-          <a:lnRef idx="2">
-            <a:schemeClr val="accent1">
-              <a:shade val="15000"/>
-            </a:schemeClr>
-          </a:lnRef>
-          <a:fillRef idx="1">
-            <a:schemeClr val="accent1"/>
-          </a:fillRef>
-          <a:effectRef idx="0">
-            <a:schemeClr val="accent1"/>
-          </a:effectRef>
-          <a:fontRef idx="minor">
-            <a:schemeClr val="lt1"/>
-          </a:fontRef>
-        </p:style>
-        <p:txBody>
-          <a:bodyPr tIns="0" rtlCol="0" anchor="ctr"/>
-          <a:lstStyle/>
-          <a:p>
-            <a:pPr algn="ctr"/>
-            <a:endParaRPr lang="en-US"/>
-          </a:p>
-        </p:txBody>
-      </p:sp>
+        </p:nvPicPr>
+        <p:blipFill rotWithShape="1">
+          <a:blip r:embed="rId3"/>
+          <a:srcRect l="-1875" t="-5682" r="1875" b="5838"/>
+          <a:stretch/>
+        </p:blipFill>
+        <p:spPr>
+          <a:xfrm>
+            <a:off x="640079" y="1188720"/>
+            <a:ext cx="5065395" cy="5193030"/>
+          </a:xfrm>
+          <a:prstGeom prst="rect">
+            <a:avLst/>
+          </a:prstGeom>
+        </p:spPr>
+      </p:pic>
     </p:spTree>
     <p:extLst>
       <p:ext uri="{BB962C8B-B14F-4D97-AF65-F5344CB8AC3E}">
-        <p14:creationId xmlns:p14="http://schemas.microsoft.com/office/powerpoint/2010/main" val="2820296956"/>
+        <p14:creationId xmlns:p14="http://schemas.microsoft.com/office/powerpoint/2010/main" val="1636977245"/>
       </p:ext>
     </p:extLst>
   </p:cSld>
@@ -4549,7 +4565,13 @@
   <p:cSld>
     <p:spTree>
       <p:nvGrpSpPr>
-        <p:cNvPr id="1" name=""/>
+        <p:cNvPr id="1" name="">
+          <a:extLst>
+            <a:ext uri="{FF2B5EF4-FFF2-40B4-BE49-F238E27FC236}">
+              <a16:creationId xmlns:a16="http://schemas.microsoft.com/office/drawing/2014/main" id="{52F88CB9-1E02-7FFB-5C20-F42ED8DCA370}"/>
+            </a:ext>
+          </a:extLst>
+        </p:cNvPr>
         <p:cNvGrpSpPr/>
         <p:nvPr/>
       </p:nvGrpSpPr>
@@ -4563,10 +4585,10 @@
       </p:grpSpPr>
       <p:pic>
         <p:nvPicPr>
-          <p:cNvPr id="3" name="Picture 2" descr="vlcsnap-2024-02-20-06h07m31s983">
-            <a:extLst>
-              <a:ext uri="{FF2B5EF4-FFF2-40B4-BE49-F238E27FC236}">
-                <a16:creationId xmlns:a16="http://schemas.microsoft.com/office/drawing/2014/main" id="{4FCE6023-EB19-CC33-D7ED-0868B8888A9F}"/>
+          <p:cNvPr id="3" name="Picture 2" descr="vlcsnap-2024-02-20-06h05m23s660">
+            <a:extLst>
+              <a:ext uri="{FF2B5EF4-FFF2-40B4-BE49-F238E27FC236}">
+                <a16:creationId xmlns:a16="http://schemas.microsoft.com/office/drawing/2014/main" id="{0F5FECC8-8ED5-CF35-6B48-7B6B82365880}"/>
               </a:ext>
             </a:extLst>
           </p:cNvPr>
@@ -4584,95 +4606,58 @@
               </a:ext>
             </a:extLst>
           </a:blip>
-          <a:srcRect b="5824"/>
+          <a:srcRect b="5544"/>
           <a:stretch/>
         </p:blipFill>
         <p:spPr>
           <a:xfrm>
             <a:off x="0" y="0"/>
-            <a:ext cx="12192000" cy="6458552"/>
+            <a:ext cx="12192000" cy="6477802"/>
           </a:xfrm>
           <a:prstGeom prst="rect">
             <a:avLst/>
           </a:prstGeom>
         </p:spPr>
       </p:pic>
-      <p:sp>
-        <p:nvSpPr>
-          <p:cNvPr id="4" name="Rectangle 3">
-            <a:extLst>
-              <a:ext uri="{FF2B5EF4-FFF2-40B4-BE49-F238E27FC236}">
-                <a16:creationId xmlns:a16="http://schemas.microsoft.com/office/drawing/2014/main" id="{8DCD2A3C-9056-4DD9-B723-A3F6C10BE480}"/>
-              </a:ext>
-            </a:extLst>
-          </p:cNvPr>
-          <p:cNvSpPr>
-            <a:spLocks/>
-          </p:cNvSpPr>
+      <p:pic>
+        <p:nvPicPr>
+          <p:cNvPr id="2" name="Picture 1">
+            <a:extLst>
+              <a:ext uri="{FF2B5EF4-FFF2-40B4-BE49-F238E27FC236}">
+                <a16:creationId xmlns:a16="http://schemas.microsoft.com/office/drawing/2014/main" id="{765728CE-E009-CB47-1AA7-C9D9062468F5}"/>
+              </a:ext>
+            </a:extLst>
+          </p:cNvPr>
+          <p:cNvPicPr preferRelativeResize="0">
+            <a:picLocks/>
+          </p:cNvPicPr>
           <p:nvPr/>
-        </p:nvSpPr>
-        <p:spPr>
-          <a:xfrm flipV="1">
-            <a:off x="365760" y="6367504"/>
-            <a:ext cx="5292977" cy="45719"/>
-          </a:xfrm>
-          <a:prstGeom prst="rect">
-            <a:avLst/>
-          </a:prstGeom>
-          <a:solidFill>
-            <a:srgbClr val="001215"/>
-          </a:solidFill>
-          <a:ln>
-            <a:noFill/>
-          </a:ln>
-        </p:spPr>
-        <p:style>
-          <a:lnRef idx="2">
-            <a:schemeClr val="accent1">
-              <a:shade val="15000"/>
-            </a:schemeClr>
-          </a:lnRef>
-          <a:fillRef idx="1">
-            <a:schemeClr val="accent1"/>
-          </a:fillRef>
-          <a:effectRef idx="0">
-            <a:schemeClr val="accent1"/>
-          </a:effectRef>
-          <a:fontRef idx="minor">
-            <a:schemeClr val="lt1"/>
-          </a:fontRef>
-        </p:style>
-        <p:txBody>
-          <a:bodyPr tIns="0" rtlCol="0" anchor="ctr"/>
-          <a:lstStyle/>
-          <a:p>
-            <a:pPr algn="ctr"/>
-            <a:endParaRPr lang="en-US"/>
-          </a:p>
-        </p:txBody>
-      </p:sp>
+        </p:nvPicPr>
+        <p:blipFill rotWithShape="1">
+          <a:blip r:embed="rId3"/>
+          <a:srcRect l="-1875" t="-12230" r="1875" b="12384"/>
+          <a:stretch/>
+        </p:blipFill>
+        <p:spPr>
+          <a:xfrm>
+            <a:off x="640079" y="1188720"/>
+            <a:ext cx="5065395" cy="5193030"/>
+          </a:xfrm>
+          <a:prstGeom prst="rect">
+            <a:avLst/>
+          </a:prstGeom>
+        </p:spPr>
+      </p:pic>
     </p:spTree>
     <p:extLst>
       <p:ext uri="{BB962C8B-B14F-4D97-AF65-F5344CB8AC3E}">
-        <p14:creationId xmlns:p14="http://schemas.microsoft.com/office/powerpoint/2010/main" val="189824319"/>
+        <p14:creationId xmlns:p14="http://schemas.microsoft.com/office/powerpoint/2010/main" val="1366931386"/>
       </p:ext>
     </p:extLst>
   </p:cSld>
   <p:clrMapOvr>
     <a:masterClrMapping/>
   </p:clrMapOvr>
-  <mc:AlternateContent xmlns:mc="http://schemas.openxmlformats.org/markup-compatibility/2006">
-    <mc:Choice xmlns:p159="http://schemas.microsoft.com/office/powerpoint/2015/09/main" Requires="p159">
-      <p:transition xmlns:p14="http://schemas.microsoft.com/office/powerpoint/2010/main" spd="slow" p14:dur="2000">
-        <p159:morph option="byObject"/>
-      </p:transition>
-    </mc:Choice>
-    <mc:Fallback>
-      <p:transition spd="slow">
-        <p:fade/>
-      </p:transition>
-    </mc:Fallback>
-  </mc:AlternateContent>
 </p:sld>
 </file>
 
@@ -4681,7 +4666,13 @@
   <p:cSld>
     <p:spTree>
       <p:nvGrpSpPr>
-        <p:cNvPr id="1" name=""/>
+        <p:cNvPr id="1" name="">
+          <a:extLst>
+            <a:ext uri="{FF2B5EF4-FFF2-40B4-BE49-F238E27FC236}">
+              <a16:creationId xmlns:a16="http://schemas.microsoft.com/office/drawing/2014/main" id="{4EEC6727-501D-6E85-79FB-196419BB37BD}"/>
+            </a:ext>
+          </a:extLst>
+        </p:cNvPr>
         <p:cNvGrpSpPr/>
         <p:nvPr/>
       </p:nvGrpSpPr>
@@ -4695,10 +4686,10 @@
       </p:grpSpPr>
       <p:pic>
         <p:nvPicPr>
-          <p:cNvPr id="3" name="Picture 2" descr="vlcsnap-2024-02-20-06h09m03s252">
-            <a:extLst>
-              <a:ext uri="{FF2B5EF4-FFF2-40B4-BE49-F238E27FC236}">
-                <a16:creationId xmlns:a16="http://schemas.microsoft.com/office/drawing/2014/main" id="{07709475-0B96-0728-B42C-1D6E5A230203}"/>
+          <p:cNvPr id="3" name="Picture 2" descr="vlcsnap-2024-02-20-06h05m23s660">
+            <a:extLst>
+              <a:ext uri="{FF2B5EF4-FFF2-40B4-BE49-F238E27FC236}">
+                <a16:creationId xmlns:a16="http://schemas.microsoft.com/office/drawing/2014/main" id="{F275FE7D-E73D-22B4-C78A-910DC515BD72}"/>
               </a:ext>
             </a:extLst>
           </p:cNvPr>
@@ -4716,95 +4707,58 @@
               </a:ext>
             </a:extLst>
           </a:blip>
-          <a:srcRect b="6117"/>
+          <a:srcRect b="5544"/>
           <a:stretch/>
         </p:blipFill>
         <p:spPr>
           <a:xfrm>
             <a:off x="0" y="0"/>
-            <a:ext cx="12192000" cy="6438507"/>
+            <a:ext cx="12192000" cy="6477802"/>
           </a:xfrm>
           <a:prstGeom prst="rect">
             <a:avLst/>
           </a:prstGeom>
         </p:spPr>
       </p:pic>
-      <p:sp>
-        <p:nvSpPr>
-          <p:cNvPr id="4" name="Rectangle 3">
-            <a:extLst>
-              <a:ext uri="{FF2B5EF4-FFF2-40B4-BE49-F238E27FC236}">
-                <a16:creationId xmlns:a16="http://schemas.microsoft.com/office/drawing/2014/main" id="{1015C97C-CEDD-47AE-B7E3-01E0F83DE912}"/>
-              </a:ext>
-            </a:extLst>
-          </p:cNvPr>
-          <p:cNvSpPr>
-            <a:spLocks/>
-          </p:cNvSpPr>
+      <p:pic>
+        <p:nvPicPr>
+          <p:cNvPr id="2" name="Picture 1">
+            <a:extLst>
+              <a:ext uri="{FF2B5EF4-FFF2-40B4-BE49-F238E27FC236}">
+                <a16:creationId xmlns:a16="http://schemas.microsoft.com/office/drawing/2014/main" id="{E386223F-4A62-E499-86DB-78876A4DFAED}"/>
+              </a:ext>
+            </a:extLst>
+          </p:cNvPr>
+          <p:cNvPicPr preferRelativeResize="0">
+            <a:picLocks/>
+          </p:cNvPicPr>
           <p:nvPr/>
-        </p:nvSpPr>
-        <p:spPr>
-          <a:xfrm>
-            <a:off x="365760" y="1875935"/>
-            <a:ext cx="5730240" cy="4491570"/>
-          </a:xfrm>
-          <a:prstGeom prst="rect">
-            <a:avLst/>
-          </a:prstGeom>
-          <a:solidFill>
-            <a:srgbClr val="001215"/>
-          </a:solidFill>
-          <a:ln>
-            <a:noFill/>
-          </a:ln>
-        </p:spPr>
-        <p:style>
-          <a:lnRef idx="2">
-            <a:schemeClr val="accent1">
-              <a:shade val="15000"/>
-            </a:schemeClr>
-          </a:lnRef>
-          <a:fillRef idx="1">
-            <a:schemeClr val="accent1"/>
-          </a:fillRef>
-          <a:effectRef idx="0">
-            <a:schemeClr val="accent1"/>
-          </a:effectRef>
-          <a:fontRef idx="minor">
-            <a:schemeClr val="lt1"/>
-          </a:fontRef>
-        </p:style>
-        <p:txBody>
-          <a:bodyPr tIns="0" rtlCol="0" anchor="ctr"/>
-          <a:lstStyle/>
-          <a:p>
-            <a:pPr algn="ctr"/>
-            <a:endParaRPr lang="en-US"/>
-          </a:p>
-        </p:txBody>
-      </p:sp>
+        </p:nvPicPr>
+        <p:blipFill rotWithShape="1">
+          <a:blip r:embed="rId3"/>
+          <a:srcRect l="-1875" t="-19262" r="1875" b="19416"/>
+          <a:stretch/>
+        </p:blipFill>
+        <p:spPr>
+          <a:xfrm>
+            <a:off x="640079" y="1188720"/>
+            <a:ext cx="5065395" cy="5193030"/>
+          </a:xfrm>
+          <a:prstGeom prst="rect">
+            <a:avLst/>
+          </a:prstGeom>
+        </p:spPr>
+      </p:pic>
     </p:spTree>
     <p:extLst>
       <p:ext uri="{BB962C8B-B14F-4D97-AF65-F5344CB8AC3E}">
-        <p14:creationId xmlns:p14="http://schemas.microsoft.com/office/powerpoint/2010/main" val="2439496293"/>
+        <p14:creationId xmlns:p14="http://schemas.microsoft.com/office/powerpoint/2010/main" val="2875917886"/>
       </p:ext>
     </p:extLst>
   </p:cSld>
   <p:clrMapOvr>
     <a:masterClrMapping/>
   </p:clrMapOvr>
-  <mc:AlternateContent xmlns:mc="http://schemas.openxmlformats.org/markup-compatibility/2006">
-    <mc:Choice xmlns:p159="http://schemas.microsoft.com/office/powerpoint/2015/09/main" Requires="p159">
-      <p:transition xmlns:p14="http://schemas.microsoft.com/office/powerpoint/2010/main" spd="slow" p14:dur="2000">
-        <p159:morph option="byObject"/>
-      </p:transition>
-    </mc:Choice>
-    <mc:Fallback>
-      <p:transition spd="slow">
-        <p:fade/>
-      </p:transition>
-    </mc:Fallback>
-  </mc:AlternateContent>
 </p:sld>
 </file>
 
@@ -4813,7 +4767,13 @@
   <p:cSld>
     <p:spTree>
       <p:nvGrpSpPr>
-        <p:cNvPr id="1" name=""/>
+        <p:cNvPr id="1" name="">
+          <a:extLst>
+            <a:ext uri="{FF2B5EF4-FFF2-40B4-BE49-F238E27FC236}">
+              <a16:creationId xmlns:a16="http://schemas.microsoft.com/office/drawing/2014/main" id="{7B9889B5-87DF-D22E-3BC6-DE7474B4D63D}"/>
+            </a:ext>
+          </a:extLst>
+        </p:cNvPr>
         <p:cNvGrpSpPr/>
         <p:nvPr/>
       </p:nvGrpSpPr>
@@ -4827,10 +4787,10 @@
       </p:grpSpPr>
       <p:pic>
         <p:nvPicPr>
-          <p:cNvPr id="3" name="Picture 2" descr="vlcsnap-2024-02-20-06h09m03s252">
-            <a:extLst>
-              <a:ext uri="{FF2B5EF4-FFF2-40B4-BE49-F238E27FC236}">
-                <a16:creationId xmlns:a16="http://schemas.microsoft.com/office/drawing/2014/main" id="{07709475-0B96-0728-B42C-1D6E5A230203}"/>
+          <p:cNvPr id="3" name="Picture 2" descr="vlcsnap-2024-02-20-06h05m23s660">
+            <a:extLst>
+              <a:ext uri="{FF2B5EF4-FFF2-40B4-BE49-F238E27FC236}">
+                <a16:creationId xmlns:a16="http://schemas.microsoft.com/office/drawing/2014/main" id="{F87D90D6-8D73-EB3A-7FF2-E9D7E84664CD}"/>
               </a:ext>
             </a:extLst>
           </p:cNvPr>
@@ -4848,95 +4808,58 @@
               </a:ext>
             </a:extLst>
           </a:blip>
-          <a:srcRect b="6117"/>
+          <a:srcRect b="5544"/>
           <a:stretch/>
         </p:blipFill>
         <p:spPr>
           <a:xfrm>
             <a:off x="0" y="0"/>
-            <a:ext cx="12192000" cy="6438507"/>
+            <a:ext cx="12192000" cy="6477802"/>
           </a:xfrm>
           <a:prstGeom prst="rect">
             <a:avLst/>
           </a:prstGeom>
         </p:spPr>
       </p:pic>
-      <p:sp>
-        <p:nvSpPr>
-          <p:cNvPr id="4" name="Rectangle 3">
-            <a:extLst>
-              <a:ext uri="{FF2B5EF4-FFF2-40B4-BE49-F238E27FC236}">
-                <a16:creationId xmlns:a16="http://schemas.microsoft.com/office/drawing/2014/main" id="{1015C97C-CEDD-47AE-B7E3-01E0F83DE912}"/>
-              </a:ext>
-            </a:extLst>
-          </p:cNvPr>
-          <p:cNvSpPr>
-            <a:spLocks/>
-          </p:cNvSpPr>
+      <p:pic>
+        <p:nvPicPr>
+          <p:cNvPr id="2" name="Picture 1">
+            <a:extLst>
+              <a:ext uri="{FF2B5EF4-FFF2-40B4-BE49-F238E27FC236}">
+                <a16:creationId xmlns:a16="http://schemas.microsoft.com/office/drawing/2014/main" id="{57C01897-A8A7-2830-E915-059905C83830}"/>
+              </a:ext>
+            </a:extLst>
+          </p:cNvPr>
+          <p:cNvPicPr preferRelativeResize="0">
+            <a:picLocks/>
+          </p:cNvPicPr>
           <p:nvPr/>
-        </p:nvSpPr>
-        <p:spPr>
-          <a:xfrm>
-            <a:off x="365760" y="3054285"/>
-            <a:ext cx="5730240" cy="3313220"/>
-          </a:xfrm>
-          <a:prstGeom prst="rect">
-            <a:avLst/>
-          </a:prstGeom>
-          <a:solidFill>
-            <a:srgbClr val="001215"/>
-          </a:solidFill>
-          <a:ln>
-            <a:noFill/>
-          </a:ln>
-        </p:spPr>
-        <p:style>
-          <a:lnRef idx="2">
-            <a:schemeClr val="accent1">
-              <a:shade val="15000"/>
-            </a:schemeClr>
-          </a:lnRef>
-          <a:fillRef idx="1">
-            <a:schemeClr val="accent1"/>
-          </a:fillRef>
-          <a:effectRef idx="0">
-            <a:schemeClr val="accent1"/>
-          </a:effectRef>
-          <a:fontRef idx="minor">
-            <a:schemeClr val="lt1"/>
-          </a:fontRef>
-        </p:style>
-        <p:txBody>
-          <a:bodyPr tIns="0" rtlCol="0" anchor="ctr"/>
-          <a:lstStyle/>
-          <a:p>
-            <a:pPr algn="ctr"/>
-            <a:endParaRPr lang="en-US"/>
-          </a:p>
-        </p:txBody>
-      </p:sp>
+        </p:nvPicPr>
+        <p:blipFill rotWithShape="1">
+          <a:blip r:embed="rId3"/>
+          <a:srcRect l="-1875" t="-28055" r="1875" b="28206"/>
+          <a:stretch/>
+        </p:blipFill>
+        <p:spPr>
+          <a:xfrm>
+            <a:off x="640079" y="1188720"/>
+            <a:ext cx="5065395" cy="5193030"/>
+          </a:xfrm>
+          <a:prstGeom prst="rect">
+            <a:avLst/>
+          </a:prstGeom>
+        </p:spPr>
+      </p:pic>
     </p:spTree>
     <p:extLst>
       <p:ext uri="{BB962C8B-B14F-4D97-AF65-F5344CB8AC3E}">
-        <p14:creationId xmlns:p14="http://schemas.microsoft.com/office/powerpoint/2010/main" val="2550248331"/>
+        <p14:creationId xmlns:p14="http://schemas.microsoft.com/office/powerpoint/2010/main" val="1309837688"/>
       </p:ext>
     </p:extLst>
   </p:cSld>
   <p:clrMapOvr>
     <a:masterClrMapping/>
   </p:clrMapOvr>
-  <mc:AlternateContent xmlns:mc="http://schemas.openxmlformats.org/markup-compatibility/2006">
-    <mc:Choice xmlns:p159="http://schemas.microsoft.com/office/powerpoint/2015/09/main" Requires="p159">
-      <p:transition xmlns:p14="http://schemas.microsoft.com/office/powerpoint/2010/main" spd="slow" p14:dur="2000">
-        <p159:morph option="byObject"/>
-      </p:transition>
-    </mc:Choice>
-    <mc:Fallback>
-      <p:transition spd="slow">
-        <p:fade/>
-      </p:transition>
-    </mc:Fallback>
-  </mc:AlternateContent>
 </p:sld>
 </file>
 
@@ -4945,7 +4868,13 @@
   <p:cSld>
     <p:spTree>
       <p:nvGrpSpPr>
-        <p:cNvPr id="1" name=""/>
+        <p:cNvPr id="1" name="">
+          <a:extLst>
+            <a:ext uri="{FF2B5EF4-FFF2-40B4-BE49-F238E27FC236}">
+              <a16:creationId xmlns:a16="http://schemas.microsoft.com/office/drawing/2014/main" id="{17FBC585-A901-072E-2D37-F2405EE78B74}"/>
+            </a:ext>
+          </a:extLst>
+        </p:cNvPr>
         <p:cNvGrpSpPr/>
         <p:nvPr/>
       </p:nvGrpSpPr>
@@ -4959,10 +4888,10 @@
       </p:grpSpPr>
       <p:pic>
         <p:nvPicPr>
-          <p:cNvPr id="3" name="Picture 2" descr="vlcsnap-2024-02-20-06h09m03s252">
-            <a:extLst>
-              <a:ext uri="{FF2B5EF4-FFF2-40B4-BE49-F238E27FC236}">
-                <a16:creationId xmlns:a16="http://schemas.microsoft.com/office/drawing/2014/main" id="{07709475-0B96-0728-B42C-1D6E5A230203}"/>
+          <p:cNvPr id="3" name="Picture 2" descr="vlcsnap-2024-02-20-06h05m23s660">
+            <a:extLst>
+              <a:ext uri="{FF2B5EF4-FFF2-40B4-BE49-F238E27FC236}">
+                <a16:creationId xmlns:a16="http://schemas.microsoft.com/office/drawing/2014/main" id="{B4758C86-B3E8-7DB5-CE4F-139B1F600AB2}"/>
               </a:ext>
             </a:extLst>
           </p:cNvPr>
@@ -4980,95 +4909,58 @@
               </a:ext>
             </a:extLst>
           </a:blip>
-          <a:srcRect b="6117"/>
+          <a:srcRect b="5544"/>
           <a:stretch/>
         </p:blipFill>
         <p:spPr>
           <a:xfrm>
             <a:off x="0" y="0"/>
-            <a:ext cx="12192000" cy="6438507"/>
+            <a:ext cx="12192000" cy="6477802"/>
           </a:xfrm>
           <a:prstGeom prst="rect">
             <a:avLst/>
           </a:prstGeom>
         </p:spPr>
       </p:pic>
-      <p:sp>
-        <p:nvSpPr>
-          <p:cNvPr id="4" name="Rectangle 3">
-            <a:extLst>
-              <a:ext uri="{FF2B5EF4-FFF2-40B4-BE49-F238E27FC236}">
-                <a16:creationId xmlns:a16="http://schemas.microsoft.com/office/drawing/2014/main" id="{1015C97C-CEDD-47AE-B7E3-01E0F83DE912}"/>
-              </a:ext>
-            </a:extLst>
-          </p:cNvPr>
-          <p:cNvSpPr>
-            <a:spLocks/>
-          </p:cNvSpPr>
+      <p:pic>
+        <p:nvPicPr>
+          <p:cNvPr id="2" name="Picture 1">
+            <a:extLst>
+              <a:ext uri="{FF2B5EF4-FFF2-40B4-BE49-F238E27FC236}">
+                <a16:creationId xmlns:a16="http://schemas.microsoft.com/office/drawing/2014/main" id="{FF071D04-6374-C040-B847-CD648C8A4C27}"/>
+              </a:ext>
+            </a:extLst>
+          </p:cNvPr>
+          <p:cNvPicPr preferRelativeResize="0">
+            <a:picLocks/>
+          </p:cNvPicPr>
           <p:nvPr/>
-        </p:nvSpPr>
-        <p:spPr>
-          <a:xfrm>
-            <a:off x="365760" y="3506771"/>
-            <a:ext cx="5730240" cy="2860734"/>
-          </a:xfrm>
-          <a:prstGeom prst="rect">
-            <a:avLst/>
-          </a:prstGeom>
-          <a:solidFill>
-            <a:srgbClr val="001215"/>
-          </a:solidFill>
-          <a:ln>
-            <a:noFill/>
-          </a:ln>
-        </p:spPr>
-        <p:style>
-          <a:lnRef idx="2">
-            <a:schemeClr val="accent1">
-              <a:shade val="15000"/>
-            </a:schemeClr>
-          </a:lnRef>
-          <a:fillRef idx="1">
-            <a:schemeClr val="accent1"/>
-          </a:fillRef>
-          <a:effectRef idx="0">
-            <a:schemeClr val="accent1"/>
-          </a:effectRef>
-          <a:fontRef idx="minor">
-            <a:schemeClr val="lt1"/>
-          </a:fontRef>
-        </p:style>
-        <p:txBody>
-          <a:bodyPr tIns="0" rtlCol="0" anchor="ctr"/>
-          <a:lstStyle/>
-          <a:p>
-            <a:pPr algn="ctr"/>
-            <a:endParaRPr lang="en-US"/>
-          </a:p>
-        </p:txBody>
-      </p:sp>
+        </p:nvPicPr>
+        <p:blipFill rotWithShape="1">
+          <a:blip r:embed="rId3"/>
+          <a:srcRect l="-1875" t="-35088" r="1875" b="35238"/>
+          <a:stretch/>
+        </p:blipFill>
+        <p:spPr>
+          <a:xfrm>
+            <a:off x="640079" y="1188720"/>
+            <a:ext cx="5065395" cy="5193030"/>
+          </a:xfrm>
+          <a:prstGeom prst="rect">
+            <a:avLst/>
+          </a:prstGeom>
+        </p:spPr>
+      </p:pic>
     </p:spTree>
     <p:extLst>
       <p:ext uri="{BB962C8B-B14F-4D97-AF65-F5344CB8AC3E}">
-        <p14:creationId xmlns:p14="http://schemas.microsoft.com/office/powerpoint/2010/main" val="941557735"/>
+        <p14:creationId xmlns:p14="http://schemas.microsoft.com/office/powerpoint/2010/main" val="3358446037"/>
       </p:ext>
     </p:extLst>
   </p:cSld>
   <p:clrMapOvr>
     <a:masterClrMapping/>
   </p:clrMapOvr>
-  <mc:AlternateContent xmlns:mc="http://schemas.openxmlformats.org/markup-compatibility/2006">
-    <mc:Choice xmlns:p159="http://schemas.microsoft.com/office/powerpoint/2015/09/main" Requires="p159">
-      <p:transition xmlns:p14="http://schemas.microsoft.com/office/powerpoint/2010/main" spd="slow" p14:dur="2000">
-        <p159:morph option="byObject"/>
-      </p:transition>
-    </mc:Choice>
-    <mc:Fallback>
-      <p:transition spd="slow">
-        <p:fade/>
-      </p:transition>
-    </mc:Fallback>
-  </mc:AlternateContent>
 </p:sld>
 </file>
 
@@ -5077,7 +4969,13 @@
   <p:cSld>
     <p:spTree>
       <p:nvGrpSpPr>
-        <p:cNvPr id="1" name=""/>
+        <p:cNvPr id="1" name="">
+          <a:extLst>
+            <a:ext uri="{FF2B5EF4-FFF2-40B4-BE49-F238E27FC236}">
+              <a16:creationId xmlns:a16="http://schemas.microsoft.com/office/drawing/2014/main" id="{F2E6206C-040B-3539-2200-D82C052A9A26}"/>
+            </a:ext>
+          </a:extLst>
+        </p:cNvPr>
         <p:cNvGrpSpPr/>
         <p:nvPr/>
       </p:nvGrpSpPr>
@@ -5091,10 +4989,10 @@
       </p:grpSpPr>
       <p:pic>
         <p:nvPicPr>
-          <p:cNvPr id="3" name="Picture 2" descr="vlcsnap-2024-02-20-06h09m03s252">
-            <a:extLst>
-              <a:ext uri="{FF2B5EF4-FFF2-40B4-BE49-F238E27FC236}">
-                <a16:creationId xmlns:a16="http://schemas.microsoft.com/office/drawing/2014/main" id="{07709475-0B96-0728-B42C-1D6E5A230203}"/>
+          <p:cNvPr id="3" name="Picture 2" descr="vlcsnap-2024-02-20-06h05m23s660">
+            <a:extLst>
+              <a:ext uri="{FF2B5EF4-FFF2-40B4-BE49-F238E27FC236}">
+                <a16:creationId xmlns:a16="http://schemas.microsoft.com/office/drawing/2014/main" id="{D2A9A7C4-76FE-9BFD-2C87-DF58A16E515A}"/>
               </a:ext>
             </a:extLst>
           </p:cNvPr>
@@ -5112,95 +5010,58 @@
               </a:ext>
             </a:extLst>
           </a:blip>
-          <a:srcRect b="6117"/>
+          <a:srcRect b="5544"/>
           <a:stretch/>
         </p:blipFill>
         <p:spPr>
           <a:xfrm>
             <a:off x="0" y="0"/>
-            <a:ext cx="12192000" cy="6438507"/>
+            <a:ext cx="12192000" cy="6477802"/>
           </a:xfrm>
           <a:prstGeom prst="rect">
             <a:avLst/>
           </a:prstGeom>
         </p:spPr>
       </p:pic>
-      <p:sp>
-        <p:nvSpPr>
-          <p:cNvPr id="4" name="Rectangle 3">
-            <a:extLst>
-              <a:ext uri="{FF2B5EF4-FFF2-40B4-BE49-F238E27FC236}">
-                <a16:creationId xmlns:a16="http://schemas.microsoft.com/office/drawing/2014/main" id="{1015C97C-CEDD-47AE-B7E3-01E0F83DE912}"/>
-              </a:ext>
-            </a:extLst>
-          </p:cNvPr>
-          <p:cNvSpPr>
-            <a:spLocks/>
-          </p:cNvSpPr>
+      <p:pic>
+        <p:nvPicPr>
+          <p:cNvPr id="2" name="Picture 1">
+            <a:extLst>
+              <a:ext uri="{FF2B5EF4-FFF2-40B4-BE49-F238E27FC236}">
+                <a16:creationId xmlns:a16="http://schemas.microsoft.com/office/drawing/2014/main" id="{D079B1D5-FA55-CC37-D94E-745ED1EC4ACC}"/>
+              </a:ext>
+            </a:extLst>
+          </p:cNvPr>
+          <p:cNvPicPr preferRelativeResize="0">
+            <a:picLocks/>
+          </p:cNvPicPr>
           <p:nvPr/>
-        </p:nvSpPr>
-        <p:spPr>
-          <a:xfrm>
-            <a:off x="365760" y="3874415"/>
-            <a:ext cx="5730240" cy="2493089"/>
-          </a:xfrm>
-          <a:prstGeom prst="rect">
-            <a:avLst/>
-          </a:prstGeom>
-          <a:solidFill>
-            <a:srgbClr val="001215"/>
-          </a:solidFill>
-          <a:ln>
-            <a:noFill/>
-          </a:ln>
-        </p:spPr>
-        <p:style>
-          <a:lnRef idx="2">
-            <a:schemeClr val="accent1">
-              <a:shade val="15000"/>
-            </a:schemeClr>
-          </a:lnRef>
-          <a:fillRef idx="1">
-            <a:schemeClr val="accent1"/>
-          </a:fillRef>
-          <a:effectRef idx="0">
-            <a:schemeClr val="accent1"/>
-          </a:effectRef>
-          <a:fontRef idx="minor">
-            <a:schemeClr val="lt1"/>
-          </a:fontRef>
-        </p:style>
-        <p:txBody>
-          <a:bodyPr tIns="0" rtlCol="0" anchor="ctr"/>
-          <a:lstStyle/>
-          <a:p>
-            <a:pPr algn="ctr"/>
-            <a:endParaRPr lang="en-US"/>
-          </a:p>
-        </p:txBody>
-      </p:sp>
+        </p:nvPicPr>
+        <p:blipFill rotWithShape="1">
+          <a:blip r:embed="rId3"/>
+          <a:srcRect l="-1875" t="-43880" r="1875" b="44030"/>
+          <a:stretch/>
+        </p:blipFill>
+        <p:spPr>
+          <a:xfrm>
+            <a:off x="640079" y="1188720"/>
+            <a:ext cx="5065395" cy="5193030"/>
+          </a:xfrm>
+          <a:prstGeom prst="rect">
+            <a:avLst/>
+          </a:prstGeom>
+        </p:spPr>
+      </p:pic>
     </p:spTree>
     <p:extLst>
       <p:ext uri="{BB962C8B-B14F-4D97-AF65-F5344CB8AC3E}">
-        <p14:creationId xmlns:p14="http://schemas.microsoft.com/office/powerpoint/2010/main" val="3055552536"/>
+        <p14:creationId xmlns:p14="http://schemas.microsoft.com/office/powerpoint/2010/main" val="2218376180"/>
       </p:ext>
     </p:extLst>
   </p:cSld>
   <p:clrMapOvr>
     <a:masterClrMapping/>
   </p:clrMapOvr>
-  <mc:AlternateContent xmlns:mc="http://schemas.openxmlformats.org/markup-compatibility/2006">
-    <mc:Choice xmlns:p159="http://schemas.microsoft.com/office/powerpoint/2015/09/main" Requires="p159">
-      <p:transition xmlns:p14="http://schemas.microsoft.com/office/powerpoint/2010/main" spd="slow" p14:dur="2000">
-        <p159:morph option="byObject"/>
-      </p:transition>
-    </mc:Choice>
-    <mc:Fallback>
-      <p:transition spd="slow">
-        <p:fade/>
-      </p:transition>
-    </mc:Fallback>
-  </mc:AlternateContent>
 </p:sld>
 </file>
 
@@ -5209,7 +5070,13 @@
   <p:cSld>
     <p:spTree>
       <p:nvGrpSpPr>
-        <p:cNvPr id="1" name=""/>
+        <p:cNvPr id="1" name="">
+          <a:extLst>
+            <a:ext uri="{FF2B5EF4-FFF2-40B4-BE49-F238E27FC236}">
+              <a16:creationId xmlns:a16="http://schemas.microsoft.com/office/drawing/2014/main" id="{951DB35E-EC4B-3824-D08D-133D3CE60802}"/>
+            </a:ext>
+          </a:extLst>
+        </p:cNvPr>
         <p:cNvGrpSpPr/>
         <p:nvPr/>
       </p:nvGrpSpPr>
@@ -5223,10 +5090,10 @@
       </p:grpSpPr>
       <p:pic>
         <p:nvPicPr>
-          <p:cNvPr id="3" name="Picture 2" descr="vlcsnap-2024-02-20-06h09m03s252">
-            <a:extLst>
-              <a:ext uri="{FF2B5EF4-FFF2-40B4-BE49-F238E27FC236}">
-                <a16:creationId xmlns:a16="http://schemas.microsoft.com/office/drawing/2014/main" id="{07709475-0B96-0728-B42C-1D6E5A230203}"/>
+          <p:cNvPr id="3" name="Picture 2" descr="vlcsnap-2024-02-20-06h05m23s660">
+            <a:extLst>
+              <a:ext uri="{FF2B5EF4-FFF2-40B4-BE49-F238E27FC236}">
+                <a16:creationId xmlns:a16="http://schemas.microsoft.com/office/drawing/2014/main" id="{E69EE487-D5B1-F2C8-CDB9-E77C6CA52518}"/>
               </a:ext>
             </a:extLst>
           </p:cNvPr>
@@ -5244,95 +5111,87 @@
               </a:ext>
             </a:extLst>
           </a:blip>
-          <a:srcRect b="6117"/>
+          <a:srcRect b="5544"/>
           <a:stretch/>
         </p:blipFill>
         <p:spPr>
           <a:xfrm>
             <a:off x="0" y="0"/>
-            <a:ext cx="12192000" cy="6438507"/>
+            <a:ext cx="12192000" cy="6477802"/>
           </a:xfrm>
           <a:prstGeom prst="rect">
             <a:avLst/>
           </a:prstGeom>
         </p:spPr>
       </p:pic>
-      <p:sp>
-        <p:nvSpPr>
-          <p:cNvPr id="4" name="Rectangle 3">
-            <a:extLst>
-              <a:ext uri="{FF2B5EF4-FFF2-40B4-BE49-F238E27FC236}">
-                <a16:creationId xmlns:a16="http://schemas.microsoft.com/office/drawing/2014/main" id="{1015C97C-CEDD-47AE-B7E3-01E0F83DE912}"/>
-              </a:ext>
-            </a:extLst>
-          </p:cNvPr>
-          <p:cNvSpPr>
-            <a:spLocks/>
-          </p:cNvSpPr>
+      <p:pic>
+        <p:nvPicPr>
+          <p:cNvPr id="2" name="Picture 1">
+            <a:extLst>
+              <a:ext uri="{FF2B5EF4-FFF2-40B4-BE49-F238E27FC236}">
+                <a16:creationId xmlns:a16="http://schemas.microsoft.com/office/drawing/2014/main" id="{E7C3235A-2BD1-ECB5-6B4D-F9BF56B6164F}"/>
+              </a:ext>
+            </a:extLst>
+          </p:cNvPr>
+          <p:cNvPicPr preferRelativeResize="0">
+            <a:picLocks/>
+          </p:cNvPicPr>
           <p:nvPr/>
-        </p:nvSpPr>
-        <p:spPr>
-          <a:xfrm>
-            <a:off x="365760" y="4364610"/>
-            <a:ext cx="5730240" cy="2002894"/>
-          </a:xfrm>
-          <a:prstGeom prst="rect">
-            <a:avLst/>
-          </a:prstGeom>
-          <a:solidFill>
-            <a:srgbClr val="001215"/>
-          </a:solidFill>
-          <a:ln>
-            <a:noFill/>
-          </a:ln>
-        </p:spPr>
-        <p:style>
-          <a:lnRef idx="2">
-            <a:schemeClr val="accent1">
-              <a:shade val="15000"/>
-            </a:schemeClr>
-          </a:lnRef>
-          <a:fillRef idx="1">
-            <a:schemeClr val="accent1"/>
-          </a:fillRef>
-          <a:effectRef idx="0">
-            <a:schemeClr val="accent1"/>
-          </a:effectRef>
-          <a:fontRef idx="minor">
-            <a:schemeClr val="lt1"/>
-          </a:fontRef>
-        </p:style>
-        <p:txBody>
-          <a:bodyPr tIns="0" rtlCol="0" anchor="ctr"/>
-          <a:lstStyle/>
-          <a:p>
-            <a:pPr algn="ctr"/>
-            <a:endParaRPr lang="en-US"/>
-          </a:p>
-        </p:txBody>
-      </p:sp>
+        </p:nvPicPr>
+        <p:blipFill rotWithShape="1">
+          <a:blip r:embed="rId3"/>
+          <a:srcRect l="-1875" t="-59712" r="1875" b="59854"/>
+          <a:stretch/>
+        </p:blipFill>
+        <p:spPr>
+          <a:xfrm>
+            <a:off x="640079" y="1188720"/>
+            <a:ext cx="5065395" cy="5193030"/>
+          </a:xfrm>
+          <a:prstGeom prst="rect">
+            <a:avLst/>
+          </a:prstGeom>
+        </p:spPr>
+      </p:pic>
+      <p:pic>
+        <p:nvPicPr>
+          <p:cNvPr id="4" name="Picture 3">
+            <a:extLst>
+              <a:ext uri="{FF2B5EF4-FFF2-40B4-BE49-F238E27FC236}">
+                <a16:creationId xmlns:a16="http://schemas.microsoft.com/office/drawing/2014/main" id="{A68D76AB-3ADF-58AF-6590-F3CDB30D2829}"/>
+              </a:ext>
+            </a:extLst>
+          </p:cNvPr>
+          <p:cNvPicPr preferRelativeResize="0">
+            <a:picLocks/>
+          </p:cNvPicPr>
+          <p:nvPr/>
+        </p:nvPicPr>
+        <p:blipFill rotWithShape="1">
+          <a:blip r:embed="rId3"/>
+          <a:srcRect l="-1875" t="-5682" r="1875" b="5838"/>
+          <a:stretch/>
+        </p:blipFill>
+        <p:spPr>
+          <a:xfrm>
+            <a:off x="1764632" y="3922095"/>
+            <a:ext cx="3866148" cy="409274"/>
+          </a:xfrm>
+          <a:prstGeom prst="rect">
+            <a:avLst/>
+          </a:prstGeom>
+        </p:spPr>
+      </p:pic>
     </p:spTree>
     <p:extLst>
       <p:ext uri="{BB962C8B-B14F-4D97-AF65-F5344CB8AC3E}">
-        <p14:creationId xmlns:p14="http://schemas.microsoft.com/office/powerpoint/2010/main" val="1364053091"/>
+        <p14:creationId xmlns:p14="http://schemas.microsoft.com/office/powerpoint/2010/main" val="455609572"/>
       </p:ext>
     </p:extLst>
   </p:cSld>
   <p:clrMapOvr>
     <a:masterClrMapping/>
   </p:clrMapOvr>
-  <mc:AlternateContent xmlns:mc="http://schemas.openxmlformats.org/markup-compatibility/2006">
-    <mc:Choice xmlns:p159="http://schemas.microsoft.com/office/powerpoint/2015/09/main" Requires="p159">
-      <p:transition xmlns:p14="http://schemas.microsoft.com/office/powerpoint/2010/main" spd="slow" p14:dur="2000">
-        <p159:morph option="byObject"/>
-      </p:transition>
-    </mc:Choice>
-    <mc:Fallback>
-      <p:transition spd="slow">
-        <p:fade/>
-      </p:transition>
-    </mc:Fallback>
-  </mc:AlternateContent>
 </p:sld>
 </file>
 
@@ -5407,7 +5266,13 @@
   <p:cSld>
     <p:spTree>
       <p:nvGrpSpPr>
-        <p:cNvPr id="1" name=""/>
+        <p:cNvPr id="1" name="">
+          <a:extLst>
+            <a:ext uri="{FF2B5EF4-FFF2-40B4-BE49-F238E27FC236}">
+              <a16:creationId xmlns:a16="http://schemas.microsoft.com/office/drawing/2014/main" id="{A96EA60E-5A27-6468-B66C-533244C3C86B}"/>
+            </a:ext>
+          </a:extLst>
+        </p:cNvPr>
         <p:cNvGrpSpPr/>
         <p:nvPr/>
       </p:nvGrpSpPr>
@@ -5421,10 +5286,10 @@
       </p:grpSpPr>
       <p:pic>
         <p:nvPicPr>
-          <p:cNvPr id="3" name="Picture 2" descr="vlcsnap-2024-02-20-06h09m03s252">
-            <a:extLst>
-              <a:ext uri="{FF2B5EF4-FFF2-40B4-BE49-F238E27FC236}">
-                <a16:creationId xmlns:a16="http://schemas.microsoft.com/office/drawing/2014/main" id="{07709475-0B96-0728-B42C-1D6E5A230203}"/>
+          <p:cNvPr id="3" name="Picture 2" descr="vlcsnap-2024-02-20-06h05m23s660">
+            <a:extLst>
+              <a:ext uri="{FF2B5EF4-FFF2-40B4-BE49-F238E27FC236}">
+                <a16:creationId xmlns:a16="http://schemas.microsoft.com/office/drawing/2014/main" id="{570B7367-A05B-3F0D-CE90-F22FC4F3DEFC}"/>
               </a:ext>
             </a:extLst>
           </p:cNvPr>
@@ -5442,95 +5307,87 @@
               </a:ext>
             </a:extLst>
           </a:blip>
-          <a:srcRect b="6117"/>
+          <a:srcRect b="5544"/>
           <a:stretch/>
         </p:blipFill>
         <p:spPr>
           <a:xfrm>
             <a:off x="0" y="0"/>
-            <a:ext cx="12192000" cy="6438507"/>
+            <a:ext cx="12192000" cy="6477802"/>
           </a:xfrm>
           <a:prstGeom prst="rect">
             <a:avLst/>
           </a:prstGeom>
         </p:spPr>
       </p:pic>
-      <p:sp>
-        <p:nvSpPr>
-          <p:cNvPr id="4" name="Rectangle 3">
-            <a:extLst>
-              <a:ext uri="{FF2B5EF4-FFF2-40B4-BE49-F238E27FC236}">
-                <a16:creationId xmlns:a16="http://schemas.microsoft.com/office/drawing/2014/main" id="{1015C97C-CEDD-47AE-B7E3-01E0F83DE912}"/>
-              </a:ext>
-            </a:extLst>
-          </p:cNvPr>
-          <p:cNvSpPr>
-            <a:spLocks/>
-          </p:cNvSpPr>
+      <p:pic>
+        <p:nvPicPr>
+          <p:cNvPr id="2" name="Picture 1">
+            <a:extLst>
+              <a:ext uri="{FF2B5EF4-FFF2-40B4-BE49-F238E27FC236}">
+                <a16:creationId xmlns:a16="http://schemas.microsoft.com/office/drawing/2014/main" id="{F92214D6-B74B-E71B-AAD8-6CB5FF64F181}"/>
+              </a:ext>
+            </a:extLst>
+          </p:cNvPr>
+          <p:cNvPicPr preferRelativeResize="0">
+            <a:picLocks/>
+          </p:cNvPicPr>
           <p:nvPr/>
-        </p:nvSpPr>
-        <p:spPr>
-          <a:xfrm>
-            <a:off x="365760" y="5099900"/>
-            <a:ext cx="5730240" cy="1267603"/>
-          </a:xfrm>
-          <a:prstGeom prst="rect">
-            <a:avLst/>
-          </a:prstGeom>
-          <a:solidFill>
-            <a:srgbClr val="001215"/>
-          </a:solidFill>
-          <a:ln>
-            <a:noFill/>
-          </a:ln>
-        </p:spPr>
-        <p:style>
-          <a:lnRef idx="2">
-            <a:schemeClr val="accent1">
-              <a:shade val="15000"/>
-            </a:schemeClr>
-          </a:lnRef>
-          <a:fillRef idx="1">
-            <a:schemeClr val="accent1"/>
-          </a:fillRef>
-          <a:effectRef idx="0">
-            <a:schemeClr val="accent1"/>
-          </a:effectRef>
-          <a:fontRef idx="minor">
-            <a:schemeClr val="lt1"/>
-          </a:fontRef>
-        </p:style>
-        <p:txBody>
-          <a:bodyPr tIns="0" rtlCol="0" anchor="ctr"/>
-          <a:lstStyle/>
-          <a:p>
-            <a:pPr algn="ctr"/>
-            <a:endParaRPr lang="en-US"/>
-          </a:p>
-        </p:txBody>
-      </p:sp>
+        </p:nvPicPr>
+        <p:blipFill rotWithShape="1">
+          <a:blip r:embed="rId3"/>
+          <a:srcRect l="-1875" t="-59712" r="1875" b="59854"/>
+          <a:stretch/>
+        </p:blipFill>
+        <p:spPr>
+          <a:xfrm>
+            <a:off x="640079" y="1188720"/>
+            <a:ext cx="5065395" cy="5193030"/>
+          </a:xfrm>
+          <a:prstGeom prst="rect">
+            <a:avLst/>
+          </a:prstGeom>
+        </p:spPr>
+      </p:pic>
+      <p:pic>
+        <p:nvPicPr>
+          <p:cNvPr id="4" name="Picture 3">
+            <a:extLst>
+              <a:ext uri="{FF2B5EF4-FFF2-40B4-BE49-F238E27FC236}">
+                <a16:creationId xmlns:a16="http://schemas.microsoft.com/office/drawing/2014/main" id="{AB6BA3CB-F519-9F0C-8E69-A570FE5178EC}"/>
+              </a:ext>
+            </a:extLst>
+          </p:cNvPr>
+          <p:cNvPicPr preferRelativeResize="0">
+            <a:picLocks/>
+          </p:cNvPicPr>
+          <p:nvPr/>
+        </p:nvPicPr>
+        <p:blipFill rotWithShape="1">
+          <a:blip r:embed="rId3"/>
+          <a:srcRect l="-17771" t="-5682" r="19440" b="5838"/>
+          <a:stretch/>
+        </p:blipFill>
+        <p:spPr>
+          <a:xfrm>
+            <a:off x="1764632" y="3922095"/>
+            <a:ext cx="3866148" cy="409274"/>
+          </a:xfrm>
+          <a:prstGeom prst="rect">
+            <a:avLst/>
+          </a:prstGeom>
+        </p:spPr>
+      </p:pic>
     </p:spTree>
     <p:extLst>
       <p:ext uri="{BB962C8B-B14F-4D97-AF65-F5344CB8AC3E}">
-        <p14:creationId xmlns:p14="http://schemas.microsoft.com/office/powerpoint/2010/main" val="3263436451"/>
+        <p14:creationId xmlns:p14="http://schemas.microsoft.com/office/powerpoint/2010/main" val="1711259092"/>
       </p:ext>
     </p:extLst>
   </p:cSld>
   <p:clrMapOvr>
     <a:masterClrMapping/>
   </p:clrMapOvr>
-  <mc:AlternateContent xmlns:mc="http://schemas.openxmlformats.org/markup-compatibility/2006">
-    <mc:Choice xmlns:p159="http://schemas.microsoft.com/office/powerpoint/2015/09/main" Requires="p159">
-      <p:transition xmlns:p14="http://schemas.microsoft.com/office/powerpoint/2010/main" spd="slow" p14:dur="2000">
-        <p159:morph option="byObject"/>
-      </p:transition>
-    </mc:Choice>
-    <mc:Fallback>
-      <p:transition spd="slow">
-        <p:fade/>
-      </p:transition>
-    </mc:Fallback>
-  </mc:AlternateContent>
 </p:sld>
 </file>
 
@@ -5539,7 +5396,13 @@
   <p:cSld>
     <p:spTree>
       <p:nvGrpSpPr>
-        <p:cNvPr id="1" name=""/>
+        <p:cNvPr id="1" name="">
+          <a:extLst>
+            <a:ext uri="{FF2B5EF4-FFF2-40B4-BE49-F238E27FC236}">
+              <a16:creationId xmlns:a16="http://schemas.microsoft.com/office/drawing/2014/main" id="{7342CBAA-0879-C513-D493-2C6C90E54E4F}"/>
+            </a:ext>
+          </a:extLst>
+        </p:cNvPr>
         <p:cNvGrpSpPr/>
         <p:nvPr/>
       </p:nvGrpSpPr>
@@ -5553,10 +5416,10 @@
       </p:grpSpPr>
       <p:pic>
         <p:nvPicPr>
-          <p:cNvPr id="3" name="Picture 2" descr="vlcsnap-2024-02-20-06h09m03s252">
-            <a:extLst>
-              <a:ext uri="{FF2B5EF4-FFF2-40B4-BE49-F238E27FC236}">
-                <a16:creationId xmlns:a16="http://schemas.microsoft.com/office/drawing/2014/main" id="{07709475-0B96-0728-B42C-1D6E5A230203}"/>
+          <p:cNvPr id="3" name="Picture 2" descr="vlcsnap-2024-02-20-06h05m23s660">
+            <a:extLst>
+              <a:ext uri="{FF2B5EF4-FFF2-40B4-BE49-F238E27FC236}">
+                <a16:creationId xmlns:a16="http://schemas.microsoft.com/office/drawing/2014/main" id="{F31417C2-D196-D92B-B5F2-DD643FFF306C}"/>
               </a:ext>
             </a:extLst>
           </p:cNvPr>
@@ -5574,112 +5437,102 @@
               </a:ext>
             </a:extLst>
           </a:blip>
-          <a:srcRect b="6117"/>
+          <a:srcRect b="5544"/>
           <a:stretch/>
         </p:blipFill>
         <p:spPr>
           <a:xfrm>
             <a:off x="0" y="0"/>
-            <a:ext cx="12192000" cy="6438507"/>
+            <a:ext cx="12192000" cy="6477802"/>
           </a:xfrm>
           <a:prstGeom prst="rect">
             <a:avLst/>
           </a:prstGeom>
         </p:spPr>
       </p:pic>
-      <p:sp>
-        <p:nvSpPr>
-          <p:cNvPr id="4" name="Rectangle 3">
-            <a:extLst>
-              <a:ext uri="{FF2B5EF4-FFF2-40B4-BE49-F238E27FC236}">
-                <a16:creationId xmlns:a16="http://schemas.microsoft.com/office/drawing/2014/main" id="{1015C97C-CEDD-47AE-B7E3-01E0F83DE912}"/>
-              </a:ext>
-            </a:extLst>
-          </p:cNvPr>
-          <p:cNvSpPr>
-            <a:spLocks/>
-          </p:cNvSpPr>
+      <p:pic>
+        <p:nvPicPr>
+          <p:cNvPr id="2" name="Picture 1">
+            <a:extLst>
+              <a:ext uri="{FF2B5EF4-FFF2-40B4-BE49-F238E27FC236}">
+                <a16:creationId xmlns:a16="http://schemas.microsoft.com/office/drawing/2014/main" id="{5E9D7D0F-B463-2E51-0513-F167B4B92BFC}"/>
+              </a:ext>
+            </a:extLst>
+          </p:cNvPr>
+          <p:cNvPicPr preferRelativeResize="0">
+            <a:picLocks/>
+          </p:cNvPicPr>
           <p:nvPr/>
-        </p:nvSpPr>
-        <p:spPr>
-          <a:xfrm>
-            <a:off x="365760" y="5731497"/>
-            <a:ext cx="5730240" cy="636006"/>
-          </a:xfrm>
-          <a:prstGeom prst="rect">
-            <a:avLst/>
-          </a:prstGeom>
-          <a:solidFill>
-            <a:srgbClr val="001215"/>
-          </a:solidFill>
-          <a:ln>
-            <a:noFill/>
-          </a:ln>
-        </p:spPr>
-        <p:style>
-          <a:lnRef idx="2">
-            <a:schemeClr val="accent1">
-              <a:shade val="15000"/>
-            </a:schemeClr>
-          </a:lnRef>
-          <a:fillRef idx="1">
-            <a:schemeClr val="accent1"/>
-          </a:fillRef>
-          <a:effectRef idx="0">
-            <a:schemeClr val="accent1"/>
-          </a:effectRef>
-          <a:fontRef idx="minor">
-            <a:schemeClr val="lt1"/>
-          </a:fontRef>
-        </p:style>
-        <p:txBody>
-          <a:bodyPr tIns="0" rtlCol="0" anchor="ctr"/>
-          <a:lstStyle/>
-          <a:p>
-            <a:pPr algn="ctr"/>
-            <a:endParaRPr lang="en-US"/>
-          </a:p>
-        </p:txBody>
-      </p:sp>
+        </p:nvPicPr>
+        <p:blipFill rotWithShape="1">
+          <a:blip r:embed="rId3"/>
+          <a:srcRect l="-1875" t="-59712" r="1875" b="59854"/>
+          <a:stretch/>
+        </p:blipFill>
+        <p:spPr>
+          <a:xfrm>
+            <a:off x="640079" y="1188720"/>
+            <a:ext cx="5065395" cy="5193030"/>
+          </a:xfrm>
+          <a:prstGeom prst="rect">
+            <a:avLst/>
+          </a:prstGeom>
+        </p:spPr>
+      </p:pic>
+      <p:pic>
+        <p:nvPicPr>
+          <p:cNvPr id="4" name="Picture 3">
+            <a:extLst>
+              <a:ext uri="{FF2B5EF4-FFF2-40B4-BE49-F238E27FC236}">
+                <a16:creationId xmlns:a16="http://schemas.microsoft.com/office/drawing/2014/main" id="{01F91171-B318-EBA2-C947-7D61EC83B6E7}"/>
+              </a:ext>
+            </a:extLst>
+          </p:cNvPr>
+          <p:cNvPicPr preferRelativeResize="0">
+            <a:picLocks/>
+          </p:cNvPicPr>
+          <p:nvPr/>
+        </p:nvPicPr>
+        <p:blipFill rotWithShape="1">
+          <a:blip r:embed="rId3"/>
+          <a:srcRect l="-41030" t="-5682" r="42697" b="5838"/>
+          <a:stretch/>
+        </p:blipFill>
+        <p:spPr>
+          <a:xfrm>
+            <a:off x="1764632" y="3922095"/>
+            <a:ext cx="3866148" cy="409274"/>
+          </a:xfrm>
+          <a:prstGeom prst="rect">
+            <a:avLst/>
+          </a:prstGeom>
+        </p:spPr>
+      </p:pic>
     </p:spTree>
     <p:extLst>
       <p:ext uri="{BB962C8B-B14F-4D97-AF65-F5344CB8AC3E}">
-        <p14:creationId xmlns:p14="http://schemas.microsoft.com/office/powerpoint/2010/main" val="1218807252"/>
+        <p14:creationId xmlns:p14="http://schemas.microsoft.com/office/powerpoint/2010/main" val="2409608308"/>
       </p:ext>
     </p:extLst>
   </p:cSld>
   <p:clrMapOvr>
     <a:masterClrMapping/>
   </p:clrMapOvr>
-  <mc:AlternateContent xmlns:mc="http://schemas.openxmlformats.org/markup-compatibility/2006">
-    <mc:Choice xmlns:p159="http://schemas.microsoft.com/office/powerpoint/2015/09/main" Requires="p159">
-      <p:transition xmlns:p14="http://schemas.microsoft.com/office/powerpoint/2010/main" spd="slow" p14:dur="2000">
-        <p159:morph option="byObject"/>
-      </p:transition>
-    </mc:Choice>
-    <mc:Fallback>
-      <p:transition spd="slow">
-        <p:fade/>
-      </p:transition>
-    </mc:Fallback>
-  </mc:AlternateContent>
 </p:sld>
 </file>
 
 <file path=ppt/slides/slide22.xml><?xml version="1.0" encoding="utf-8"?>
 <p:sld xmlns:a="http://schemas.openxmlformats.org/drawingml/2006/main" xmlns:r="http://schemas.openxmlformats.org/officeDocument/2006/relationships" xmlns:p="http://schemas.openxmlformats.org/presentationml/2006/main">
   <p:cSld>
-    <p:bg>
-      <p:bgPr>
-        <a:solidFill>
-          <a:srgbClr val="001215"/>
-        </a:solidFill>
-        <a:effectLst/>
-      </p:bgPr>
-    </p:bg>
     <p:spTree>
       <p:nvGrpSpPr>
-        <p:cNvPr id="1" name=""/>
+        <p:cNvPr id="1" name="">
+          <a:extLst>
+            <a:ext uri="{FF2B5EF4-FFF2-40B4-BE49-F238E27FC236}">
+              <a16:creationId xmlns:a16="http://schemas.microsoft.com/office/drawing/2014/main" id="{48441824-7E16-A4C6-5B67-4ED0A915CD1E}"/>
+            </a:ext>
+          </a:extLst>
+        </p:cNvPr>
         <p:cNvGrpSpPr/>
         <p:nvPr/>
       </p:nvGrpSpPr>
@@ -5693,10 +5546,10 @@
       </p:grpSpPr>
       <p:pic>
         <p:nvPicPr>
-          <p:cNvPr id="3" name="Picture 2" descr="vlcsnap-2024-02-20-06h09m59s747">
-            <a:extLst>
-              <a:ext uri="{FF2B5EF4-FFF2-40B4-BE49-F238E27FC236}">
-                <a16:creationId xmlns:a16="http://schemas.microsoft.com/office/drawing/2014/main" id="{1A12D6E4-86BE-D1B7-B0B4-4A94138EE7FE}"/>
+          <p:cNvPr id="3" name="Picture 2" descr="vlcsnap-2024-02-20-06h05m23s660">
+            <a:extLst>
+              <a:ext uri="{FF2B5EF4-FFF2-40B4-BE49-F238E27FC236}">
+                <a16:creationId xmlns:a16="http://schemas.microsoft.com/office/drawing/2014/main" id="{4B74010C-E187-9222-5BC3-D194A595AE12}"/>
               </a:ext>
             </a:extLst>
           </p:cNvPr>
@@ -5706,7 +5559,7 @@
           <p:nvPr isPhoto="1"/>
         </p:nvPicPr>
         <p:blipFill rotWithShape="1">
-          <a:blip r:embed="rId3">
+          <a:blip r:embed="rId2">
             <a:lum/>
             <a:extLst>
               <a:ext uri="{28A0092B-C50C-407E-A947-70E740481C1C}">
@@ -5714,77 +5567,81 @@
               </a:ext>
             </a:extLst>
           </a:blip>
-          <a:srcRect b="7368"/>
+          <a:srcRect b="5544"/>
           <a:stretch/>
         </p:blipFill>
         <p:spPr>
           <a:xfrm>
             <a:off x="0" y="0"/>
-            <a:ext cx="12192000" cy="6352674"/>
+            <a:ext cx="12192000" cy="6477802"/>
           </a:xfrm>
           <a:prstGeom prst="rect">
             <a:avLst/>
           </a:prstGeom>
         </p:spPr>
       </p:pic>
-      <p:sp>
-        <p:nvSpPr>
-          <p:cNvPr id="4" name="Rectangle 3">
-            <a:extLst>
-              <a:ext uri="{FF2B5EF4-FFF2-40B4-BE49-F238E27FC236}">
-                <a16:creationId xmlns:a16="http://schemas.microsoft.com/office/drawing/2014/main" id="{4D60B450-3017-4CC1-9CB2-6FDFA6143A84}"/>
-              </a:ext>
-            </a:extLst>
-          </p:cNvPr>
-          <p:cNvSpPr>
-            <a:spLocks/>
-          </p:cNvSpPr>
+      <p:pic>
+        <p:nvPicPr>
+          <p:cNvPr id="2" name="Picture 1">
+            <a:extLst>
+              <a:ext uri="{FF2B5EF4-FFF2-40B4-BE49-F238E27FC236}">
+                <a16:creationId xmlns:a16="http://schemas.microsoft.com/office/drawing/2014/main" id="{7A294EC8-3187-6E6D-0355-E125C67A8E7D}"/>
+              </a:ext>
+            </a:extLst>
+          </p:cNvPr>
+          <p:cNvPicPr preferRelativeResize="0">
+            <a:picLocks/>
+          </p:cNvPicPr>
           <p:nvPr/>
-        </p:nvSpPr>
-        <p:spPr>
-          <a:xfrm>
-            <a:off x="4251488" y="4251488"/>
-            <a:ext cx="5410985" cy="1753387"/>
-          </a:xfrm>
-          <a:prstGeom prst="rect">
-            <a:avLst/>
-          </a:prstGeom>
-          <a:solidFill>
-            <a:srgbClr val="001215"/>
-          </a:solidFill>
-          <a:ln>
-            <a:noFill/>
-          </a:ln>
-        </p:spPr>
-        <p:style>
-          <a:lnRef idx="2">
-            <a:schemeClr val="accent1">
-              <a:shade val="15000"/>
-            </a:schemeClr>
-          </a:lnRef>
-          <a:fillRef idx="1">
-            <a:schemeClr val="accent1"/>
-          </a:fillRef>
-          <a:effectRef idx="0">
-            <a:schemeClr val="accent1"/>
-          </a:effectRef>
-          <a:fontRef idx="minor">
-            <a:schemeClr val="lt1"/>
-          </a:fontRef>
-        </p:style>
-        <p:txBody>
-          <a:bodyPr tIns="0" rtlCol="0" anchor="ctr"/>
-          <a:lstStyle/>
-          <a:p>
-            <a:pPr algn="ctr"/>
-            <a:endParaRPr lang="en-US"/>
-          </a:p>
-        </p:txBody>
-      </p:sp>
+        </p:nvPicPr>
+        <p:blipFill rotWithShape="1">
+          <a:blip r:embed="rId3"/>
+          <a:srcRect l="-1875" t="-59712" r="1875" b="59854"/>
+          <a:stretch/>
+        </p:blipFill>
+        <p:spPr>
+          <a:xfrm>
+            <a:off x="640079" y="1188720"/>
+            <a:ext cx="5065395" cy="5193030"/>
+          </a:xfrm>
+          <a:prstGeom prst="rect">
+            <a:avLst/>
+          </a:prstGeom>
+        </p:spPr>
+      </p:pic>
+      <p:pic>
+        <p:nvPicPr>
+          <p:cNvPr id="4" name="Picture 3">
+            <a:extLst>
+              <a:ext uri="{FF2B5EF4-FFF2-40B4-BE49-F238E27FC236}">
+                <a16:creationId xmlns:a16="http://schemas.microsoft.com/office/drawing/2014/main" id="{2A821145-C1EA-AE39-27E9-088CB683C7BE}"/>
+              </a:ext>
+            </a:extLst>
+          </p:cNvPr>
+          <p:cNvPicPr preferRelativeResize="0">
+            <a:picLocks/>
+          </p:cNvPicPr>
+          <p:nvPr/>
+        </p:nvPicPr>
+        <p:blipFill rotWithShape="1">
+          <a:blip r:embed="rId3"/>
+          <a:srcRect l="-78246" t="-5682" r="79909" b="5838"/>
+          <a:stretch/>
+        </p:blipFill>
+        <p:spPr>
+          <a:xfrm>
+            <a:off x="1764632" y="3922095"/>
+            <a:ext cx="3866148" cy="409274"/>
+          </a:xfrm>
+          <a:prstGeom prst="rect">
+            <a:avLst/>
+          </a:prstGeom>
+        </p:spPr>
+      </p:pic>
     </p:spTree>
     <p:extLst>
       <p:ext uri="{BB962C8B-B14F-4D97-AF65-F5344CB8AC3E}">
-        <p14:creationId xmlns:p14="http://schemas.microsoft.com/office/powerpoint/2010/main" val="3664238759"/>
+        <p14:creationId xmlns:p14="http://schemas.microsoft.com/office/powerpoint/2010/main" val="1660245653"/>
       </p:ext>
     </p:extLst>
   </p:cSld>
@@ -5797,17 +5654,15 @@
 <file path=ppt/slides/slide23.xml><?xml version="1.0" encoding="utf-8"?>
 <p:sld xmlns:a="http://schemas.openxmlformats.org/drawingml/2006/main" xmlns:r="http://schemas.openxmlformats.org/officeDocument/2006/relationships" xmlns:p="http://schemas.openxmlformats.org/presentationml/2006/main">
   <p:cSld>
-    <p:bg>
-      <p:bgPr>
-        <a:solidFill>
-          <a:srgbClr val="001215"/>
-        </a:solidFill>
-        <a:effectLst/>
-      </p:bgPr>
-    </p:bg>
     <p:spTree>
       <p:nvGrpSpPr>
-        <p:cNvPr id="1" name=""/>
+        <p:cNvPr id="1" name="">
+          <a:extLst>
+            <a:ext uri="{FF2B5EF4-FFF2-40B4-BE49-F238E27FC236}">
+              <a16:creationId xmlns:a16="http://schemas.microsoft.com/office/drawing/2014/main" id="{FFA0D839-F763-E015-20D6-BE95B40C7AE2}"/>
+            </a:ext>
+          </a:extLst>
+        </p:cNvPr>
         <p:cNvGrpSpPr/>
         <p:nvPr/>
       </p:nvGrpSpPr>
@@ -5821,10 +5676,10 @@
       </p:grpSpPr>
       <p:pic>
         <p:nvPicPr>
-          <p:cNvPr id="3" name="Picture 2" descr="vlcsnap-2024-02-20-06h09m59s747">
-            <a:extLst>
-              <a:ext uri="{FF2B5EF4-FFF2-40B4-BE49-F238E27FC236}">
-                <a16:creationId xmlns:a16="http://schemas.microsoft.com/office/drawing/2014/main" id="{1A12D6E4-86BE-D1B7-B0B4-4A94138EE7FE}"/>
+          <p:cNvPr id="3" name="Picture 2" descr="vlcsnap-2024-02-20-06h05m23s660">
+            <a:extLst>
+              <a:ext uri="{FF2B5EF4-FFF2-40B4-BE49-F238E27FC236}">
+                <a16:creationId xmlns:a16="http://schemas.microsoft.com/office/drawing/2014/main" id="{C47B84B7-C118-AA88-00BF-A3BADA0952B3}"/>
               </a:ext>
             </a:extLst>
           </p:cNvPr>
@@ -5834,7 +5689,7 @@
           <p:nvPr isPhoto="1"/>
         </p:nvPicPr>
         <p:blipFill rotWithShape="1">
-          <a:blip r:embed="rId3">
+          <a:blip r:embed="rId2">
             <a:lum/>
             <a:extLst>
               <a:ext uri="{28A0092B-C50C-407E-A947-70E740481C1C}">
@@ -5842,95 +5697,838 @@
               </a:ext>
             </a:extLst>
           </a:blip>
-          <a:srcRect b="7368"/>
+          <a:srcRect b="5544"/>
           <a:stretch/>
         </p:blipFill>
         <p:spPr>
           <a:xfrm>
             <a:off x="0" y="0"/>
-            <a:ext cx="12192000" cy="6352674"/>
+            <a:ext cx="12192000" cy="6477802"/>
           </a:xfrm>
           <a:prstGeom prst="rect">
             <a:avLst/>
           </a:prstGeom>
         </p:spPr>
       </p:pic>
-      <p:sp>
-        <p:nvSpPr>
-          <p:cNvPr id="4" name="Rectangle 3">
-            <a:extLst>
-              <a:ext uri="{FF2B5EF4-FFF2-40B4-BE49-F238E27FC236}">
-                <a16:creationId xmlns:a16="http://schemas.microsoft.com/office/drawing/2014/main" id="{4D60B450-3017-4CC1-9CB2-6FDFA6143A84}"/>
-              </a:ext>
-            </a:extLst>
-          </p:cNvPr>
-          <p:cNvSpPr>
-            <a:spLocks/>
-          </p:cNvSpPr>
+      <p:pic>
+        <p:nvPicPr>
+          <p:cNvPr id="2" name="Picture 1">
+            <a:extLst>
+              <a:ext uri="{FF2B5EF4-FFF2-40B4-BE49-F238E27FC236}">
+                <a16:creationId xmlns:a16="http://schemas.microsoft.com/office/drawing/2014/main" id="{5791DDF3-ABBC-35EB-1A81-A0BA216646B2}"/>
+              </a:ext>
+            </a:extLst>
+          </p:cNvPr>
+          <p:cNvPicPr preferRelativeResize="0">
+            <a:picLocks/>
+          </p:cNvPicPr>
           <p:nvPr/>
-        </p:nvSpPr>
-        <p:spPr>
-          <a:xfrm>
-            <a:off x="8842342" y="4279768"/>
-            <a:ext cx="820131" cy="1753387"/>
-          </a:xfrm>
-          <a:prstGeom prst="rect">
-            <a:avLst/>
-          </a:prstGeom>
-          <a:solidFill>
-            <a:srgbClr val="001215"/>
-          </a:solidFill>
-          <a:ln>
-            <a:noFill/>
-          </a:ln>
-        </p:spPr>
-        <p:style>
-          <a:lnRef idx="2">
-            <a:schemeClr val="accent1">
-              <a:shade val="15000"/>
-            </a:schemeClr>
-          </a:lnRef>
-          <a:fillRef idx="1">
-            <a:schemeClr val="accent1"/>
-          </a:fillRef>
-          <a:effectRef idx="0">
-            <a:schemeClr val="accent1"/>
-          </a:effectRef>
-          <a:fontRef idx="minor">
-            <a:schemeClr val="lt1"/>
-          </a:fontRef>
-        </p:style>
-        <p:txBody>
-          <a:bodyPr tIns="0" rtlCol="0" anchor="ctr"/>
-          <a:lstStyle/>
-          <a:p>
-            <a:pPr algn="ctr"/>
-            <a:endParaRPr lang="en-US"/>
-          </a:p>
-        </p:txBody>
-      </p:sp>
+        </p:nvPicPr>
+        <p:blipFill rotWithShape="1">
+          <a:blip r:embed="rId3"/>
+          <a:srcRect l="-1875" t="-68505" r="1875" b="68647"/>
+          <a:stretch/>
+        </p:blipFill>
+        <p:spPr>
+          <a:xfrm>
+            <a:off x="640079" y="1188720"/>
+            <a:ext cx="5065395" cy="5193030"/>
+          </a:xfrm>
+          <a:prstGeom prst="rect">
+            <a:avLst/>
+          </a:prstGeom>
+        </p:spPr>
+      </p:pic>
+      <p:pic>
+        <p:nvPicPr>
+          <p:cNvPr id="4" name="Picture 3">
+            <a:extLst>
+              <a:ext uri="{FF2B5EF4-FFF2-40B4-BE49-F238E27FC236}">
+                <a16:creationId xmlns:a16="http://schemas.microsoft.com/office/drawing/2014/main" id="{2B51B218-707B-271C-BB6F-B4A03E67866B}"/>
+              </a:ext>
+            </a:extLst>
+          </p:cNvPr>
+          <p:cNvPicPr preferRelativeResize="0">
+            <a:picLocks/>
+          </p:cNvPicPr>
+          <p:nvPr/>
+        </p:nvPicPr>
+        <p:blipFill rotWithShape="1">
+          <a:blip r:embed="rId3"/>
+          <a:srcRect l="-36384" t="-5682" r="38044" b="5838"/>
+          <a:stretch/>
+        </p:blipFill>
+        <p:spPr>
+          <a:xfrm>
+            <a:off x="1736057" y="4312620"/>
+            <a:ext cx="3866148" cy="409274"/>
+          </a:xfrm>
+          <a:prstGeom prst="rect">
+            <a:avLst/>
+          </a:prstGeom>
+        </p:spPr>
+      </p:pic>
     </p:spTree>
     <p:extLst>
       <p:ext uri="{BB962C8B-B14F-4D97-AF65-F5344CB8AC3E}">
-        <p14:creationId xmlns:p14="http://schemas.microsoft.com/office/powerpoint/2010/main" val="1567156156"/>
+        <p14:creationId xmlns:p14="http://schemas.microsoft.com/office/powerpoint/2010/main" val="2475698621"/>
       </p:ext>
     </p:extLst>
   </p:cSld>
   <p:clrMapOvr>
     <a:masterClrMapping/>
   </p:clrMapOvr>
-  <mc:AlternateContent xmlns:mc="http://schemas.openxmlformats.org/markup-compatibility/2006">
-    <mc:Choice xmlns:p159="http://schemas.microsoft.com/office/powerpoint/2015/09/main" Requires="p159">
-      <p:transition xmlns:p14="http://schemas.microsoft.com/office/powerpoint/2010/main" spd="slow" p14:dur="2000">
-        <p159:morph option="byObject"/>
-      </p:transition>
-    </mc:Choice>
-    <mc:Fallback>
-      <p:transition spd="slow">
-        <p:fade/>
-      </p:transition>
-    </mc:Fallback>
-  </mc:AlternateContent>
+</p:sld>
+</file>
+
+<file path=ppt/slides/slide24.xml><?xml version="1.0" encoding="utf-8"?>
+<p:sld xmlns:a="http://schemas.openxmlformats.org/drawingml/2006/main" xmlns:r="http://schemas.openxmlformats.org/officeDocument/2006/relationships" xmlns:p="http://schemas.openxmlformats.org/presentationml/2006/main">
+  <p:cSld>
+    <p:spTree>
+      <p:nvGrpSpPr>
+        <p:cNvPr id="1" name="">
+          <a:extLst>
+            <a:ext uri="{FF2B5EF4-FFF2-40B4-BE49-F238E27FC236}">
+              <a16:creationId xmlns:a16="http://schemas.microsoft.com/office/drawing/2014/main" id="{B5646B21-AE2C-EF01-3CCA-EB70F83730A4}"/>
+            </a:ext>
+          </a:extLst>
+        </p:cNvPr>
+        <p:cNvGrpSpPr/>
+        <p:nvPr/>
+      </p:nvGrpSpPr>
+      <p:grpSpPr>
+        <a:xfrm>
+          <a:off x="0" y="0"/>
+          <a:ext cx="0" cy="0"/>
+          <a:chOff x="0" y="0"/>
+          <a:chExt cx="0" cy="0"/>
+        </a:xfrm>
+      </p:grpSpPr>
+      <p:pic>
+        <p:nvPicPr>
+          <p:cNvPr id="3" name="Picture 2" descr="vlcsnap-2024-02-20-06h05m23s660">
+            <a:extLst>
+              <a:ext uri="{FF2B5EF4-FFF2-40B4-BE49-F238E27FC236}">
+                <a16:creationId xmlns:a16="http://schemas.microsoft.com/office/drawing/2014/main" id="{D7AFB36C-5CE3-A4D5-0437-DEB14469D10C}"/>
+              </a:ext>
+            </a:extLst>
+          </p:cNvPr>
+          <p:cNvPicPr>
+            <a:picLocks noGrp="1" noChangeAspect="1"/>
+          </p:cNvPicPr>
+          <p:nvPr isPhoto="1"/>
+        </p:nvPicPr>
+        <p:blipFill rotWithShape="1">
+          <a:blip r:embed="rId2">
+            <a:lum/>
+            <a:extLst>
+              <a:ext uri="{28A0092B-C50C-407E-A947-70E740481C1C}">
+                <a14:useLocalDpi xmlns:a14="http://schemas.microsoft.com/office/drawing/2010/main" val="0"/>
+              </a:ext>
+            </a:extLst>
+          </a:blip>
+          <a:srcRect b="5544"/>
+          <a:stretch/>
+        </p:blipFill>
+        <p:spPr>
+          <a:xfrm>
+            <a:off x="0" y="0"/>
+            <a:ext cx="12192000" cy="6477802"/>
+          </a:xfrm>
+          <a:prstGeom prst="rect">
+            <a:avLst/>
+          </a:prstGeom>
+        </p:spPr>
+      </p:pic>
+      <p:pic>
+        <p:nvPicPr>
+          <p:cNvPr id="2" name="Picture 1">
+            <a:extLst>
+              <a:ext uri="{FF2B5EF4-FFF2-40B4-BE49-F238E27FC236}">
+                <a16:creationId xmlns:a16="http://schemas.microsoft.com/office/drawing/2014/main" id="{CD0882E0-F348-E206-010E-F809890F4DA6}"/>
+              </a:ext>
+            </a:extLst>
+          </p:cNvPr>
+          <p:cNvPicPr preferRelativeResize="0">
+            <a:picLocks/>
+          </p:cNvPicPr>
+          <p:nvPr/>
+        </p:nvPicPr>
+        <p:blipFill rotWithShape="1">
+          <a:blip r:embed="rId3"/>
+          <a:srcRect l="-1875" t="-68505" r="1875" b="68647"/>
+          <a:stretch/>
+        </p:blipFill>
+        <p:spPr>
+          <a:xfrm>
+            <a:off x="640079" y="1188720"/>
+            <a:ext cx="5065395" cy="5193030"/>
+          </a:xfrm>
+          <a:prstGeom prst="rect">
+            <a:avLst/>
+          </a:prstGeom>
+        </p:spPr>
+      </p:pic>
+      <p:pic>
+        <p:nvPicPr>
+          <p:cNvPr id="4" name="Picture 3">
+            <a:extLst>
+              <a:ext uri="{FF2B5EF4-FFF2-40B4-BE49-F238E27FC236}">
+                <a16:creationId xmlns:a16="http://schemas.microsoft.com/office/drawing/2014/main" id="{961E2EDE-7B54-2FCB-A2E7-134982B7CDBE}"/>
+              </a:ext>
+            </a:extLst>
+          </p:cNvPr>
+          <p:cNvPicPr preferRelativeResize="0">
+            <a:picLocks/>
+          </p:cNvPicPr>
+          <p:nvPr/>
+        </p:nvPicPr>
+        <p:blipFill rotWithShape="1">
+          <a:blip r:embed="rId3"/>
+          <a:srcRect l="-75926" t="-5682" r="77585" b="5838"/>
+          <a:stretch/>
+        </p:blipFill>
+        <p:spPr>
+          <a:xfrm>
+            <a:off x="1736057" y="4312620"/>
+            <a:ext cx="3866148" cy="409274"/>
+          </a:xfrm>
+          <a:prstGeom prst="rect">
+            <a:avLst/>
+          </a:prstGeom>
+        </p:spPr>
+      </p:pic>
+    </p:spTree>
+    <p:extLst>
+      <p:ext uri="{BB962C8B-B14F-4D97-AF65-F5344CB8AC3E}">
+        <p14:creationId xmlns:p14="http://schemas.microsoft.com/office/powerpoint/2010/main" val="4252683094"/>
+      </p:ext>
+    </p:extLst>
+  </p:cSld>
+  <p:clrMapOvr>
+    <a:masterClrMapping/>
+  </p:clrMapOvr>
+</p:sld>
+</file>
+
+<file path=ppt/slides/slide25.xml><?xml version="1.0" encoding="utf-8"?>
+<p:sld xmlns:a="http://schemas.openxmlformats.org/drawingml/2006/main" xmlns:r="http://schemas.openxmlformats.org/officeDocument/2006/relationships" xmlns:p="http://schemas.openxmlformats.org/presentationml/2006/main">
+  <p:cSld>
+    <p:spTree>
+      <p:nvGrpSpPr>
+        <p:cNvPr id="1" name="">
+          <a:extLst>
+            <a:ext uri="{FF2B5EF4-FFF2-40B4-BE49-F238E27FC236}">
+              <a16:creationId xmlns:a16="http://schemas.microsoft.com/office/drawing/2014/main" id="{0B989FE6-144D-F588-CAD6-9728949D83F2}"/>
+            </a:ext>
+          </a:extLst>
+        </p:cNvPr>
+        <p:cNvGrpSpPr/>
+        <p:nvPr/>
+      </p:nvGrpSpPr>
+      <p:grpSpPr>
+        <a:xfrm>
+          <a:off x="0" y="0"/>
+          <a:ext cx="0" cy="0"/>
+          <a:chOff x="0" y="0"/>
+          <a:chExt cx="0" cy="0"/>
+        </a:xfrm>
+      </p:grpSpPr>
+      <p:pic>
+        <p:nvPicPr>
+          <p:cNvPr id="3" name="Picture 2" descr="vlcsnap-2024-02-20-06h05m23s660">
+            <a:extLst>
+              <a:ext uri="{FF2B5EF4-FFF2-40B4-BE49-F238E27FC236}">
+                <a16:creationId xmlns:a16="http://schemas.microsoft.com/office/drawing/2014/main" id="{49C345EB-50CE-6278-9844-CE743E115769}"/>
+              </a:ext>
+            </a:extLst>
+          </p:cNvPr>
+          <p:cNvPicPr>
+            <a:picLocks noGrp="1" noChangeAspect="1"/>
+          </p:cNvPicPr>
+          <p:nvPr isPhoto="1"/>
+        </p:nvPicPr>
+        <p:blipFill rotWithShape="1">
+          <a:blip r:embed="rId2">
+            <a:lum/>
+            <a:extLst>
+              <a:ext uri="{28A0092B-C50C-407E-A947-70E740481C1C}">
+                <a14:useLocalDpi xmlns:a14="http://schemas.microsoft.com/office/drawing/2010/main" val="0"/>
+              </a:ext>
+            </a:extLst>
+          </a:blip>
+          <a:srcRect b="5544"/>
+          <a:stretch/>
+        </p:blipFill>
+        <p:spPr>
+          <a:xfrm>
+            <a:off x="0" y="0"/>
+            <a:ext cx="12192000" cy="6477802"/>
+          </a:xfrm>
+          <a:prstGeom prst="rect">
+            <a:avLst/>
+          </a:prstGeom>
+        </p:spPr>
+      </p:pic>
+      <p:pic>
+        <p:nvPicPr>
+          <p:cNvPr id="2" name="Picture 1">
+            <a:extLst>
+              <a:ext uri="{FF2B5EF4-FFF2-40B4-BE49-F238E27FC236}">
+                <a16:creationId xmlns:a16="http://schemas.microsoft.com/office/drawing/2014/main" id="{8E528E79-BFEA-2D43-ACA7-23D78AA4F055}"/>
+              </a:ext>
+            </a:extLst>
+          </p:cNvPr>
+          <p:cNvPicPr preferRelativeResize="0">
+            <a:picLocks/>
+          </p:cNvPicPr>
+          <p:nvPr/>
+        </p:nvPicPr>
+        <p:blipFill rotWithShape="1">
+          <a:blip r:embed="rId3"/>
+          <a:srcRect l="-1875" t="-75538" r="1875" b="75680"/>
+          <a:stretch/>
+        </p:blipFill>
+        <p:spPr>
+          <a:xfrm>
+            <a:off x="640079" y="1188720"/>
+            <a:ext cx="5065395" cy="5193030"/>
+          </a:xfrm>
+          <a:prstGeom prst="rect">
+            <a:avLst/>
+          </a:prstGeom>
+        </p:spPr>
+      </p:pic>
+      <p:pic>
+        <p:nvPicPr>
+          <p:cNvPr id="4" name="Picture 3">
+            <a:extLst>
+              <a:ext uri="{FF2B5EF4-FFF2-40B4-BE49-F238E27FC236}">
+                <a16:creationId xmlns:a16="http://schemas.microsoft.com/office/drawing/2014/main" id="{3C9C7786-68F3-B8C1-D2CA-F531A7F8655C}"/>
+              </a:ext>
+            </a:extLst>
+          </p:cNvPr>
+          <p:cNvPicPr preferRelativeResize="0">
+            <a:picLocks/>
+          </p:cNvPicPr>
+          <p:nvPr/>
+        </p:nvPicPr>
+        <p:blipFill rotWithShape="1">
+          <a:blip r:embed="rId3"/>
+          <a:srcRect l="-52666" t="-5682" r="54325" b="5838"/>
+          <a:stretch/>
+        </p:blipFill>
+        <p:spPr>
+          <a:xfrm>
+            <a:off x="1745582" y="4741245"/>
+            <a:ext cx="3866148" cy="409274"/>
+          </a:xfrm>
+          <a:prstGeom prst="rect">
+            <a:avLst/>
+          </a:prstGeom>
+        </p:spPr>
+      </p:pic>
+    </p:spTree>
+    <p:extLst>
+      <p:ext uri="{BB962C8B-B14F-4D97-AF65-F5344CB8AC3E}">
+        <p14:creationId xmlns:p14="http://schemas.microsoft.com/office/powerpoint/2010/main" val="2909186915"/>
+      </p:ext>
+    </p:extLst>
+  </p:cSld>
+  <p:clrMapOvr>
+    <a:masterClrMapping/>
+  </p:clrMapOvr>
+</p:sld>
+</file>
+
+<file path=ppt/slides/slide26.xml><?xml version="1.0" encoding="utf-8"?>
+<p:sld xmlns:a="http://schemas.openxmlformats.org/drawingml/2006/main" xmlns:r="http://schemas.openxmlformats.org/officeDocument/2006/relationships" xmlns:p="http://schemas.openxmlformats.org/presentationml/2006/main">
+  <p:cSld>
+    <p:spTree>
+      <p:nvGrpSpPr>
+        <p:cNvPr id="1" name="">
+          <a:extLst>
+            <a:ext uri="{FF2B5EF4-FFF2-40B4-BE49-F238E27FC236}">
+              <a16:creationId xmlns:a16="http://schemas.microsoft.com/office/drawing/2014/main" id="{973D488A-BA73-2DA7-8494-65DA9E2B46A3}"/>
+            </a:ext>
+          </a:extLst>
+        </p:cNvPr>
+        <p:cNvGrpSpPr/>
+        <p:nvPr/>
+      </p:nvGrpSpPr>
+      <p:grpSpPr>
+        <a:xfrm>
+          <a:off x="0" y="0"/>
+          <a:ext cx="0" cy="0"/>
+          <a:chOff x="0" y="0"/>
+          <a:chExt cx="0" cy="0"/>
+        </a:xfrm>
+      </p:grpSpPr>
+      <p:pic>
+        <p:nvPicPr>
+          <p:cNvPr id="3" name="Picture 2" descr="vlcsnap-2024-02-20-06h05m23s660">
+            <a:extLst>
+              <a:ext uri="{FF2B5EF4-FFF2-40B4-BE49-F238E27FC236}">
+                <a16:creationId xmlns:a16="http://schemas.microsoft.com/office/drawing/2014/main" id="{C76E97C4-7EBA-DA71-EAA2-5C300536DD75}"/>
+              </a:ext>
+            </a:extLst>
+          </p:cNvPr>
+          <p:cNvPicPr>
+            <a:picLocks noGrp="1" noChangeAspect="1"/>
+          </p:cNvPicPr>
+          <p:nvPr isPhoto="1"/>
+        </p:nvPicPr>
+        <p:blipFill rotWithShape="1">
+          <a:blip r:embed="rId2">
+            <a:lum/>
+            <a:extLst>
+              <a:ext uri="{28A0092B-C50C-407E-A947-70E740481C1C}">
+                <a14:useLocalDpi xmlns:a14="http://schemas.microsoft.com/office/drawing/2010/main" val="0"/>
+              </a:ext>
+            </a:extLst>
+          </a:blip>
+          <a:srcRect b="5544"/>
+          <a:stretch/>
+        </p:blipFill>
+        <p:spPr>
+          <a:xfrm>
+            <a:off x="0" y="0"/>
+            <a:ext cx="12192000" cy="6477802"/>
+          </a:xfrm>
+          <a:prstGeom prst="rect">
+            <a:avLst/>
+          </a:prstGeom>
+        </p:spPr>
+      </p:pic>
+      <p:pic>
+        <p:nvPicPr>
+          <p:cNvPr id="2" name="Picture 1">
+            <a:extLst>
+              <a:ext uri="{FF2B5EF4-FFF2-40B4-BE49-F238E27FC236}">
+                <a16:creationId xmlns:a16="http://schemas.microsoft.com/office/drawing/2014/main" id="{17FB5BB9-D49E-02BD-0128-7A9C24147A51}"/>
+              </a:ext>
+            </a:extLst>
+          </p:cNvPr>
+          <p:cNvPicPr preferRelativeResize="0">
+            <a:picLocks/>
+          </p:cNvPicPr>
+          <p:nvPr/>
+        </p:nvPicPr>
+        <p:blipFill rotWithShape="1">
+          <a:blip r:embed="rId3"/>
+          <a:srcRect l="-1875" t="-75538" r="1875" b="75680"/>
+          <a:stretch/>
+        </p:blipFill>
+        <p:spPr>
+          <a:xfrm>
+            <a:off x="640079" y="1188720"/>
+            <a:ext cx="5065395" cy="5193030"/>
+          </a:xfrm>
+          <a:prstGeom prst="rect">
+            <a:avLst/>
+          </a:prstGeom>
+        </p:spPr>
+      </p:pic>
+      <p:pic>
+        <p:nvPicPr>
+          <p:cNvPr id="4" name="Picture 3">
+            <a:extLst>
+              <a:ext uri="{FF2B5EF4-FFF2-40B4-BE49-F238E27FC236}">
+                <a16:creationId xmlns:a16="http://schemas.microsoft.com/office/drawing/2014/main" id="{D81F06FE-BCD0-C8F1-C473-826A71351AD7}"/>
+              </a:ext>
+            </a:extLst>
+          </p:cNvPr>
+          <p:cNvPicPr preferRelativeResize="0">
+            <a:picLocks/>
+          </p:cNvPicPr>
+          <p:nvPr/>
+        </p:nvPicPr>
+        <p:blipFill rotWithShape="1">
+          <a:blip r:embed="rId3"/>
+          <a:srcRect l="-92207" t="-5682" r="93866" b="5838"/>
+          <a:stretch/>
+        </p:blipFill>
+        <p:spPr>
+          <a:xfrm>
+            <a:off x="1745582" y="4741245"/>
+            <a:ext cx="3866148" cy="409274"/>
+          </a:xfrm>
+          <a:prstGeom prst="rect">
+            <a:avLst/>
+          </a:prstGeom>
+        </p:spPr>
+      </p:pic>
+    </p:spTree>
+    <p:extLst>
+      <p:ext uri="{BB962C8B-B14F-4D97-AF65-F5344CB8AC3E}">
+        <p14:creationId xmlns:p14="http://schemas.microsoft.com/office/powerpoint/2010/main" val="1517576017"/>
+      </p:ext>
+    </p:extLst>
+  </p:cSld>
+  <p:clrMapOvr>
+    <a:masterClrMapping/>
+  </p:clrMapOvr>
+</p:sld>
+</file>
+
+<file path=ppt/slides/slide27.xml><?xml version="1.0" encoding="utf-8"?>
+<p:sld xmlns:a="http://schemas.openxmlformats.org/drawingml/2006/main" xmlns:r="http://schemas.openxmlformats.org/officeDocument/2006/relationships" xmlns:p="http://schemas.openxmlformats.org/presentationml/2006/main">
+  <p:cSld>
+    <p:spTree>
+      <p:nvGrpSpPr>
+        <p:cNvPr id="1" name="">
+          <a:extLst>
+            <a:ext uri="{FF2B5EF4-FFF2-40B4-BE49-F238E27FC236}">
+              <a16:creationId xmlns:a16="http://schemas.microsoft.com/office/drawing/2014/main" id="{47F3AD3D-3A6C-F566-FEC5-5ECCD84CAEE0}"/>
+            </a:ext>
+          </a:extLst>
+        </p:cNvPr>
+        <p:cNvGrpSpPr/>
+        <p:nvPr/>
+      </p:nvGrpSpPr>
+      <p:grpSpPr>
+        <a:xfrm>
+          <a:off x="0" y="0"/>
+          <a:ext cx="0" cy="0"/>
+          <a:chOff x="0" y="0"/>
+          <a:chExt cx="0" cy="0"/>
+        </a:xfrm>
+      </p:grpSpPr>
+      <p:pic>
+        <p:nvPicPr>
+          <p:cNvPr id="3" name="Picture 2" descr="vlcsnap-2024-02-20-06h05m23s660">
+            <a:extLst>
+              <a:ext uri="{FF2B5EF4-FFF2-40B4-BE49-F238E27FC236}">
+                <a16:creationId xmlns:a16="http://schemas.microsoft.com/office/drawing/2014/main" id="{6E878EFF-6238-4097-C705-196F99EED685}"/>
+              </a:ext>
+            </a:extLst>
+          </p:cNvPr>
+          <p:cNvPicPr>
+            <a:picLocks noGrp="1" noChangeAspect="1"/>
+          </p:cNvPicPr>
+          <p:nvPr isPhoto="1"/>
+        </p:nvPicPr>
+        <p:blipFill rotWithShape="1">
+          <a:blip r:embed="rId2">
+            <a:lum/>
+            <a:extLst>
+              <a:ext uri="{28A0092B-C50C-407E-A947-70E740481C1C}">
+                <a14:useLocalDpi xmlns:a14="http://schemas.microsoft.com/office/drawing/2010/main" val="0"/>
+              </a:ext>
+            </a:extLst>
+          </a:blip>
+          <a:srcRect b="5544"/>
+          <a:stretch/>
+        </p:blipFill>
+        <p:spPr>
+          <a:xfrm>
+            <a:off x="0" y="0"/>
+            <a:ext cx="12192000" cy="6477802"/>
+          </a:xfrm>
+          <a:prstGeom prst="rect">
+            <a:avLst/>
+          </a:prstGeom>
+        </p:spPr>
+      </p:pic>
+      <p:pic>
+        <p:nvPicPr>
+          <p:cNvPr id="2" name="Picture 1">
+            <a:extLst>
+              <a:ext uri="{FF2B5EF4-FFF2-40B4-BE49-F238E27FC236}">
+                <a16:creationId xmlns:a16="http://schemas.microsoft.com/office/drawing/2014/main" id="{55131DE9-A944-681E-70F7-48EE7A648A9F}"/>
+              </a:ext>
+            </a:extLst>
+          </p:cNvPr>
+          <p:cNvPicPr preferRelativeResize="0">
+            <a:picLocks/>
+          </p:cNvPicPr>
+          <p:nvPr/>
+        </p:nvPicPr>
+        <p:blipFill rotWithShape="1">
+          <a:blip r:embed="rId3"/>
+          <a:srcRect l="-1875" t="-84328" r="1875" b="84470"/>
+          <a:stretch/>
+        </p:blipFill>
+        <p:spPr>
+          <a:xfrm>
+            <a:off x="640079" y="1188720"/>
+            <a:ext cx="5065395" cy="5193030"/>
+          </a:xfrm>
+          <a:prstGeom prst="rect">
+            <a:avLst/>
+          </a:prstGeom>
+        </p:spPr>
+      </p:pic>
+      <p:pic>
+        <p:nvPicPr>
+          <p:cNvPr id="4" name="Picture 3">
+            <a:extLst>
+              <a:ext uri="{FF2B5EF4-FFF2-40B4-BE49-F238E27FC236}">
+                <a16:creationId xmlns:a16="http://schemas.microsoft.com/office/drawing/2014/main" id="{F984192A-E582-8344-CAC3-9BF0D43A0CC1}"/>
+              </a:ext>
+            </a:extLst>
+          </p:cNvPr>
+          <p:cNvPicPr preferRelativeResize="0">
+            <a:picLocks/>
+          </p:cNvPicPr>
+          <p:nvPr/>
+        </p:nvPicPr>
+        <p:blipFill rotWithShape="1">
+          <a:blip r:embed="rId3"/>
+          <a:srcRect l="-71273" t="-5682" r="72932" b="5838"/>
+          <a:stretch/>
+        </p:blipFill>
+        <p:spPr>
+          <a:xfrm>
+            <a:off x="1745582" y="5112720"/>
+            <a:ext cx="3866148" cy="409274"/>
+          </a:xfrm>
+          <a:prstGeom prst="rect">
+            <a:avLst/>
+          </a:prstGeom>
+        </p:spPr>
+      </p:pic>
+    </p:spTree>
+    <p:extLst>
+      <p:ext uri="{BB962C8B-B14F-4D97-AF65-F5344CB8AC3E}">
+        <p14:creationId xmlns:p14="http://schemas.microsoft.com/office/powerpoint/2010/main" val="1107947741"/>
+      </p:ext>
+    </p:extLst>
+  </p:cSld>
+  <p:clrMapOvr>
+    <a:masterClrMapping/>
+  </p:clrMapOvr>
+</p:sld>
+</file>
+
+<file path=ppt/slides/slide28.xml><?xml version="1.0" encoding="utf-8"?>
+<p:sld xmlns:a="http://schemas.openxmlformats.org/drawingml/2006/main" xmlns:r="http://schemas.openxmlformats.org/officeDocument/2006/relationships" xmlns:p="http://schemas.openxmlformats.org/presentationml/2006/main">
+  <p:cSld>
+    <p:spTree>
+      <p:nvGrpSpPr>
+        <p:cNvPr id="1" name="">
+          <a:extLst>
+            <a:ext uri="{FF2B5EF4-FFF2-40B4-BE49-F238E27FC236}">
+              <a16:creationId xmlns:a16="http://schemas.microsoft.com/office/drawing/2014/main" id="{DECEDB89-BD17-27C9-79A3-FE9C9CDACCB0}"/>
+            </a:ext>
+          </a:extLst>
+        </p:cNvPr>
+        <p:cNvGrpSpPr/>
+        <p:nvPr/>
+      </p:nvGrpSpPr>
+      <p:grpSpPr>
+        <a:xfrm>
+          <a:off x="0" y="0"/>
+          <a:ext cx="0" cy="0"/>
+          <a:chOff x="0" y="0"/>
+          <a:chExt cx="0" cy="0"/>
+        </a:xfrm>
+      </p:grpSpPr>
+      <p:pic>
+        <p:nvPicPr>
+          <p:cNvPr id="3" name="Picture 2" descr="vlcsnap-2024-02-20-06h05m23s660">
+            <a:extLst>
+              <a:ext uri="{FF2B5EF4-FFF2-40B4-BE49-F238E27FC236}">
+                <a16:creationId xmlns:a16="http://schemas.microsoft.com/office/drawing/2014/main" id="{7E8AFD01-F1C7-9B24-E745-40BD7CBB853B}"/>
+              </a:ext>
+            </a:extLst>
+          </p:cNvPr>
+          <p:cNvPicPr>
+            <a:picLocks noGrp="1" noChangeAspect="1"/>
+          </p:cNvPicPr>
+          <p:nvPr isPhoto="1"/>
+        </p:nvPicPr>
+        <p:blipFill rotWithShape="1">
+          <a:blip r:embed="rId2">
+            <a:lum/>
+            <a:extLst>
+              <a:ext uri="{28A0092B-C50C-407E-A947-70E740481C1C}">
+                <a14:useLocalDpi xmlns:a14="http://schemas.microsoft.com/office/drawing/2010/main" val="0"/>
+              </a:ext>
+            </a:extLst>
+          </a:blip>
+          <a:srcRect b="5544"/>
+          <a:stretch/>
+        </p:blipFill>
+        <p:spPr>
+          <a:xfrm>
+            <a:off x="0" y="0"/>
+            <a:ext cx="12192000" cy="6477802"/>
+          </a:xfrm>
+          <a:prstGeom prst="rect">
+            <a:avLst/>
+          </a:prstGeom>
+        </p:spPr>
+      </p:pic>
+      <p:pic>
+        <p:nvPicPr>
+          <p:cNvPr id="2" name="Picture 1">
+            <a:extLst>
+              <a:ext uri="{FF2B5EF4-FFF2-40B4-BE49-F238E27FC236}">
+                <a16:creationId xmlns:a16="http://schemas.microsoft.com/office/drawing/2014/main" id="{82E04015-EDDE-D8FF-76BE-B03F19B7A6C0}"/>
+              </a:ext>
+            </a:extLst>
+          </p:cNvPr>
+          <p:cNvPicPr preferRelativeResize="0">
+            <a:picLocks/>
+          </p:cNvPicPr>
+          <p:nvPr/>
+        </p:nvPicPr>
+        <p:blipFill rotWithShape="1">
+          <a:blip r:embed="rId3"/>
+          <a:srcRect l="-1875" t="-91362" r="1875" b="91504"/>
+          <a:stretch/>
+        </p:blipFill>
+        <p:spPr>
+          <a:xfrm>
+            <a:off x="640079" y="1188720"/>
+            <a:ext cx="5065395" cy="5193030"/>
+          </a:xfrm>
+          <a:prstGeom prst="rect">
+            <a:avLst/>
+          </a:prstGeom>
+        </p:spPr>
+      </p:pic>
+      <p:pic>
+        <p:nvPicPr>
+          <p:cNvPr id="4" name="Picture 3">
+            <a:extLst>
+              <a:ext uri="{FF2B5EF4-FFF2-40B4-BE49-F238E27FC236}">
+                <a16:creationId xmlns:a16="http://schemas.microsoft.com/office/drawing/2014/main" id="{8E9DE397-A37B-FF33-4CB3-149C267C14F4}"/>
+              </a:ext>
+            </a:extLst>
+          </p:cNvPr>
+          <p:cNvPicPr preferRelativeResize="0">
+            <a:picLocks/>
+          </p:cNvPicPr>
+          <p:nvPr/>
+        </p:nvPicPr>
+        <p:blipFill rotWithShape="1">
+          <a:blip r:embed="rId3"/>
+          <a:srcRect l="-75926" t="-5682" r="77585" b="5838"/>
+          <a:stretch/>
+        </p:blipFill>
+        <p:spPr>
+          <a:xfrm>
+            <a:off x="1745582" y="5112720"/>
+            <a:ext cx="3866148" cy="409274"/>
+          </a:xfrm>
+          <a:prstGeom prst="rect">
+            <a:avLst/>
+          </a:prstGeom>
+        </p:spPr>
+      </p:pic>
+    </p:spTree>
+    <p:extLst>
+      <p:ext uri="{BB962C8B-B14F-4D97-AF65-F5344CB8AC3E}">
+        <p14:creationId xmlns:p14="http://schemas.microsoft.com/office/powerpoint/2010/main" val="1078626689"/>
+      </p:ext>
+    </p:extLst>
+  </p:cSld>
+  <p:clrMapOvr>
+    <a:masterClrMapping/>
+  </p:clrMapOvr>
+</p:sld>
+</file>
+
+<file path=ppt/slides/slide29.xml><?xml version="1.0" encoding="utf-8"?>
+<p:sld xmlns:a="http://schemas.openxmlformats.org/drawingml/2006/main" xmlns:r="http://schemas.openxmlformats.org/officeDocument/2006/relationships" xmlns:p="http://schemas.openxmlformats.org/presentationml/2006/main">
+  <p:cSld>
+    <p:spTree>
+      <p:nvGrpSpPr>
+        <p:cNvPr id="1" name="">
+          <a:extLst>
+            <a:ext uri="{FF2B5EF4-FFF2-40B4-BE49-F238E27FC236}">
+              <a16:creationId xmlns:a16="http://schemas.microsoft.com/office/drawing/2014/main" id="{486CF6AF-D890-F085-70A0-183F4FFB09DD}"/>
+            </a:ext>
+          </a:extLst>
+        </p:cNvPr>
+        <p:cNvGrpSpPr/>
+        <p:nvPr/>
+      </p:nvGrpSpPr>
+      <p:grpSpPr>
+        <a:xfrm>
+          <a:off x="0" y="0"/>
+          <a:ext cx="0" cy="0"/>
+          <a:chOff x="0" y="0"/>
+          <a:chExt cx="0" cy="0"/>
+        </a:xfrm>
+      </p:grpSpPr>
+      <p:pic>
+        <p:nvPicPr>
+          <p:cNvPr id="3" name="Picture 2" descr="vlcsnap-2024-02-20-06h05m23s660">
+            <a:extLst>
+              <a:ext uri="{FF2B5EF4-FFF2-40B4-BE49-F238E27FC236}">
+                <a16:creationId xmlns:a16="http://schemas.microsoft.com/office/drawing/2014/main" id="{E484B2F0-4CAA-45E6-85ED-FCED62E81357}"/>
+              </a:ext>
+            </a:extLst>
+          </p:cNvPr>
+          <p:cNvPicPr>
+            <a:picLocks noGrp="1" noChangeAspect="1"/>
+          </p:cNvPicPr>
+          <p:nvPr isPhoto="1"/>
+        </p:nvPicPr>
+        <p:blipFill rotWithShape="1">
+          <a:blip r:embed="rId2">
+            <a:lum/>
+            <a:extLst>
+              <a:ext uri="{28A0092B-C50C-407E-A947-70E740481C1C}">
+                <a14:useLocalDpi xmlns:a14="http://schemas.microsoft.com/office/drawing/2010/main" val="0"/>
+              </a:ext>
+            </a:extLst>
+          </a:blip>
+          <a:srcRect b="5544"/>
+          <a:stretch/>
+        </p:blipFill>
+        <p:spPr>
+          <a:xfrm>
+            <a:off x="0" y="0"/>
+            <a:ext cx="12192000" cy="6477802"/>
+          </a:xfrm>
+          <a:prstGeom prst="rect">
+            <a:avLst/>
+          </a:prstGeom>
+        </p:spPr>
+      </p:pic>
+      <p:pic>
+        <p:nvPicPr>
+          <p:cNvPr id="4" name="Picture 3">
+            <a:extLst>
+              <a:ext uri="{FF2B5EF4-FFF2-40B4-BE49-F238E27FC236}">
+                <a16:creationId xmlns:a16="http://schemas.microsoft.com/office/drawing/2014/main" id="{762872CB-6BFC-7DC0-E073-D7240618BCAA}"/>
+              </a:ext>
+            </a:extLst>
+          </p:cNvPr>
+          <p:cNvPicPr preferRelativeResize="0">
+            <a:picLocks/>
+          </p:cNvPicPr>
+          <p:nvPr/>
+        </p:nvPicPr>
+        <p:blipFill rotWithShape="1">
+          <a:blip r:embed="rId3"/>
+          <a:srcRect l="-75926" t="-5682" r="77585" b="5838"/>
+          <a:stretch/>
+        </p:blipFill>
+        <p:spPr>
+          <a:xfrm>
+            <a:off x="1745582" y="5112720"/>
+            <a:ext cx="3866148" cy="409274"/>
+          </a:xfrm>
+          <a:prstGeom prst="rect">
+            <a:avLst/>
+          </a:prstGeom>
+        </p:spPr>
+      </p:pic>
+    </p:spTree>
+    <p:extLst>
+      <p:ext uri="{BB962C8B-B14F-4D97-AF65-F5344CB8AC3E}">
+        <p14:creationId xmlns:p14="http://schemas.microsoft.com/office/powerpoint/2010/main" val="2066298497"/>
+      </p:ext>
+    </p:extLst>
+  </p:cSld>
+  <p:clrMapOvr>
+    <a:masterClrMapping/>
+  </p:clrMapOvr>
 </p:sld>
 </file>
 
@@ -6043,6 +6641,981 @@
     <p:extLst>
       <p:ext uri="{BB962C8B-B14F-4D97-AF65-F5344CB8AC3E}">
         <p14:creationId xmlns:p14="http://schemas.microsoft.com/office/powerpoint/2010/main" val="2825133711"/>
+      </p:ext>
+    </p:extLst>
+  </p:cSld>
+  <p:clrMapOvr>
+    <a:masterClrMapping/>
+  </p:clrMapOvr>
+</p:sld>
+</file>
+
+<file path=ppt/slides/slide30.xml><?xml version="1.0" encoding="utf-8"?>
+<p:sld xmlns:a="http://schemas.openxmlformats.org/drawingml/2006/main" xmlns:r="http://schemas.openxmlformats.org/officeDocument/2006/relationships" xmlns:p="http://schemas.openxmlformats.org/presentationml/2006/main">
+  <p:cSld>
+    <p:spTree>
+      <p:nvGrpSpPr>
+        <p:cNvPr id="1" name="">
+          <a:extLst>
+            <a:ext uri="{FF2B5EF4-FFF2-40B4-BE49-F238E27FC236}">
+              <a16:creationId xmlns:a16="http://schemas.microsoft.com/office/drawing/2014/main" id="{B0CDBF50-F7F7-F83E-81EC-2AA508108575}"/>
+            </a:ext>
+          </a:extLst>
+        </p:cNvPr>
+        <p:cNvGrpSpPr/>
+        <p:nvPr/>
+      </p:nvGrpSpPr>
+      <p:grpSpPr>
+        <a:xfrm>
+          <a:off x="0" y="0"/>
+          <a:ext cx="0" cy="0"/>
+          <a:chOff x="0" y="0"/>
+          <a:chExt cx="0" cy="0"/>
+        </a:xfrm>
+      </p:grpSpPr>
+      <p:pic>
+        <p:nvPicPr>
+          <p:cNvPr id="3" name="Picture 2" descr="vlcsnap-2024-02-20-06h07m31s983">
+            <a:extLst>
+              <a:ext uri="{FF2B5EF4-FFF2-40B4-BE49-F238E27FC236}">
+                <a16:creationId xmlns:a16="http://schemas.microsoft.com/office/drawing/2014/main" id="{DDFB32DB-694C-7725-8D53-BB112E4732BF}"/>
+              </a:ext>
+            </a:extLst>
+          </p:cNvPr>
+          <p:cNvPicPr>
+            <a:picLocks noGrp="1" noChangeAspect="1"/>
+          </p:cNvPicPr>
+          <p:nvPr isPhoto="1"/>
+        </p:nvPicPr>
+        <p:blipFill rotWithShape="1">
+          <a:blip r:embed="rId2">
+            <a:lum/>
+            <a:extLst>
+              <a:ext uri="{28A0092B-C50C-407E-A947-70E740481C1C}">
+                <a14:useLocalDpi xmlns:a14="http://schemas.microsoft.com/office/drawing/2010/main" val="0"/>
+              </a:ext>
+            </a:extLst>
+          </a:blip>
+          <a:srcRect b="5824"/>
+          <a:stretch/>
+        </p:blipFill>
+        <p:spPr>
+          <a:xfrm>
+            <a:off x="0" y="0"/>
+            <a:ext cx="12192000" cy="6458552"/>
+          </a:xfrm>
+          <a:prstGeom prst="rect">
+            <a:avLst/>
+          </a:prstGeom>
+        </p:spPr>
+      </p:pic>
+      <p:pic>
+        <p:nvPicPr>
+          <p:cNvPr id="2" name="Picture 1">
+            <a:extLst>
+              <a:ext uri="{FF2B5EF4-FFF2-40B4-BE49-F238E27FC236}">
+                <a16:creationId xmlns:a16="http://schemas.microsoft.com/office/drawing/2014/main" id="{46B6E2BD-BBC4-6940-7010-98C1B38D63F2}"/>
+              </a:ext>
+            </a:extLst>
+          </p:cNvPr>
+          <p:cNvPicPr preferRelativeResize="0">
+            <a:picLocks/>
+          </p:cNvPicPr>
+          <p:nvPr/>
+        </p:nvPicPr>
+        <p:blipFill rotWithShape="1">
+          <a:blip r:embed="rId3"/>
+          <a:srcRect l="-1875" t="-5682" r="1875" b="5838"/>
+          <a:stretch/>
+        </p:blipFill>
+        <p:spPr>
+          <a:xfrm>
+            <a:off x="640079" y="1188720"/>
+            <a:ext cx="5065395" cy="5193030"/>
+          </a:xfrm>
+          <a:prstGeom prst="rect">
+            <a:avLst/>
+          </a:prstGeom>
+        </p:spPr>
+      </p:pic>
+    </p:spTree>
+    <p:extLst>
+      <p:ext uri="{BB962C8B-B14F-4D97-AF65-F5344CB8AC3E}">
+        <p14:creationId xmlns:p14="http://schemas.microsoft.com/office/powerpoint/2010/main" val="2272460613"/>
+      </p:ext>
+    </p:extLst>
+  </p:cSld>
+  <p:clrMapOvr>
+    <a:masterClrMapping/>
+  </p:clrMapOvr>
+</p:sld>
+</file>
+
+<file path=ppt/slides/slide31.xml><?xml version="1.0" encoding="utf-8"?>
+<p:sld xmlns:a="http://schemas.openxmlformats.org/drawingml/2006/main" xmlns:r="http://schemas.openxmlformats.org/officeDocument/2006/relationships" xmlns:p="http://schemas.openxmlformats.org/presentationml/2006/main">
+  <p:cSld>
+    <p:spTree>
+      <p:nvGrpSpPr>
+        <p:cNvPr id="1" name="">
+          <a:extLst>
+            <a:ext uri="{FF2B5EF4-FFF2-40B4-BE49-F238E27FC236}">
+              <a16:creationId xmlns:a16="http://schemas.microsoft.com/office/drawing/2014/main" id="{C5214011-AE5E-D7DC-7AB0-099DA667323E}"/>
+            </a:ext>
+          </a:extLst>
+        </p:cNvPr>
+        <p:cNvGrpSpPr/>
+        <p:nvPr/>
+      </p:nvGrpSpPr>
+      <p:grpSpPr>
+        <a:xfrm>
+          <a:off x="0" y="0"/>
+          <a:ext cx="0" cy="0"/>
+          <a:chOff x="0" y="0"/>
+          <a:chExt cx="0" cy="0"/>
+        </a:xfrm>
+      </p:grpSpPr>
+      <p:pic>
+        <p:nvPicPr>
+          <p:cNvPr id="3" name="Picture 2" descr="vlcsnap-2024-02-20-06h07m31s983">
+            <a:extLst>
+              <a:ext uri="{FF2B5EF4-FFF2-40B4-BE49-F238E27FC236}">
+                <a16:creationId xmlns:a16="http://schemas.microsoft.com/office/drawing/2014/main" id="{7CC6454F-F251-190A-77AB-570D2A315BF4}"/>
+              </a:ext>
+            </a:extLst>
+          </p:cNvPr>
+          <p:cNvPicPr>
+            <a:picLocks noGrp="1" noChangeAspect="1"/>
+          </p:cNvPicPr>
+          <p:nvPr isPhoto="1"/>
+        </p:nvPicPr>
+        <p:blipFill rotWithShape="1">
+          <a:blip r:embed="rId2">
+            <a:lum/>
+            <a:extLst>
+              <a:ext uri="{28A0092B-C50C-407E-A947-70E740481C1C}">
+                <a14:useLocalDpi xmlns:a14="http://schemas.microsoft.com/office/drawing/2010/main" val="0"/>
+              </a:ext>
+            </a:extLst>
+          </a:blip>
+          <a:srcRect b="5824"/>
+          <a:stretch/>
+        </p:blipFill>
+        <p:spPr>
+          <a:xfrm>
+            <a:off x="0" y="0"/>
+            <a:ext cx="12192000" cy="6458552"/>
+          </a:xfrm>
+          <a:prstGeom prst="rect">
+            <a:avLst/>
+          </a:prstGeom>
+        </p:spPr>
+      </p:pic>
+      <p:pic>
+        <p:nvPicPr>
+          <p:cNvPr id="2" name="Picture 1">
+            <a:extLst>
+              <a:ext uri="{FF2B5EF4-FFF2-40B4-BE49-F238E27FC236}">
+                <a16:creationId xmlns:a16="http://schemas.microsoft.com/office/drawing/2014/main" id="{9A10B196-1128-5D91-6183-C64189282412}"/>
+              </a:ext>
+            </a:extLst>
+          </p:cNvPr>
+          <p:cNvPicPr preferRelativeResize="0">
+            <a:picLocks/>
+          </p:cNvPicPr>
+          <p:nvPr/>
+        </p:nvPicPr>
+        <p:blipFill rotWithShape="1">
+          <a:blip r:embed="rId3"/>
+          <a:srcRect l="-1875" t="-59709" r="1875" b="59854"/>
+          <a:stretch/>
+        </p:blipFill>
+        <p:spPr>
+          <a:xfrm>
+            <a:off x="640079" y="1188720"/>
+            <a:ext cx="5065395" cy="5193030"/>
+          </a:xfrm>
+          <a:prstGeom prst="rect">
+            <a:avLst/>
+          </a:prstGeom>
+        </p:spPr>
+      </p:pic>
+    </p:spTree>
+    <p:extLst>
+      <p:ext uri="{BB962C8B-B14F-4D97-AF65-F5344CB8AC3E}">
+        <p14:creationId xmlns:p14="http://schemas.microsoft.com/office/powerpoint/2010/main" val="2217481991"/>
+      </p:ext>
+    </p:extLst>
+  </p:cSld>
+  <p:clrMapOvr>
+    <a:masterClrMapping/>
+  </p:clrMapOvr>
+</p:sld>
+</file>
+
+<file path=ppt/slides/slide32.xml><?xml version="1.0" encoding="utf-8"?>
+<p:sld xmlns:a="http://schemas.openxmlformats.org/drawingml/2006/main" xmlns:r="http://schemas.openxmlformats.org/officeDocument/2006/relationships" xmlns:p="http://schemas.openxmlformats.org/presentationml/2006/main">
+  <p:cSld>
+    <p:spTree>
+      <p:nvGrpSpPr>
+        <p:cNvPr id="1" name="">
+          <a:extLst>
+            <a:ext uri="{FF2B5EF4-FFF2-40B4-BE49-F238E27FC236}">
+              <a16:creationId xmlns:a16="http://schemas.microsoft.com/office/drawing/2014/main" id="{6EFD7A15-5697-60B0-4F81-57D7DB295E1E}"/>
+            </a:ext>
+          </a:extLst>
+        </p:cNvPr>
+        <p:cNvGrpSpPr/>
+        <p:nvPr/>
+      </p:nvGrpSpPr>
+      <p:grpSpPr>
+        <a:xfrm>
+          <a:off x="0" y="0"/>
+          <a:ext cx="0" cy="0"/>
+          <a:chOff x="0" y="0"/>
+          <a:chExt cx="0" cy="0"/>
+        </a:xfrm>
+      </p:grpSpPr>
+      <p:pic>
+        <p:nvPicPr>
+          <p:cNvPr id="3" name="Picture 2" descr="vlcsnap-2024-02-20-06h07m31s983">
+            <a:extLst>
+              <a:ext uri="{FF2B5EF4-FFF2-40B4-BE49-F238E27FC236}">
+                <a16:creationId xmlns:a16="http://schemas.microsoft.com/office/drawing/2014/main" id="{11F3D85A-9D55-F88C-F548-77A814260AE3}"/>
+              </a:ext>
+            </a:extLst>
+          </p:cNvPr>
+          <p:cNvPicPr>
+            <a:picLocks noGrp="1" noChangeAspect="1"/>
+          </p:cNvPicPr>
+          <p:nvPr isPhoto="1"/>
+        </p:nvPicPr>
+        <p:blipFill rotWithShape="1">
+          <a:blip r:embed="rId2">
+            <a:lum/>
+            <a:extLst>
+              <a:ext uri="{28A0092B-C50C-407E-A947-70E740481C1C}">
+                <a14:useLocalDpi xmlns:a14="http://schemas.microsoft.com/office/drawing/2010/main" val="0"/>
+              </a:ext>
+            </a:extLst>
+          </a:blip>
+          <a:srcRect b="5824"/>
+          <a:stretch/>
+        </p:blipFill>
+        <p:spPr>
+          <a:xfrm>
+            <a:off x="0" y="0"/>
+            <a:ext cx="12192000" cy="6458552"/>
+          </a:xfrm>
+          <a:prstGeom prst="rect">
+            <a:avLst/>
+          </a:prstGeom>
+        </p:spPr>
+      </p:pic>
+      <p:pic>
+        <p:nvPicPr>
+          <p:cNvPr id="2" name="Picture 1">
+            <a:extLst>
+              <a:ext uri="{FF2B5EF4-FFF2-40B4-BE49-F238E27FC236}">
+                <a16:creationId xmlns:a16="http://schemas.microsoft.com/office/drawing/2014/main" id="{1A1021B4-B834-A941-67DA-9E25A084E29E}"/>
+              </a:ext>
+            </a:extLst>
+          </p:cNvPr>
+          <p:cNvPicPr preferRelativeResize="0">
+            <a:picLocks/>
+          </p:cNvPicPr>
+          <p:nvPr/>
+        </p:nvPicPr>
+        <p:blipFill rotWithShape="1">
+          <a:blip r:embed="rId3"/>
+          <a:srcRect l="-1875" t="-75534" r="1875" b="75678"/>
+          <a:stretch/>
+        </p:blipFill>
+        <p:spPr>
+          <a:xfrm>
+            <a:off x="640079" y="1188720"/>
+            <a:ext cx="5065395" cy="5193030"/>
+          </a:xfrm>
+          <a:prstGeom prst="rect">
+            <a:avLst/>
+          </a:prstGeom>
+        </p:spPr>
+      </p:pic>
+    </p:spTree>
+    <p:extLst>
+      <p:ext uri="{BB962C8B-B14F-4D97-AF65-F5344CB8AC3E}">
+        <p14:creationId xmlns:p14="http://schemas.microsoft.com/office/powerpoint/2010/main" val="2630204709"/>
+      </p:ext>
+    </p:extLst>
+  </p:cSld>
+  <p:clrMapOvr>
+    <a:masterClrMapping/>
+  </p:clrMapOvr>
+</p:sld>
+</file>
+
+<file path=ppt/slides/slide33.xml><?xml version="1.0" encoding="utf-8"?>
+<p:sld xmlns:a="http://schemas.openxmlformats.org/drawingml/2006/main" xmlns:r="http://schemas.openxmlformats.org/officeDocument/2006/relationships" xmlns:p="http://schemas.openxmlformats.org/presentationml/2006/main">
+  <p:cSld>
+    <p:spTree>
+      <p:nvGrpSpPr>
+        <p:cNvPr id="1" name="">
+          <a:extLst>
+            <a:ext uri="{FF2B5EF4-FFF2-40B4-BE49-F238E27FC236}">
+              <a16:creationId xmlns:a16="http://schemas.microsoft.com/office/drawing/2014/main" id="{6944A278-7183-4F15-4C96-A67EA268561F}"/>
+            </a:ext>
+          </a:extLst>
+        </p:cNvPr>
+        <p:cNvGrpSpPr/>
+        <p:nvPr/>
+      </p:nvGrpSpPr>
+      <p:grpSpPr>
+        <a:xfrm>
+          <a:off x="0" y="0"/>
+          <a:ext cx="0" cy="0"/>
+          <a:chOff x="0" y="0"/>
+          <a:chExt cx="0" cy="0"/>
+        </a:xfrm>
+      </p:grpSpPr>
+      <p:pic>
+        <p:nvPicPr>
+          <p:cNvPr id="3" name="Picture 2" descr="vlcsnap-2024-02-20-06h07m31s983">
+            <a:extLst>
+              <a:ext uri="{FF2B5EF4-FFF2-40B4-BE49-F238E27FC236}">
+                <a16:creationId xmlns:a16="http://schemas.microsoft.com/office/drawing/2014/main" id="{A76E9FF9-6038-CB92-A584-26BF302F7999}"/>
+              </a:ext>
+            </a:extLst>
+          </p:cNvPr>
+          <p:cNvPicPr>
+            <a:picLocks noGrp="1" noChangeAspect="1"/>
+          </p:cNvPicPr>
+          <p:nvPr isPhoto="1"/>
+        </p:nvPicPr>
+        <p:blipFill rotWithShape="1">
+          <a:blip r:embed="rId2">
+            <a:lum/>
+            <a:extLst>
+              <a:ext uri="{28A0092B-C50C-407E-A947-70E740481C1C}">
+                <a14:useLocalDpi xmlns:a14="http://schemas.microsoft.com/office/drawing/2010/main" val="0"/>
+              </a:ext>
+            </a:extLst>
+          </a:blip>
+          <a:srcRect b="5824"/>
+          <a:stretch/>
+        </p:blipFill>
+        <p:spPr>
+          <a:xfrm>
+            <a:off x="0" y="0"/>
+            <a:ext cx="12192000" cy="6458552"/>
+          </a:xfrm>
+          <a:prstGeom prst="rect">
+            <a:avLst/>
+          </a:prstGeom>
+        </p:spPr>
+      </p:pic>
+    </p:spTree>
+    <p:extLst>
+      <p:ext uri="{BB962C8B-B14F-4D97-AF65-F5344CB8AC3E}">
+        <p14:creationId xmlns:p14="http://schemas.microsoft.com/office/powerpoint/2010/main" val="1315537034"/>
+      </p:ext>
+    </p:extLst>
+  </p:cSld>
+  <p:clrMapOvr>
+    <a:masterClrMapping/>
+  </p:clrMapOvr>
+</p:sld>
+</file>
+
+<file path=ppt/slides/slide34.xml><?xml version="1.0" encoding="utf-8"?>
+<p:sld xmlns:a="http://schemas.openxmlformats.org/drawingml/2006/main" xmlns:r="http://schemas.openxmlformats.org/officeDocument/2006/relationships" xmlns:p="http://schemas.openxmlformats.org/presentationml/2006/main">
+  <p:cSld>
+    <p:spTree>
+      <p:nvGrpSpPr>
+        <p:cNvPr id="1" name=""/>
+        <p:cNvGrpSpPr/>
+        <p:nvPr/>
+      </p:nvGrpSpPr>
+      <p:grpSpPr>
+        <a:xfrm>
+          <a:off x="0" y="0"/>
+          <a:ext cx="0" cy="0"/>
+          <a:chOff x="0" y="0"/>
+          <a:chExt cx="0" cy="0"/>
+        </a:xfrm>
+      </p:grpSpPr>
+      <p:pic>
+        <p:nvPicPr>
+          <p:cNvPr id="3" name="Picture 2" descr="vlcsnap-2024-02-20-06h09m03s252">
+            <a:extLst>
+              <a:ext uri="{FF2B5EF4-FFF2-40B4-BE49-F238E27FC236}">
+                <a16:creationId xmlns:a16="http://schemas.microsoft.com/office/drawing/2014/main" id="{07709475-0B96-0728-B42C-1D6E5A230203}"/>
+              </a:ext>
+            </a:extLst>
+          </p:cNvPr>
+          <p:cNvPicPr preferRelativeResize="0">
+            <a:picLocks noGrp="1"/>
+          </p:cNvPicPr>
+          <p:nvPr isPhoto="1"/>
+        </p:nvPicPr>
+        <p:blipFill rotWithShape="1">
+          <a:blip r:embed="rId2">
+            <a:lum/>
+            <a:extLst>
+              <a:ext uri="{28A0092B-C50C-407E-A947-70E740481C1C}">
+                <a14:useLocalDpi xmlns:a14="http://schemas.microsoft.com/office/drawing/2010/main" val="0"/>
+              </a:ext>
+            </a:extLst>
+          </a:blip>
+          <a:srcRect t="-1" b="6665"/>
+          <a:stretch/>
+        </p:blipFill>
+        <p:spPr>
+          <a:xfrm>
+            <a:off x="0" y="0"/>
+            <a:ext cx="12192000" cy="6400800"/>
+          </a:xfrm>
+          <a:prstGeom prst="rect">
+            <a:avLst/>
+          </a:prstGeom>
+        </p:spPr>
+      </p:pic>
+      <p:pic>
+        <p:nvPicPr>
+          <p:cNvPr id="2" name="Picture 1">
+            <a:extLst>
+              <a:ext uri="{FF2B5EF4-FFF2-40B4-BE49-F238E27FC236}">
+                <a16:creationId xmlns:a16="http://schemas.microsoft.com/office/drawing/2014/main" id="{748429CF-9215-A64E-BBAD-0C62A77B83F1}"/>
+              </a:ext>
+            </a:extLst>
+          </p:cNvPr>
+          <p:cNvPicPr preferRelativeResize="0">
+            <a:picLocks/>
+          </p:cNvPicPr>
+          <p:nvPr/>
+        </p:nvPicPr>
+        <p:blipFill rotWithShape="1">
+          <a:blip r:embed="rId3"/>
+          <a:srcRect l="-1875" t="-5682" r="1875" b="5838"/>
+          <a:stretch/>
+        </p:blipFill>
+        <p:spPr>
+          <a:xfrm>
+            <a:off x="640079" y="1188720"/>
+            <a:ext cx="5455921" cy="5193030"/>
+          </a:xfrm>
+          <a:prstGeom prst="rect">
+            <a:avLst/>
+          </a:prstGeom>
+        </p:spPr>
+      </p:pic>
+    </p:spTree>
+    <p:extLst>
+      <p:ext uri="{BB962C8B-B14F-4D97-AF65-F5344CB8AC3E}">
+        <p14:creationId xmlns:p14="http://schemas.microsoft.com/office/powerpoint/2010/main" val="2439496293"/>
+      </p:ext>
+    </p:extLst>
+  </p:cSld>
+  <p:clrMapOvr>
+    <a:masterClrMapping/>
+  </p:clrMapOvr>
+</p:sld>
+</file>
+
+<file path=ppt/slides/slide35.xml><?xml version="1.0" encoding="utf-8"?>
+<p:sld xmlns:a="http://schemas.openxmlformats.org/drawingml/2006/main" xmlns:r="http://schemas.openxmlformats.org/officeDocument/2006/relationships" xmlns:p="http://schemas.openxmlformats.org/presentationml/2006/main">
+  <p:cSld>
+    <p:spTree>
+      <p:nvGrpSpPr>
+        <p:cNvPr id="1" name="">
+          <a:extLst>
+            <a:ext uri="{FF2B5EF4-FFF2-40B4-BE49-F238E27FC236}">
+              <a16:creationId xmlns:a16="http://schemas.microsoft.com/office/drawing/2014/main" id="{EBD62A86-E24A-85A3-2E2B-FB6E1BD26702}"/>
+            </a:ext>
+          </a:extLst>
+        </p:cNvPr>
+        <p:cNvGrpSpPr/>
+        <p:nvPr/>
+      </p:nvGrpSpPr>
+      <p:grpSpPr>
+        <a:xfrm>
+          <a:off x="0" y="0"/>
+          <a:ext cx="0" cy="0"/>
+          <a:chOff x="0" y="0"/>
+          <a:chExt cx="0" cy="0"/>
+        </a:xfrm>
+      </p:grpSpPr>
+      <p:pic>
+        <p:nvPicPr>
+          <p:cNvPr id="3" name="Picture 2" descr="vlcsnap-2024-02-20-06h09m03s252">
+            <a:extLst>
+              <a:ext uri="{FF2B5EF4-FFF2-40B4-BE49-F238E27FC236}">
+                <a16:creationId xmlns:a16="http://schemas.microsoft.com/office/drawing/2014/main" id="{C9DF4781-C55C-E287-8BBC-85E3C48BC838}"/>
+              </a:ext>
+            </a:extLst>
+          </p:cNvPr>
+          <p:cNvPicPr preferRelativeResize="0">
+            <a:picLocks noGrp="1"/>
+          </p:cNvPicPr>
+          <p:nvPr isPhoto="1"/>
+        </p:nvPicPr>
+        <p:blipFill rotWithShape="1">
+          <a:blip r:embed="rId2">
+            <a:lum/>
+            <a:extLst>
+              <a:ext uri="{28A0092B-C50C-407E-A947-70E740481C1C}">
+                <a14:useLocalDpi xmlns:a14="http://schemas.microsoft.com/office/drawing/2010/main" val="0"/>
+              </a:ext>
+            </a:extLst>
+          </a:blip>
+          <a:srcRect t="-1" b="6665"/>
+          <a:stretch/>
+        </p:blipFill>
+        <p:spPr>
+          <a:xfrm>
+            <a:off x="0" y="0"/>
+            <a:ext cx="12192000" cy="6400800"/>
+          </a:xfrm>
+          <a:prstGeom prst="rect">
+            <a:avLst/>
+          </a:prstGeom>
+        </p:spPr>
+      </p:pic>
+      <p:pic>
+        <p:nvPicPr>
+          <p:cNvPr id="2" name="Picture 1">
+            <a:extLst>
+              <a:ext uri="{FF2B5EF4-FFF2-40B4-BE49-F238E27FC236}">
+                <a16:creationId xmlns:a16="http://schemas.microsoft.com/office/drawing/2014/main" id="{AEA22775-77B1-3BFE-9F75-52BB427D02FD}"/>
+              </a:ext>
+            </a:extLst>
+          </p:cNvPr>
+          <p:cNvPicPr preferRelativeResize="0">
+            <a:picLocks/>
+          </p:cNvPicPr>
+          <p:nvPr/>
+        </p:nvPicPr>
+        <p:blipFill rotWithShape="1">
+          <a:blip r:embed="rId3"/>
+          <a:srcRect l="-1875" t="-12230" r="1875" b="12384"/>
+          <a:stretch/>
+        </p:blipFill>
+        <p:spPr>
+          <a:xfrm>
+            <a:off x="640079" y="1188720"/>
+            <a:ext cx="5455921" cy="5193030"/>
+          </a:xfrm>
+          <a:prstGeom prst="rect">
+            <a:avLst/>
+          </a:prstGeom>
+        </p:spPr>
+      </p:pic>
+    </p:spTree>
+    <p:extLst>
+      <p:ext uri="{BB962C8B-B14F-4D97-AF65-F5344CB8AC3E}">
+        <p14:creationId xmlns:p14="http://schemas.microsoft.com/office/powerpoint/2010/main" val="2488137111"/>
+      </p:ext>
+    </p:extLst>
+  </p:cSld>
+  <p:clrMapOvr>
+    <a:masterClrMapping/>
+  </p:clrMapOvr>
+</p:sld>
+</file>
+
+<file path=ppt/slides/slide36.xml><?xml version="1.0" encoding="utf-8"?>
+<p:sld xmlns:a="http://schemas.openxmlformats.org/drawingml/2006/main" xmlns:r="http://schemas.openxmlformats.org/officeDocument/2006/relationships" xmlns:p="http://schemas.openxmlformats.org/presentationml/2006/main">
+  <p:cSld>
+    <p:spTree>
+      <p:nvGrpSpPr>
+        <p:cNvPr id="1" name="">
+          <a:extLst>
+            <a:ext uri="{FF2B5EF4-FFF2-40B4-BE49-F238E27FC236}">
+              <a16:creationId xmlns:a16="http://schemas.microsoft.com/office/drawing/2014/main" id="{C8A3242D-32DD-4C13-93C0-08691E135A39}"/>
+            </a:ext>
+          </a:extLst>
+        </p:cNvPr>
+        <p:cNvGrpSpPr/>
+        <p:nvPr/>
+      </p:nvGrpSpPr>
+      <p:grpSpPr>
+        <a:xfrm>
+          <a:off x="0" y="0"/>
+          <a:ext cx="0" cy="0"/>
+          <a:chOff x="0" y="0"/>
+          <a:chExt cx="0" cy="0"/>
+        </a:xfrm>
+      </p:grpSpPr>
+      <p:pic>
+        <p:nvPicPr>
+          <p:cNvPr id="3" name="Picture 2" descr="vlcsnap-2024-02-20-06h09m03s252">
+            <a:extLst>
+              <a:ext uri="{FF2B5EF4-FFF2-40B4-BE49-F238E27FC236}">
+                <a16:creationId xmlns:a16="http://schemas.microsoft.com/office/drawing/2014/main" id="{77B1CC8A-F624-E0C8-B6B0-C4BB33B8DAC8}"/>
+              </a:ext>
+            </a:extLst>
+          </p:cNvPr>
+          <p:cNvPicPr preferRelativeResize="0">
+            <a:picLocks noGrp="1"/>
+          </p:cNvPicPr>
+          <p:nvPr isPhoto="1"/>
+        </p:nvPicPr>
+        <p:blipFill rotWithShape="1">
+          <a:blip r:embed="rId2">
+            <a:lum/>
+            <a:extLst>
+              <a:ext uri="{28A0092B-C50C-407E-A947-70E740481C1C}">
+                <a14:useLocalDpi xmlns:a14="http://schemas.microsoft.com/office/drawing/2010/main" val="0"/>
+              </a:ext>
+            </a:extLst>
+          </a:blip>
+          <a:srcRect t="-1" b="6665"/>
+          <a:stretch/>
+        </p:blipFill>
+        <p:spPr>
+          <a:xfrm>
+            <a:off x="0" y="0"/>
+            <a:ext cx="12192000" cy="6400800"/>
+          </a:xfrm>
+          <a:prstGeom prst="rect">
+            <a:avLst/>
+          </a:prstGeom>
+        </p:spPr>
+      </p:pic>
+      <p:pic>
+        <p:nvPicPr>
+          <p:cNvPr id="2" name="Picture 1">
+            <a:extLst>
+              <a:ext uri="{FF2B5EF4-FFF2-40B4-BE49-F238E27FC236}">
+                <a16:creationId xmlns:a16="http://schemas.microsoft.com/office/drawing/2014/main" id="{F2AA2FC4-8015-5C8A-EC55-CDDE40BC8DB8}"/>
+              </a:ext>
+            </a:extLst>
+          </p:cNvPr>
+          <p:cNvPicPr preferRelativeResize="0">
+            <a:picLocks/>
+          </p:cNvPicPr>
+          <p:nvPr/>
+        </p:nvPicPr>
+        <p:blipFill rotWithShape="1">
+          <a:blip r:embed="rId3"/>
+          <a:srcRect l="-1875" t="-36847" r="1875" b="36997"/>
+          <a:stretch/>
+        </p:blipFill>
+        <p:spPr>
+          <a:xfrm>
+            <a:off x="640079" y="1188720"/>
+            <a:ext cx="5455921" cy="5193030"/>
+          </a:xfrm>
+          <a:prstGeom prst="rect">
+            <a:avLst/>
+          </a:prstGeom>
+        </p:spPr>
+      </p:pic>
+    </p:spTree>
+    <p:extLst>
+      <p:ext uri="{BB962C8B-B14F-4D97-AF65-F5344CB8AC3E}">
+        <p14:creationId xmlns:p14="http://schemas.microsoft.com/office/powerpoint/2010/main" val="1550312474"/>
+      </p:ext>
+    </p:extLst>
+  </p:cSld>
+  <p:clrMapOvr>
+    <a:masterClrMapping/>
+  </p:clrMapOvr>
+</p:sld>
+</file>
+
+<file path=ppt/slides/slide37.xml><?xml version="1.0" encoding="utf-8"?>
+<p:sld xmlns:a="http://schemas.openxmlformats.org/drawingml/2006/main" xmlns:r="http://schemas.openxmlformats.org/officeDocument/2006/relationships" xmlns:p="http://schemas.openxmlformats.org/presentationml/2006/main">
+  <p:cSld>
+    <p:spTree>
+      <p:nvGrpSpPr>
+        <p:cNvPr id="1" name="">
+          <a:extLst>
+            <a:ext uri="{FF2B5EF4-FFF2-40B4-BE49-F238E27FC236}">
+              <a16:creationId xmlns:a16="http://schemas.microsoft.com/office/drawing/2014/main" id="{0E63387F-F5C2-D5D2-AB01-58E11B13B779}"/>
+            </a:ext>
+          </a:extLst>
+        </p:cNvPr>
+        <p:cNvGrpSpPr/>
+        <p:nvPr/>
+      </p:nvGrpSpPr>
+      <p:grpSpPr>
+        <a:xfrm>
+          <a:off x="0" y="0"/>
+          <a:ext cx="0" cy="0"/>
+          <a:chOff x="0" y="0"/>
+          <a:chExt cx="0" cy="0"/>
+        </a:xfrm>
+      </p:grpSpPr>
+      <p:pic>
+        <p:nvPicPr>
+          <p:cNvPr id="3" name="Picture 2" descr="vlcsnap-2024-02-20-06h09m03s252">
+            <a:extLst>
+              <a:ext uri="{FF2B5EF4-FFF2-40B4-BE49-F238E27FC236}">
+                <a16:creationId xmlns:a16="http://schemas.microsoft.com/office/drawing/2014/main" id="{CE7BDDFA-9DDC-92AC-2632-614E821E4348}"/>
+              </a:ext>
+            </a:extLst>
+          </p:cNvPr>
+          <p:cNvPicPr preferRelativeResize="0">
+            <a:picLocks noGrp="1"/>
+          </p:cNvPicPr>
+          <p:nvPr isPhoto="1"/>
+        </p:nvPicPr>
+        <p:blipFill rotWithShape="1">
+          <a:blip r:embed="rId2">
+            <a:lum/>
+            <a:extLst>
+              <a:ext uri="{28A0092B-C50C-407E-A947-70E740481C1C}">
+                <a14:useLocalDpi xmlns:a14="http://schemas.microsoft.com/office/drawing/2010/main" val="0"/>
+              </a:ext>
+            </a:extLst>
+          </a:blip>
+          <a:srcRect t="-1" b="6665"/>
+          <a:stretch/>
+        </p:blipFill>
+        <p:spPr>
+          <a:xfrm>
+            <a:off x="0" y="0"/>
+            <a:ext cx="12192000" cy="6400800"/>
+          </a:xfrm>
+          <a:prstGeom prst="rect">
+            <a:avLst/>
+          </a:prstGeom>
+        </p:spPr>
+      </p:pic>
+      <p:pic>
+        <p:nvPicPr>
+          <p:cNvPr id="2" name="Picture 1">
+            <a:extLst>
+              <a:ext uri="{FF2B5EF4-FFF2-40B4-BE49-F238E27FC236}">
+                <a16:creationId xmlns:a16="http://schemas.microsoft.com/office/drawing/2014/main" id="{8B4E61BE-C82A-6B77-5480-31FEF32D2CB5}"/>
+              </a:ext>
+            </a:extLst>
+          </p:cNvPr>
+          <p:cNvPicPr preferRelativeResize="0">
+            <a:picLocks/>
+          </p:cNvPicPr>
+          <p:nvPr/>
+        </p:nvPicPr>
+        <p:blipFill rotWithShape="1">
+          <a:blip r:embed="rId3"/>
+          <a:srcRect l="-1875" t="-43880" r="1875" b="44030"/>
+          <a:stretch/>
+        </p:blipFill>
+        <p:spPr>
+          <a:xfrm>
+            <a:off x="640079" y="1188720"/>
+            <a:ext cx="5455921" cy="5193030"/>
+          </a:xfrm>
+          <a:prstGeom prst="rect">
+            <a:avLst/>
+          </a:prstGeom>
+        </p:spPr>
+      </p:pic>
+    </p:spTree>
+    <p:extLst>
+      <p:ext uri="{BB962C8B-B14F-4D97-AF65-F5344CB8AC3E}">
+        <p14:creationId xmlns:p14="http://schemas.microsoft.com/office/powerpoint/2010/main" val="260913021"/>
+      </p:ext>
+    </p:extLst>
+  </p:cSld>
+  <p:clrMapOvr>
+    <a:masterClrMapping/>
+  </p:clrMapOvr>
+</p:sld>
+</file>
+
+<file path=ppt/slides/slide38.xml><?xml version="1.0" encoding="utf-8"?>
+<p:sld xmlns:a="http://schemas.openxmlformats.org/drawingml/2006/main" xmlns:r="http://schemas.openxmlformats.org/officeDocument/2006/relationships" xmlns:p="http://schemas.openxmlformats.org/presentationml/2006/main">
+  <p:cSld>
+    <p:spTree>
+      <p:nvGrpSpPr>
+        <p:cNvPr id="1" name="">
+          <a:extLst>
+            <a:ext uri="{FF2B5EF4-FFF2-40B4-BE49-F238E27FC236}">
+              <a16:creationId xmlns:a16="http://schemas.microsoft.com/office/drawing/2014/main" id="{2BCF1100-FD6B-FA03-4B5D-F1C3D2977ACA}"/>
+            </a:ext>
+          </a:extLst>
+        </p:cNvPr>
+        <p:cNvGrpSpPr/>
+        <p:nvPr/>
+      </p:nvGrpSpPr>
+      <p:grpSpPr>
+        <a:xfrm>
+          <a:off x="0" y="0"/>
+          <a:ext cx="0" cy="0"/>
+          <a:chOff x="0" y="0"/>
+          <a:chExt cx="0" cy="0"/>
+        </a:xfrm>
+      </p:grpSpPr>
+      <p:pic>
+        <p:nvPicPr>
+          <p:cNvPr id="3" name="Picture 2" descr="vlcsnap-2024-02-20-06h09m03s252">
+            <a:extLst>
+              <a:ext uri="{FF2B5EF4-FFF2-40B4-BE49-F238E27FC236}">
+                <a16:creationId xmlns:a16="http://schemas.microsoft.com/office/drawing/2014/main" id="{98031425-D521-557F-1E30-65731D4E6B33}"/>
+              </a:ext>
+            </a:extLst>
+          </p:cNvPr>
+          <p:cNvPicPr preferRelativeResize="0">
+            <a:picLocks noGrp="1"/>
+          </p:cNvPicPr>
+          <p:nvPr isPhoto="1"/>
+        </p:nvPicPr>
+        <p:blipFill rotWithShape="1">
+          <a:blip r:embed="rId2">
+            <a:lum/>
+            <a:extLst>
+              <a:ext uri="{28A0092B-C50C-407E-A947-70E740481C1C}">
+                <a14:useLocalDpi xmlns:a14="http://schemas.microsoft.com/office/drawing/2010/main" val="0"/>
+              </a:ext>
+            </a:extLst>
+          </a:blip>
+          <a:srcRect t="-1" b="6665"/>
+          <a:stretch/>
+        </p:blipFill>
+        <p:spPr>
+          <a:xfrm>
+            <a:off x="0" y="0"/>
+            <a:ext cx="12192000" cy="6400800"/>
+          </a:xfrm>
+          <a:prstGeom prst="rect">
+            <a:avLst/>
+          </a:prstGeom>
+        </p:spPr>
+      </p:pic>
+      <p:pic>
+        <p:nvPicPr>
+          <p:cNvPr id="2" name="Picture 1">
+            <a:extLst>
+              <a:ext uri="{FF2B5EF4-FFF2-40B4-BE49-F238E27FC236}">
+                <a16:creationId xmlns:a16="http://schemas.microsoft.com/office/drawing/2014/main" id="{671ADB78-A577-E5EF-F7B8-87AA5CB927E0}"/>
+              </a:ext>
+            </a:extLst>
+          </p:cNvPr>
+          <p:cNvPicPr preferRelativeResize="0">
+            <a:picLocks/>
+          </p:cNvPicPr>
+          <p:nvPr/>
+        </p:nvPicPr>
+        <p:blipFill rotWithShape="1">
+          <a:blip r:embed="rId3"/>
+          <a:srcRect l="-1875" t="-52674" r="1875" b="52821"/>
+          <a:stretch/>
+        </p:blipFill>
+        <p:spPr>
+          <a:xfrm>
+            <a:off x="640079" y="1188720"/>
+            <a:ext cx="5455921" cy="5193030"/>
+          </a:xfrm>
+          <a:prstGeom prst="rect">
+            <a:avLst/>
+          </a:prstGeom>
+        </p:spPr>
+      </p:pic>
+    </p:spTree>
+    <p:extLst>
+      <p:ext uri="{BB962C8B-B14F-4D97-AF65-F5344CB8AC3E}">
+        <p14:creationId xmlns:p14="http://schemas.microsoft.com/office/powerpoint/2010/main" val="57830084"/>
+      </p:ext>
+    </p:extLst>
+  </p:cSld>
+  <p:clrMapOvr>
+    <a:masterClrMapping/>
+  </p:clrMapOvr>
+</p:sld>
+</file>
+
+<file path=ppt/slides/slide39.xml><?xml version="1.0" encoding="utf-8"?>
+<p:sld xmlns:a="http://schemas.openxmlformats.org/drawingml/2006/main" xmlns:r="http://schemas.openxmlformats.org/officeDocument/2006/relationships" xmlns:p="http://schemas.openxmlformats.org/presentationml/2006/main">
+  <p:cSld>
+    <p:spTree>
+      <p:nvGrpSpPr>
+        <p:cNvPr id="1" name="">
+          <a:extLst>
+            <a:ext uri="{FF2B5EF4-FFF2-40B4-BE49-F238E27FC236}">
+              <a16:creationId xmlns:a16="http://schemas.microsoft.com/office/drawing/2014/main" id="{FFA8905B-75B3-90FE-430B-894431BA18AB}"/>
+            </a:ext>
+          </a:extLst>
+        </p:cNvPr>
+        <p:cNvGrpSpPr/>
+        <p:nvPr/>
+      </p:nvGrpSpPr>
+      <p:grpSpPr>
+        <a:xfrm>
+          <a:off x="0" y="0"/>
+          <a:ext cx="0" cy="0"/>
+          <a:chOff x="0" y="0"/>
+          <a:chExt cx="0" cy="0"/>
+        </a:xfrm>
+      </p:grpSpPr>
+      <p:pic>
+        <p:nvPicPr>
+          <p:cNvPr id="3" name="Picture 2" descr="vlcsnap-2024-02-20-06h09m03s252">
+            <a:extLst>
+              <a:ext uri="{FF2B5EF4-FFF2-40B4-BE49-F238E27FC236}">
+                <a16:creationId xmlns:a16="http://schemas.microsoft.com/office/drawing/2014/main" id="{BEDFE7B0-E4DC-EDA8-572D-5502FABEA336}"/>
+              </a:ext>
+            </a:extLst>
+          </p:cNvPr>
+          <p:cNvPicPr preferRelativeResize="0">
+            <a:picLocks noGrp="1"/>
+          </p:cNvPicPr>
+          <p:nvPr isPhoto="1"/>
+        </p:nvPicPr>
+        <p:blipFill rotWithShape="1">
+          <a:blip r:embed="rId2">
+            <a:lum/>
+            <a:extLst>
+              <a:ext uri="{28A0092B-C50C-407E-A947-70E740481C1C}">
+                <a14:useLocalDpi xmlns:a14="http://schemas.microsoft.com/office/drawing/2010/main" val="0"/>
+              </a:ext>
+            </a:extLst>
+          </a:blip>
+          <a:srcRect t="-1" b="6665"/>
+          <a:stretch/>
+        </p:blipFill>
+        <p:spPr>
+          <a:xfrm>
+            <a:off x="0" y="0"/>
+            <a:ext cx="12192000" cy="6400800"/>
+          </a:xfrm>
+          <a:prstGeom prst="rect">
+            <a:avLst/>
+          </a:prstGeom>
+        </p:spPr>
+      </p:pic>
+      <p:pic>
+        <p:nvPicPr>
+          <p:cNvPr id="2" name="Picture 1">
+            <a:extLst>
+              <a:ext uri="{FF2B5EF4-FFF2-40B4-BE49-F238E27FC236}">
+                <a16:creationId xmlns:a16="http://schemas.microsoft.com/office/drawing/2014/main" id="{1EFA1198-274A-7566-4389-F67D02546EA9}"/>
+              </a:ext>
+            </a:extLst>
+          </p:cNvPr>
+          <p:cNvPicPr preferRelativeResize="0">
+            <a:picLocks/>
+          </p:cNvPicPr>
+          <p:nvPr/>
+        </p:nvPicPr>
+        <p:blipFill rotWithShape="1">
+          <a:blip r:embed="rId3"/>
+          <a:srcRect l="-1875" t="-59708" r="1875" b="59855"/>
+          <a:stretch/>
+        </p:blipFill>
+        <p:spPr>
+          <a:xfrm>
+            <a:off x="640079" y="1188720"/>
+            <a:ext cx="5455921" cy="5193030"/>
+          </a:xfrm>
+          <a:prstGeom prst="rect">
+            <a:avLst/>
+          </a:prstGeom>
+        </p:spPr>
+      </p:pic>
+    </p:spTree>
+    <p:extLst>
+      <p:ext uri="{BB962C8B-B14F-4D97-AF65-F5344CB8AC3E}">
+        <p14:creationId xmlns:p14="http://schemas.microsoft.com/office/powerpoint/2010/main" val="2573408011"/>
       </p:ext>
     </p:extLst>
   </p:cSld>
@@ -6118,12 +7691,18 @@
 </p:sld>
 </file>
 
-<file path=ppt/slides/slide5.xml><?xml version="1.0" encoding="utf-8"?>
+<file path=ppt/slides/slide40.xml><?xml version="1.0" encoding="utf-8"?>
 <p:sld xmlns:a="http://schemas.openxmlformats.org/drawingml/2006/main" xmlns:r="http://schemas.openxmlformats.org/officeDocument/2006/relationships" xmlns:p="http://schemas.openxmlformats.org/presentationml/2006/main">
   <p:cSld>
     <p:spTree>
       <p:nvGrpSpPr>
-        <p:cNvPr id="1" name=""/>
+        <p:cNvPr id="1" name="">
+          <a:extLst>
+            <a:ext uri="{FF2B5EF4-FFF2-40B4-BE49-F238E27FC236}">
+              <a16:creationId xmlns:a16="http://schemas.microsoft.com/office/drawing/2014/main" id="{255C783A-0D8D-B7A8-2D33-DBAD606D9BC0}"/>
+            </a:ext>
+          </a:extLst>
+        </p:cNvPr>
         <p:cNvGrpSpPr/>
         <p:nvPr/>
       </p:nvGrpSpPr>
@@ -6137,15 +7716,15 @@
       </p:grpSpPr>
       <p:pic>
         <p:nvPicPr>
-          <p:cNvPr id="3" name="Picture 2" descr="vlcsnap-2024-02-20-00h07m21s305">
-            <a:extLst>
-              <a:ext uri="{FF2B5EF4-FFF2-40B4-BE49-F238E27FC236}">
-                <a16:creationId xmlns:a16="http://schemas.microsoft.com/office/drawing/2014/main" id="{63EC9CBE-CAC4-8B52-D7CE-9A89473DCB00}"/>
-              </a:ext>
-            </a:extLst>
-          </p:cNvPr>
-          <p:cNvPicPr>
-            <a:picLocks noGrp="1" noChangeAspect="1"/>
+          <p:cNvPr id="3" name="Picture 2" descr="vlcsnap-2024-02-20-06h09m03s252">
+            <a:extLst>
+              <a:ext uri="{FF2B5EF4-FFF2-40B4-BE49-F238E27FC236}">
+                <a16:creationId xmlns:a16="http://schemas.microsoft.com/office/drawing/2014/main" id="{55A9EC35-BAC1-44C6-66E5-CC0B0943929B}"/>
+              </a:ext>
+            </a:extLst>
+          </p:cNvPr>
+          <p:cNvPicPr preferRelativeResize="0">
+            <a:picLocks noGrp="1"/>
           </p:cNvPicPr>
           <p:nvPr isPhoto="1"/>
         </p:nvPicPr>
@@ -6158,13 +7737,42 @@
               </a:ext>
             </a:extLst>
           </a:blip>
-          <a:srcRect b="6807"/>
+          <a:srcRect t="-1" b="6665"/>
           <a:stretch/>
         </p:blipFill>
         <p:spPr>
           <a:xfrm>
             <a:off x="0" y="0"/>
-            <a:ext cx="12192000" cy="6391175"/>
+            <a:ext cx="12192000" cy="6400800"/>
+          </a:xfrm>
+          <a:prstGeom prst="rect">
+            <a:avLst/>
+          </a:prstGeom>
+        </p:spPr>
+      </p:pic>
+      <p:pic>
+        <p:nvPicPr>
+          <p:cNvPr id="2" name="Picture 1">
+            <a:extLst>
+              <a:ext uri="{FF2B5EF4-FFF2-40B4-BE49-F238E27FC236}">
+                <a16:creationId xmlns:a16="http://schemas.microsoft.com/office/drawing/2014/main" id="{74CAB609-413D-0FF6-AFF2-BFDB0A1C9454}"/>
+              </a:ext>
+            </a:extLst>
+          </p:cNvPr>
+          <p:cNvPicPr preferRelativeResize="0">
+            <a:picLocks/>
+          </p:cNvPicPr>
+          <p:nvPr/>
+        </p:nvPicPr>
+        <p:blipFill rotWithShape="1">
+          <a:blip r:embed="rId3"/>
+          <a:srcRect l="-1875" t="-75534" r="1875" b="75678"/>
+          <a:stretch/>
+        </p:blipFill>
+        <p:spPr>
+          <a:xfrm>
+            <a:off x="640079" y="1188720"/>
+            <a:ext cx="5455921" cy="5193030"/>
           </a:xfrm>
           <a:prstGeom prst="rect">
             <a:avLst/>
@@ -6174,7 +7782,7 @@
     </p:spTree>
     <p:extLst>
       <p:ext uri="{BB962C8B-B14F-4D97-AF65-F5344CB8AC3E}">
-        <p14:creationId xmlns:p14="http://schemas.microsoft.com/office/powerpoint/2010/main" val="1802694790"/>
+        <p14:creationId xmlns:p14="http://schemas.microsoft.com/office/powerpoint/2010/main" val="747592171"/>
       </p:ext>
     </p:extLst>
   </p:cSld>
@@ -6184,12 +7792,18 @@
 </p:sld>
 </file>
 
-<file path=ppt/slides/slide6.xml><?xml version="1.0" encoding="utf-8"?>
+<file path=ppt/slides/slide41.xml><?xml version="1.0" encoding="utf-8"?>
 <p:sld xmlns:a="http://schemas.openxmlformats.org/drawingml/2006/main" xmlns:r="http://schemas.openxmlformats.org/officeDocument/2006/relationships" xmlns:p="http://schemas.openxmlformats.org/presentationml/2006/main">
   <p:cSld>
     <p:spTree>
       <p:nvGrpSpPr>
-        <p:cNvPr id="1" name=""/>
+        <p:cNvPr id="1" name="">
+          <a:extLst>
+            <a:ext uri="{FF2B5EF4-FFF2-40B4-BE49-F238E27FC236}">
+              <a16:creationId xmlns:a16="http://schemas.microsoft.com/office/drawing/2014/main" id="{CD6D0D7E-DCD0-CE9F-030D-DDE5475A732C}"/>
+            </a:ext>
+          </a:extLst>
+        </p:cNvPr>
         <p:cNvGrpSpPr/>
         <p:nvPr/>
       </p:nvGrpSpPr>
@@ -6203,10 +7817,119 @@
       </p:grpSpPr>
       <p:pic>
         <p:nvPicPr>
-          <p:cNvPr id="3" name="Picture 2" descr="vlcsnap-2024-02-20-06h05m23s660">
-            <a:extLst>
-              <a:ext uri="{FF2B5EF4-FFF2-40B4-BE49-F238E27FC236}">
-                <a16:creationId xmlns:a16="http://schemas.microsoft.com/office/drawing/2014/main" id="{3C41E79B-F88D-AAD8-37E8-48231E88676A}"/>
+          <p:cNvPr id="3" name="Picture 2" descr="vlcsnap-2024-02-20-06h09m03s252">
+            <a:extLst>
+              <a:ext uri="{FF2B5EF4-FFF2-40B4-BE49-F238E27FC236}">
+                <a16:creationId xmlns:a16="http://schemas.microsoft.com/office/drawing/2014/main" id="{CB72C936-62C3-78A1-700B-3212C05A1C1F}"/>
+              </a:ext>
+            </a:extLst>
+          </p:cNvPr>
+          <p:cNvPicPr preferRelativeResize="0">
+            <a:picLocks noGrp="1"/>
+          </p:cNvPicPr>
+          <p:nvPr isPhoto="1"/>
+        </p:nvPicPr>
+        <p:blipFill rotWithShape="1">
+          <a:blip r:embed="rId2">
+            <a:lum/>
+            <a:extLst>
+              <a:ext uri="{28A0092B-C50C-407E-A947-70E740481C1C}">
+                <a14:useLocalDpi xmlns:a14="http://schemas.microsoft.com/office/drawing/2010/main" val="0"/>
+              </a:ext>
+            </a:extLst>
+          </a:blip>
+          <a:srcRect t="-1" b="6665"/>
+          <a:stretch/>
+        </p:blipFill>
+        <p:spPr>
+          <a:xfrm>
+            <a:off x="0" y="0"/>
+            <a:ext cx="12192000" cy="6400800"/>
+          </a:xfrm>
+          <a:prstGeom prst="rect">
+            <a:avLst/>
+          </a:prstGeom>
+        </p:spPr>
+      </p:pic>
+      <p:pic>
+        <p:nvPicPr>
+          <p:cNvPr id="2" name="Picture 1">
+            <a:extLst>
+              <a:ext uri="{FF2B5EF4-FFF2-40B4-BE49-F238E27FC236}">
+                <a16:creationId xmlns:a16="http://schemas.microsoft.com/office/drawing/2014/main" id="{1FBB1452-6092-9402-9839-730888763FD5}"/>
+              </a:ext>
+            </a:extLst>
+          </p:cNvPr>
+          <p:cNvPicPr preferRelativeResize="0">
+            <a:picLocks/>
+          </p:cNvPicPr>
+          <p:nvPr/>
+        </p:nvPicPr>
+        <p:blipFill rotWithShape="1">
+          <a:blip r:embed="rId3"/>
+          <a:srcRect l="-1875" t="-80811" r="1875" b="80954"/>
+          <a:stretch/>
+        </p:blipFill>
+        <p:spPr>
+          <a:xfrm>
+            <a:off x="640079" y="1188720"/>
+            <a:ext cx="5455921" cy="5193030"/>
+          </a:xfrm>
+          <a:prstGeom prst="rect">
+            <a:avLst/>
+          </a:prstGeom>
+        </p:spPr>
+      </p:pic>
+    </p:spTree>
+    <p:extLst>
+      <p:ext uri="{BB962C8B-B14F-4D97-AF65-F5344CB8AC3E}">
+        <p14:creationId xmlns:p14="http://schemas.microsoft.com/office/powerpoint/2010/main" val="405136703"/>
+      </p:ext>
+    </p:extLst>
+  </p:cSld>
+  <p:clrMapOvr>
+    <a:masterClrMapping/>
+  </p:clrMapOvr>
+</p:sld>
+</file>
+
+<file path=ppt/slides/slide42.xml><?xml version="1.0" encoding="utf-8"?>
+<p:sld xmlns:a="http://schemas.openxmlformats.org/drawingml/2006/main" xmlns:r="http://schemas.openxmlformats.org/officeDocument/2006/relationships" xmlns:p="http://schemas.openxmlformats.org/presentationml/2006/main">
+  <p:cSld>
+    <p:bg>
+      <p:bgPr>
+        <a:solidFill>
+          <a:srgbClr val="001215"/>
+        </a:solidFill>
+        <a:effectLst/>
+      </p:bgPr>
+    </p:bg>
+    <p:spTree>
+      <p:nvGrpSpPr>
+        <p:cNvPr id="1" name="">
+          <a:extLst>
+            <a:ext uri="{FF2B5EF4-FFF2-40B4-BE49-F238E27FC236}">
+              <a16:creationId xmlns:a16="http://schemas.microsoft.com/office/drawing/2014/main" id="{E95AD7D7-8845-446D-DFDD-32F3182331FE}"/>
+            </a:ext>
+          </a:extLst>
+        </p:cNvPr>
+        <p:cNvGrpSpPr/>
+        <p:nvPr/>
+      </p:nvGrpSpPr>
+      <p:grpSpPr>
+        <a:xfrm>
+          <a:off x="0" y="0"/>
+          <a:ext cx="0" cy="0"/>
+          <a:chOff x="0" y="0"/>
+          <a:chExt cx="0" cy="0"/>
+        </a:xfrm>
+      </p:grpSpPr>
+      <p:pic>
+        <p:nvPicPr>
+          <p:cNvPr id="3" name="Picture 2" descr="vlcsnap-2024-02-20-06h09m59s747">
+            <a:extLst>
+              <a:ext uri="{FF2B5EF4-FFF2-40B4-BE49-F238E27FC236}">
+                <a16:creationId xmlns:a16="http://schemas.microsoft.com/office/drawing/2014/main" id="{A10C7522-5B10-0989-7836-DE549923E3B6}"/>
               </a:ext>
             </a:extLst>
           </p:cNvPr>
@@ -6216,7 +7939,7 @@
           <p:nvPr isPhoto="1"/>
         </p:nvPicPr>
         <p:blipFill rotWithShape="1">
-          <a:blip r:embed="rId2">
+          <a:blip r:embed="rId3">
             <a:lum/>
             <a:extLst>
               <a:ext uri="{28A0092B-C50C-407E-A947-70E740481C1C}">
@@ -6224,13 +7947,13 @@
               </a:ext>
             </a:extLst>
           </a:blip>
-          <a:srcRect b="5544"/>
+          <a:srcRect b="7368"/>
           <a:stretch/>
         </p:blipFill>
         <p:spPr>
           <a:xfrm>
             <a:off x="0" y="0"/>
-            <a:ext cx="12192000" cy="6477802"/>
+            <a:ext cx="12192000" cy="6352674"/>
           </a:xfrm>
           <a:prstGeom prst="rect">
             <a:avLst/>
@@ -6239,22 +7962,20 @@
       </p:pic>
       <p:sp>
         <p:nvSpPr>
-          <p:cNvPr id="4" name="Rectangle 3">
-            <a:extLst>
-              <a:ext uri="{FF2B5EF4-FFF2-40B4-BE49-F238E27FC236}">
-                <a16:creationId xmlns:a16="http://schemas.microsoft.com/office/drawing/2014/main" id="{E986CD39-161C-45CC-A57C-77EC5169DF6B}"/>
-              </a:ext>
-            </a:extLst>
-          </p:cNvPr>
-          <p:cNvSpPr>
-            <a:spLocks/>
-          </p:cNvSpPr>
+          <p:cNvPr id="2" name="Rectangle 1">
+            <a:extLst>
+              <a:ext uri="{FF2B5EF4-FFF2-40B4-BE49-F238E27FC236}">
+                <a16:creationId xmlns:a16="http://schemas.microsoft.com/office/drawing/2014/main" id="{BAAE663C-6C29-F889-C683-508980EF8FBE}"/>
+              </a:ext>
+            </a:extLst>
+          </p:cNvPr>
+          <p:cNvSpPr/>
           <p:nvPr/>
         </p:nvSpPr>
         <p:spPr>
           <a:xfrm>
-            <a:off x="365760" y="1856792"/>
-            <a:ext cx="5292977" cy="4510713"/>
+            <a:off x="1685925" y="5162550"/>
+            <a:ext cx="2076450" cy="676275"/>
           </a:xfrm>
           <a:prstGeom prst="rect">
             <a:avLst/>
@@ -6283,7 +8004,7 @@
           </a:fontRef>
         </p:style>
         <p:txBody>
-          <a:bodyPr tIns="0" rtlCol="0" anchor="ctr"/>
+          <a:bodyPr rtlCol="0" anchor="ctr"/>
           <a:lstStyle/>
           <a:p>
             <a:pPr algn="ctr"/>
@@ -6291,10 +8012,39 @@
           </a:p>
         </p:txBody>
       </p:sp>
+      <p:pic>
+        <p:nvPicPr>
+          <p:cNvPr id="4" name="Picture 3">
+            <a:extLst>
+              <a:ext uri="{FF2B5EF4-FFF2-40B4-BE49-F238E27FC236}">
+                <a16:creationId xmlns:a16="http://schemas.microsoft.com/office/drawing/2014/main" id="{58CB1E67-8395-B1F2-D753-1D68180F78A4}"/>
+              </a:ext>
+            </a:extLst>
+          </p:cNvPr>
+          <p:cNvPicPr preferRelativeResize="0">
+            <a:picLocks/>
+          </p:cNvPicPr>
+          <p:nvPr/>
+        </p:nvPicPr>
+        <p:blipFill rotWithShape="1">
+          <a:blip r:embed="rId4"/>
+          <a:srcRect l="-1875" t="77" r="1875" b="77"/>
+          <a:stretch/>
+        </p:blipFill>
+        <p:spPr>
+          <a:xfrm>
+            <a:off x="3609975" y="4271961"/>
+            <a:ext cx="5772150" cy="1228726"/>
+          </a:xfrm>
+          <a:prstGeom prst="rect">
+            <a:avLst/>
+          </a:prstGeom>
+        </p:spPr>
+      </p:pic>
     </p:spTree>
     <p:extLst>
       <p:ext uri="{BB962C8B-B14F-4D97-AF65-F5344CB8AC3E}">
-        <p14:creationId xmlns:p14="http://schemas.microsoft.com/office/powerpoint/2010/main" val="1636977245"/>
+        <p14:creationId xmlns:p14="http://schemas.microsoft.com/office/powerpoint/2010/main" val="3323685306"/>
       </p:ext>
     </p:extLst>
   </p:cSld>
@@ -6304,12 +8054,26 @@
 </p:sld>
 </file>
 
-<file path=ppt/slides/slide7.xml><?xml version="1.0" encoding="utf-8"?>
+<file path=ppt/slides/slide43.xml><?xml version="1.0" encoding="utf-8"?>
 <p:sld xmlns:a="http://schemas.openxmlformats.org/drawingml/2006/main" xmlns:r="http://schemas.openxmlformats.org/officeDocument/2006/relationships" xmlns:p="http://schemas.openxmlformats.org/presentationml/2006/main">
   <p:cSld>
+    <p:bg>
+      <p:bgPr>
+        <a:solidFill>
+          <a:srgbClr val="001215"/>
+        </a:solidFill>
+        <a:effectLst/>
+      </p:bgPr>
+    </p:bg>
     <p:spTree>
       <p:nvGrpSpPr>
-        <p:cNvPr id="1" name=""/>
+        <p:cNvPr id="1" name="">
+          <a:extLst>
+            <a:ext uri="{FF2B5EF4-FFF2-40B4-BE49-F238E27FC236}">
+              <a16:creationId xmlns:a16="http://schemas.microsoft.com/office/drawing/2014/main" id="{13F116DD-13BA-7F87-F247-FFC4E520E639}"/>
+            </a:ext>
+          </a:extLst>
+        </p:cNvPr>
         <p:cNvGrpSpPr/>
         <p:nvPr/>
       </p:nvGrpSpPr>
@@ -6323,10 +8087,10 @@
       </p:grpSpPr>
       <p:pic>
         <p:nvPicPr>
-          <p:cNvPr id="3" name="Picture 2" descr="vlcsnap-2024-02-20-06h05m23s660">
-            <a:extLst>
-              <a:ext uri="{FF2B5EF4-FFF2-40B4-BE49-F238E27FC236}">
-                <a16:creationId xmlns:a16="http://schemas.microsoft.com/office/drawing/2014/main" id="{3C41E79B-F88D-AAD8-37E8-48231E88676A}"/>
+          <p:cNvPr id="3" name="Picture 2" descr="vlcsnap-2024-02-20-06h09m59s747">
+            <a:extLst>
+              <a:ext uri="{FF2B5EF4-FFF2-40B4-BE49-F238E27FC236}">
+                <a16:creationId xmlns:a16="http://schemas.microsoft.com/office/drawing/2014/main" id="{ACC33492-0176-BC85-FC74-C6BC0D44459E}"/>
               </a:ext>
             </a:extLst>
           </p:cNvPr>
@@ -6336,7 +8100,7 @@
           <p:nvPr isPhoto="1"/>
         </p:nvPicPr>
         <p:blipFill rotWithShape="1">
-          <a:blip r:embed="rId2">
+          <a:blip r:embed="rId3">
             <a:lum/>
             <a:extLst>
               <a:ext uri="{28A0092B-C50C-407E-A947-70E740481C1C}">
@@ -6344,13 +8108,13 @@
               </a:ext>
             </a:extLst>
           </a:blip>
-          <a:srcRect b="5544"/>
+          <a:srcRect b="7368"/>
           <a:stretch/>
         </p:blipFill>
         <p:spPr>
           <a:xfrm>
             <a:off x="0" y="0"/>
-            <a:ext cx="12192000" cy="6477802"/>
+            <a:ext cx="12192000" cy="6352674"/>
           </a:xfrm>
           <a:prstGeom prst="rect">
             <a:avLst/>
@@ -6359,22 +8123,20 @@
       </p:pic>
       <p:sp>
         <p:nvSpPr>
-          <p:cNvPr id="4" name="Rectangle 3">
-            <a:extLst>
-              <a:ext uri="{FF2B5EF4-FFF2-40B4-BE49-F238E27FC236}">
-                <a16:creationId xmlns:a16="http://schemas.microsoft.com/office/drawing/2014/main" id="{E986CD39-161C-45CC-A57C-77EC5169DF6B}"/>
-              </a:ext>
-            </a:extLst>
-          </p:cNvPr>
-          <p:cNvSpPr>
-            <a:spLocks/>
-          </p:cNvSpPr>
+          <p:cNvPr id="2" name="Rectangle 1">
+            <a:extLst>
+              <a:ext uri="{FF2B5EF4-FFF2-40B4-BE49-F238E27FC236}">
+                <a16:creationId xmlns:a16="http://schemas.microsoft.com/office/drawing/2014/main" id="{D17EF452-4BC4-1E95-ABA3-473416E13C58}"/>
+              </a:ext>
+            </a:extLst>
+          </p:cNvPr>
+          <p:cNvSpPr/>
           <p:nvPr/>
         </p:nvSpPr>
         <p:spPr>
           <a:xfrm>
-            <a:off x="365760" y="2243580"/>
-            <a:ext cx="5292977" cy="4123926"/>
+            <a:off x="1685925" y="5162550"/>
+            <a:ext cx="2076450" cy="676275"/>
           </a:xfrm>
           <a:prstGeom prst="rect">
             <a:avLst/>
@@ -6403,7 +8165,7 @@
           </a:fontRef>
         </p:style>
         <p:txBody>
-          <a:bodyPr tIns="0" rtlCol="0" anchor="ctr"/>
+          <a:bodyPr rtlCol="0" anchor="ctr"/>
           <a:lstStyle/>
           <a:p>
             <a:pPr algn="ctr"/>
@@ -6411,10 +8173,39 @@
           </a:p>
         </p:txBody>
       </p:sp>
+      <p:pic>
+        <p:nvPicPr>
+          <p:cNvPr id="4" name="Picture 3">
+            <a:extLst>
+              <a:ext uri="{FF2B5EF4-FFF2-40B4-BE49-F238E27FC236}">
+                <a16:creationId xmlns:a16="http://schemas.microsoft.com/office/drawing/2014/main" id="{32FE655A-21B0-CC57-101F-8599A4D366D1}"/>
+              </a:ext>
+            </a:extLst>
+          </p:cNvPr>
+          <p:cNvPicPr preferRelativeResize="0">
+            <a:picLocks/>
+          </p:cNvPicPr>
+          <p:nvPr/>
+        </p:nvPicPr>
+        <p:blipFill rotWithShape="1">
+          <a:blip r:embed="rId4"/>
+          <a:srcRect l="-1875" t="77" r="1875" b="77"/>
+          <a:stretch/>
+        </p:blipFill>
+        <p:spPr>
+          <a:xfrm>
+            <a:off x="8829675" y="4271961"/>
+            <a:ext cx="552450" cy="1228726"/>
+          </a:xfrm>
+          <a:prstGeom prst="rect">
+            <a:avLst/>
+          </a:prstGeom>
+        </p:spPr>
+      </p:pic>
     </p:spTree>
     <p:extLst>
       <p:ext uri="{BB962C8B-B14F-4D97-AF65-F5344CB8AC3E}">
-        <p14:creationId xmlns:p14="http://schemas.microsoft.com/office/powerpoint/2010/main" val="3987973777"/>
+        <p14:creationId xmlns:p14="http://schemas.microsoft.com/office/powerpoint/2010/main" val="665385655"/>
       </p:ext>
     </p:extLst>
   </p:cSld>
@@ -6436,7 +8227,7 @@
 </p:sld>
 </file>
 
-<file path=ppt/slides/slide8.xml><?xml version="1.0" encoding="utf-8"?>
+<file path=ppt/slides/slide5.xml><?xml version="1.0" encoding="utf-8"?>
 <p:sld xmlns:a="http://schemas.openxmlformats.org/drawingml/2006/main" xmlns:r="http://schemas.openxmlformats.org/officeDocument/2006/relationships" xmlns:p="http://schemas.openxmlformats.org/presentationml/2006/main">
   <p:cSld>
     <p:spTree>
@@ -6455,10 +8246,10 @@
       </p:grpSpPr>
       <p:pic>
         <p:nvPicPr>
-          <p:cNvPr id="3" name="Picture 2" descr="vlcsnap-2024-02-20-06h05m23s660">
-            <a:extLst>
-              <a:ext uri="{FF2B5EF4-FFF2-40B4-BE49-F238E27FC236}">
-                <a16:creationId xmlns:a16="http://schemas.microsoft.com/office/drawing/2014/main" id="{3C41E79B-F88D-AAD8-37E8-48231E88676A}"/>
+          <p:cNvPr id="3" name="Picture 2" descr="vlcsnap-2024-02-20-00h07m21s305">
+            <a:extLst>
+              <a:ext uri="{FF2B5EF4-FFF2-40B4-BE49-F238E27FC236}">
+                <a16:creationId xmlns:a16="http://schemas.microsoft.com/office/drawing/2014/main" id="{63EC9CBE-CAC4-8B52-D7CE-9A89473DCB00}"/>
               </a:ext>
             </a:extLst>
           </p:cNvPr>
@@ -6476,104 +8267,73 @@
               </a:ext>
             </a:extLst>
           </a:blip>
-          <a:srcRect b="5544"/>
+          <a:srcRect b="6807"/>
           <a:stretch/>
         </p:blipFill>
         <p:spPr>
           <a:xfrm>
             <a:off x="0" y="0"/>
-            <a:ext cx="12192000" cy="6477802"/>
+            <a:ext cx="12192000" cy="6391175"/>
           </a:xfrm>
           <a:prstGeom prst="rect">
             <a:avLst/>
           </a:prstGeom>
         </p:spPr>
       </p:pic>
-      <p:sp>
-        <p:nvSpPr>
-          <p:cNvPr id="4" name="Rectangle 3">
-            <a:extLst>
-              <a:ext uri="{FF2B5EF4-FFF2-40B4-BE49-F238E27FC236}">
-                <a16:creationId xmlns:a16="http://schemas.microsoft.com/office/drawing/2014/main" id="{E986CD39-161C-45CC-A57C-77EC5169DF6B}"/>
-              </a:ext>
-            </a:extLst>
-          </p:cNvPr>
-          <p:cNvSpPr>
-            <a:spLocks/>
-          </p:cNvSpPr>
+      <p:pic>
+        <p:nvPicPr>
+          <p:cNvPr id="6" name="Picture 5">
+            <a:extLst>
+              <a:ext uri="{FF2B5EF4-FFF2-40B4-BE49-F238E27FC236}">
+                <a16:creationId xmlns:a16="http://schemas.microsoft.com/office/drawing/2014/main" id="{CEE40CB3-319A-42CE-25DD-EDE3B7D12E41}"/>
+              </a:ext>
+            </a:extLst>
+          </p:cNvPr>
+          <p:cNvPicPr preferRelativeResize="0">
+            <a:picLocks/>
+          </p:cNvPicPr>
           <p:nvPr/>
-        </p:nvSpPr>
-        <p:spPr>
-          <a:xfrm>
-            <a:off x="365760" y="2667786"/>
-            <a:ext cx="5292977" cy="3699719"/>
-          </a:xfrm>
-          <a:prstGeom prst="rect">
-            <a:avLst/>
-          </a:prstGeom>
-          <a:solidFill>
-            <a:srgbClr val="001215"/>
-          </a:solidFill>
-          <a:ln>
-            <a:noFill/>
-          </a:ln>
-        </p:spPr>
-        <p:style>
-          <a:lnRef idx="2">
-            <a:schemeClr val="accent1">
-              <a:shade val="15000"/>
-            </a:schemeClr>
-          </a:lnRef>
-          <a:fillRef idx="1">
-            <a:schemeClr val="accent1"/>
-          </a:fillRef>
-          <a:effectRef idx="0">
-            <a:schemeClr val="accent1"/>
-          </a:effectRef>
-          <a:fontRef idx="minor">
-            <a:schemeClr val="lt1"/>
-          </a:fontRef>
-        </p:style>
-        <p:txBody>
-          <a:bodyPr tIns="0" rtlCol="0" anchor="ctr"/>
-          <a:lstStyle/>
-          <a:p>
-            <a:pPr algn="ctr"/>
-            <a:endParaRPr lang="en-US"/>
-          </a:p>
-        </p:txBody>
-      </p:sp>
+        </p:nvPicPr>
+        <p:blipFill rotWithShape="1">
+          <a:blip r:embed="rId3"/>
+          <a:srcRect l="-1875" t="-11442" r="1875" b="11598"/>
+          <a:stretch/>
+        </p:blipFill>
+        <p:spPr>
+          <a:xfrm>
+            <a:off x="640080" y="1188720"/>
+            <a:ext cx="4876800" cy="4754880"/>
+          </a:xfrm>
+          <a:prstGeom prst="rect">
+            <a:avLst/>
+          </a:prstGeom>
+        </p:spPr>
+      </p:pic>
     </p:spTree>
     <p:extLst>
       <p:ext uri="{BB962C8B-B14F-4D97-AF65-F5344CB8AC3E}">
-        <p14:creationId xmlns:p14="http://schemas.microsoft.com/office/powerpoint/2010/main" val="414187803"/>
+        <p14:creationId xmlns:p14="http://schemas.microsoft.com/office/powerpoint/2010/main" val="1802694790"/>
       </p:ext>
     </p:extLst>
   </p:cSld>
   <p:clrMapOvr>
     <a:masterClrMapping/>
   </p:clrMapOvr>
-  <mc:AlternateContent xmlns:mc="http://schemas.openxmlformats.org/markup-compatibility/2006">
-    <mc:Choice xmlns:p159="http://schemas.microsoft.com/office/powerpoint/2015/09/main" Requires="p159">
-      <p:transition xmlns:p14="http://schemas.microsoft.com/office/powerpoint/2010/main" spd="slow" p14:dur="2000">
-        <p159:morph option="byObject"/>
-      </p:transition>
-    </mc:Choice>
-    <mc:Fallback>
-      <p:transition spd="slow">
-        <p:fade/>
-      </p:transition>
-    </mc:Fallback>
-  </mc:AlternateContent>
 </p:sld>
 </file>
 
-<file path=ppt/slides/slide9.xml><?xml version="1.0" encoding="utf-8"?>
+<file path=ppt/slides/slide6.xml><?xml version="1.0" encoding="utf-8"?>
 <p:sld xmlns:a="http://schemas.openxmlformats.org/drawingml/2006/main" xmlns:r="http://schemas.openxmlformats.org/officeDocument/2006/relationships" xmlns:p="http://schemas.openxmlformats.org/presentationml/2006/main">
   <p:cSld>
     <p:spTree>
       <p:nvGrpSpPr>
-        <p:cNvPr id="1" name=""/>
+        <p:cNvPr id="1" name="">
+          <a:extLst>
+            <a:ext uri="{FF2B5EF4-FFF2-40B4-BE49-F238E27FC236}">
+              <a16:creationId xmlns:a16="http://schemas.microsoft.com/office/drawing/2014/main" id="{69BC77CA-C7F0-C605-8419-D138D475F34C}"/>
+            </a:ext>
+          </a:extLst>
+        </p:cNvPr>
         <p:cNvGrpSpPr/>
         <p:nvPr/>
       </p:nvGrpSpPr>
@@ -6587,10 +8347,10 @@
       </p:grpSpPr>
       <p:pic>
         <p:nvPicPr>
-          <p:cNvPr id="3" name="Picture 2" descr="vlcsnap-2024-02-20-06h05m23s660">
-            <a:extLst>
-              <a:ext uri="{FF2B5EF4-FFF2-40B4-BE49-F238E27FC236}">
-                <a16:creationId xmlns:a16="http://schemas.microsoft.com/office/drawing/2014/main" id="{3C41E79B-F88D-AAD8-37E8-48231E88676A}"/>
+          <p:cNvPr id="3" name="Picture 2" descr="vlcsnap-2024-02-20-00h07m21s305">
+            <a:extLst>
+              <a:ext uri="{FF2B5EF4-FFF2-40B4-BE49-F238E27FC236}">
+                <a16:creationId xmlns:a16="http://schemas.microsoft.com/office/drawing/2014/main" id="{FB10D122-28F8-EB2F-EF11-D087DFC4FDDE}"/>
               </a:ext>
             </a:extLst>
           </p:cNvPr>
@@ -6608,95 +8368,390 @@
               </a:ext>
             </a:extLst>
           </a:blip>
-          <a:srcRect b="5544"/>
+          <a:srcRect b="6807"/>
           <a:stretch/>
         </p:blipFill>
         <p:spPr>
           <a:xfrm>
             <a:off x="0" y="0"/>
-            <a:ext cx="12192000" cy="6477802"/>
+            <a:ext cx="12192000" cy="6391175"/>
           </a:xfrm>
           <a:prstGeom prst="rect">
             <a:avLst/>
           </a:prstGeom>
         </p:spPr>
       </p:pic>
-      <p:sp>
-        <p:nvSpPr>
-          <p:cNvPr id="4" name="Rectangle 3">
-            <a:extLst>
-              <a:ext uri="{FF2B5EF4-FFF2-40B4-BE49-F238E27FC236}">
-                <a16:creationId xmlns:a16="http://schemas.microsoft.com/office/drawing/2014/main" id="{E986CD39-161C-45CC-A57C-77EC5169DF6B}"/>
-              </a:ext>
-            </a:extLst>
-          </p:cNvPr>
-          <p:cNvSpPr>
-            <a:spLocks/>
-          </p:cNvSpPr>
+      <p:pic>
+        <p:nvPicPr>
+          <p:cNvPr id="6" name="Picture 5">
+            <a:extLst>
+              <a:ext uri="{FF2B5EF4-FFF2-40B4-BE49-F238E27FC236}">
+                <a16:creationId xmlns:a16="http://schemas.microsoft.com/office/drawing/2014/main" id="{282E8AC9-4154-7428-75BC-D21EB01F130E}"/>
+              </a:ext>
+            </a:extLst>
+          </p:cNvPr>
+          <p:cNvPicPr preferRelativeResize="0">
+            <a:picLocks/>
+          </p:cNvPicPr>
           <p:nvPr/>
-        </p:nvSpPr>
-        <p:spPr>
-          <a:xfrm>
-            <a:off x="365760" y="3120272"/>
-            <a:ext cx="5292977" cy="3247233"/>
-          </a:xfrm>
-          <a:prstGeom prst="rect">
-            <a:avLst/>
-          </a:prstGeom>
-          <a:solidFill>
-            <a:srgbClr val="001215"/>
-          </a:solidFill>
-          <a:ln>
-            <a:noFill/>
-          </a:ln>
-        </p:spPr>
-        <p:style>
-          <a:lnRef idx="2">
-            <a:schemeClr val="accent1">
-              <a:shade val="15000"/>
-            </a:schemeClr>
-          </a:lnRef>
-          <a:fillRef idx="1">
-            <a:schemeClr val="accent1"/>
-          </a:fillRef>
-          <a:effectRef idx="0">
-            <a:schemeClr val="accent1"/>
-          </a:effectRef>
-          <a:fontRef idx="minor">
-            <a:schemeClr val="lt1"/>
-          </a:fontRef>
-        </p:style>
-        <p:txBody>
-          <a:bodyPr tIns="0" rtlCol="0" anchor="ctr"/>
-          <a:lstStyle/>
-          <a:p>
-            <a:pPr algn="ctr"/>
-            <a:endParaRPr lang="en-US"/>
-          </a:p>
-        </p:txBody>
-      </p:sp>
+        </p:nvPicPr>
+        <p:blipFill rotWithShape="1">
+          <a:blip r:embed="rId3"/>
+          <a:srcRect l="-1875" t="-21043" r="1875" b="21199"/>
+          <a:stretch/>
+        </p:blipFill>
+        <p:spPr>
+          <a:xfrm>
+            <a:off x="640080" y="1188720"/>
+            <a:ext cx="4876800" cy="4754880"/>
+          </a:xfrm>
+          <a:prstGeom prst="rect">
+            <a:avLst/>
+          </a:prstGeom>
+        </p:spPr>
+      </p:pic>
+      <p:pic>
+        <p:nvPicPr>
+          <p:cNvPr id="2" name="Picture 1">
+            <a:extLst>
+              <a:ext uri="{FF2B5EF4-FFF2-40B4-BE49-F238E27FC236}">
+                <a16:creationId xmlns:a16="http://schemas.microsoft.com/office/drawing/2014/main" id="{9E7B94BF-28AE-8C03-57E3-37104057A711}"/>
+              </a:ext>
+            </a:extLst>
+          </p:cNvPr>
+          <p:cNvPicPr preferRelativeResize="0">
+            <a:picLocks/>
+          </p:cNvPicPr>
+          <p:nvPr/>
+        </p:nvPicPr>
+        <p:blipFill rotWithShape="1">
+          <a:blip r:embed="rId3"/>
+          <a:srcRect l="-1875" t="-21043" r="1875" b="21199"/>
+          <a:stretch/>
+        </p:blipFill>
+        <p:spPr>
+          <a:xfrm>
+            <a:off x="792480" y="1341120"/>
+            <a:ext cx="4876800" cy="4754880"/>
+          </a:xfrm>
+          <a:prstGeom prst="rect">
+            <a:avLst/>
+          </a:prstGeom>
+        </p:spPr>
+      </p:pic>
     </p:spTree>
     <p:extLst>
       <p:ext uri="{BB962C8B-B14F-4D97-AF65-F5344CB8AC3E}">
-        <p14:creationId xmlns:p14="http://schemas.microsoft.com/office/powerpoint/2010/main" val="2524164051"/>
+        <p14:creationId xmlns:p14="http://schemas.microsoft.com/office/powerpoint/2010/main" val="396947488"/>
       </p:ext>
     </p:extLst>
   </p:cSld>
   <p:clrMapOvr>
     <a:masterClrMapping/>
   </p:clrMapOvr>
-  <mc:AlternateContent xmlns:mc="http://schemas.openxmlformats.org/markup-compatibility/2006">
-    <mc:Choice xmlns:p159="http://schemas.microsoft.com/office/powerpoint/2015/09/main" Requires="p159">
-      <p:transition xmlns:p14="http://schemas.microsoft.com/office/powerpoint/2010/main" spd="slow" p14:dur="2000">
-        <p159:morph option="byObject"/>
-      </p:transition>
-    </mc:Choice>
-    <mc:Fallback>
-      <p:transition spd="slow">
-        <p:fade/>
-      </p:transition>
-    </mc:Fallback>
-  </mc:AlternateContent>
+</p:sld>
+</file>
+
+<file path=ppt/slides/slide7.xml><?xml version="1.0" encoding="utf-8"?>
+<p:sld xmlns:a="http://schemas.openxmlformats.org/drawingml/2006/main" xmlns:r="http://schemas.openxmlformats.org/officeDocument/2006/relationships" xmlns:p="http://schemas.openxmlformats.org/presentationml/2006/main">
+  <p:cSld>
+    <p:spTree>
+      <p:nvGrpSpPr>
+        <p:cNvPr id="1" name="">
+          <a:extLst>
+            <a:ext uri="{FF2B5EF4-FFF2-40B4-BE49-F238E27FC236}">
+              <a16:creationId xmlns:a16="http://schemas.microsoft.com/office/drawing/2014/main" id="{B0A74A3A-9B0E-DAA5-681C-D46CB33BC5DE}"/>
+            </a:ext>
+          </a:extLst>
+        </p:cNvPr>
+        <p:cNvGrpSpPr/>
+        <p:nvPr/>
+      </p:nvGrpSpPr>
+      <p:grpSpPr>
+        <a:xfrm>
+          <a:off x="0" y="0"/>
+          <a:ext cx="0" cy="0"/>
+          <a:chOff x="0" y="0"/>
+          <a:chExt cx="0" cy="0"/>
+        </a:xfrm>
+      </p:grpSpPr>
+      <p:pic>
+        <p:nvPicPr>
+          <p:cNvPr id="3" name="Picture 2" descr="vlcsnap-2024-02-20-00h07m21s305">
+            <a:extLst>
+              <a:ext uri="{FF2B5EF4-FFF2-40B4-BE49-F238E27FC236}">
+                <a16:creationId xmlns:a16="http://schemas.microsoft.com/office/drawing/2014/main" id="{8588E657-E513-14E1-6973-5204652D3740}"/>
+              </a:ext>
+            </a:extLst>
+          </p:cNvPr>
+          <p:cNvPicPr>
+            <a:picLocks noGrp="1" noChangeAspect="1"/>
+          </p:cNvPicPr>
+          <p:nvPr isPhoto="1"/>
+        </p:nvPicPr>
+        <p:blipFill rotWithShape="1">
+          <a:blip r:embed="rId2">
+            <a:lum/>
+            <a:extLst>
+              <a:ext uri="{28A0092B-C50C-407E-A947-70E740481C1C}">
+                <a14:useLocalDpi xmlns:a14="http://schemas.microsoft.com/office/drawing/2010/main" val="0"/>
+              </a:ext>
+            </a:extLst>
+          </a:blip>
+          <a:srcRect b="6807"/>
+          <a:stretch/>
+        </p:blipFill>
+        <p:spPr>
+          <a:xfrm>
+            <a:off x="0" y="0"/>
+            <a:ext cx="12192000" cy="6391175"/>
+          </a:xfrm>
+          <a:prstGeom prst="rect">
+            <a:avLst/>
+          </a:prstGeom>
+        </p:spPr>
+      </p:pic>
+      <p:pic>
+        <p:nvPicPr>
+          <p:cNvPr id="6" name="Picture 5">
+            <a:extLst>
+              <a:ext uri="{FF2B5EF4-FFF2-40B4-BE49-F238E27FC236}">
+                <a16:creationId xmlns:a16="http://schemas.microsoft.com/office/drawing/2014/main" id="{12E79440-E78F-D5C2-17C3-E954668984FB}"/>
+              </a:ext>
+            </a:extLst>
+          </p:cNvPr>
+          <p:cNvPicPr preferRelativeResize="0">
+            <a:picLocks/>
+          </p:cNvPicPr>
+          <p:nvPr/>
+        </p:nvPicPr>
+        <p:blipFill rotWithShape="1">
+          <a:blip r:embed="rId3"/>
+          <a:srcRect l="-1875" t="-30643" r="1875" b="30799"/>
+          <a:stretch/>
+        </p:blipFill>
+        <p:spPr>
+          <a:xfrm>
+            <a:off x="640080" y="1188720"/>
+            <a:ext cx="4876800" cy="4754880"/>
+          </a:xfrm>
+          <a:prstGeom prst="rect">
+            <a:avLst/>
+          </a:prstGeom>
+        </p:spPr>
+      </p:pic>
+    </p:spTree>
+    <p:extLst>
+      <p:ext uri="{BB962C8B-B14F-4D97-AF65-F5344CB8AC3E}">
+        <p14:creationId xmlns:p14="http://schemas.microsoft.com/office/powerpoint/2010/main" val="2731913615"/>
+      </p:ext>
+    </p:extLst>
+  </p:cSld>
+  <p:clrMapOvr>
+    <a:masterClrMapping/>
+  </p:clrMapOvr>
+</p:sld>
+</file>
+
+<file path=ppt/slides/slide8.xml><?xml version="1.0" encoding="utf-8"?>
+<p:sld xmlns:a="http://schemas.openxmlformats.org/drawingml/2006/main" xmlns:r="http://schemas.openxmlformats.org/officeDocument/2006/relationships" xmlns:p="http://schemas.openxmlformats.org/presentationml/2006/main">
+  <p:cSld>
+    <p:spTree>
+      <p:nvGrpSpPr>
+        <p:cNvPr id="1" name="">
+          <a:extLst>
+            <a:ext uri="{FF2B5EF4-FFF2-40B4-BE49-F238E27FC236}">
+              <a16:creationId xmlns:a16="http://schemas.microsoft.com/office/drawing/2014/main" id="{678B3F87-D915-129A-3D8E-A06BC22C1CEB}"/>
+            </a:ext>
+          </a:extLst>
+        </p:cNvPr>
+        <p:cNvGrpSpPr/>
+        <p:nvPr/>
+      </p:nvGrpSpPr>
+      <p:grpSpPr>
+        <a:xfrm>
+          <a:off x="0" y="0"/>
+          <a:ext cx="0" cy="0"/>
+          <a:chOff x="0" y="0"/>
+          <a:chExt cx="0" cy="0"/>
+        </a:xfrm>
+      </p:grpSpPr>
+      <p:pic>
+        <p:nvPicPr>
+          <p:cNvPr id="3" name="Picture 2" descr="vlcsnap-2024-02-20-00h07m21s305">
+            <a:extLst>
+              <a:ext uri="{FF2B5EF4-FFF2-40B4-BE49-F238E27FC236}">
+                <a16:creationId xmlns:a16="http://schemas.microsoft.com/office/drawing/2014/main" id="{97F6601F-15C1-D2A1-A03E-CE028CAB14E9}"/>
+              </a:ext>
+            </a:extLst>
+          </p:cNvPr>
+          <p:cNvPicPr>
+            <a:picLocks noGrp="1" noChangeAspect="1"/>
+          </p:cNvPicPr>
+          <p:nvPr isPhoto="1"/>
+        </p:nvPicPr>
+        <p:blipFill rotWithShape="1">
+          <a:blip r:embed="rId2">
+            <a:lum/>
+            <a:extLst>
+              <a:ext uri="{28A0092B-C50C-407E-A947-70E740481C1C}">
+                <a14:useLocalDpi xmlns:a14="http://schemas.microsoft.com/office/drawing/2010/main" val="0"/>
+              </a:ext>
+            </a:extLst>
+          </a:blip>
+          <a:srcRect b="6807"/>
+          <a:stretch/>
+        </p:blipFill>
+        <p:spPr>
+          <a:xfrm>
+            <a:off x="0" y="0"/>
+            <a:ext cx="12192000" cy="6391175"/>
+          </a:xfrm>
+          <a:prstGeom prst="rect">
+            <a:avLst/>
+          </a:prstGeom>
+        </p:spPr>
+      </p:pic>
+      <p:pic>
+        <p:nvPicPr>
+          <p:cNvPr id="6" name="Picture 5">
+            <a:extLst>
+              <a:ext uri="{FF2B5EF4-FFF2-40B4-BE49-F238E27FC236}">
+                <a16:creationId xmlns:a16="http://schemas.microsoft.com/office/drawing/2014/main" id="{09FFAF1D-6D4B-A869-3604-1489512D4664}"/>
+              </a:ext>
+            </a:extLst>
+          </p:cNvPr>
+          <p:cNvPicPr preferRelativeResize="0">
+            <a:picLocks/>
+          </p:cNvPicPr>
+          <p:nvPr/>
+        </p:nvPicPr>
+        <p:blipFill rotWithShape="1">
+          <a:blip r:embed="rId3"/>
+          <a:srcRect l="-1875" t="-42164" r="1875" b="42320"/>
+          <a:stretch/>
+        </p:blipFill>
+        <p:spPr>
+          <a:xfrm>
+            <a:off x="640080" y="1188720"/>
+            <a:ext cx="4876800" cy="4754880"/>
+          </a:xfrm>
+          <a:prstGeom prst="rect">
+            <a:avLst/>
+          </a:prstGeom>
+        </p:spPr>
+      </p:pic>
+    </p:spTree>
+    <p:extLst>
+      <p:ext uri="{BB962C8B-B14F-4D97-AF65-F5344CB8AC3E}">
+        <p14:creationId xmlns:p14="http://schemas.microsoft.com/office/powerpoint/2010/main" val="1394186661"/>
+      </p:ext>
+    </p:extLst>
+  </p:cSld>
+  <p:clrMapOvr>
+    <a:masterClrMapping/>
+  </p:clrMapOvr>
+</p:sld>
+</file>
+
+<file path=ppt/slides/slide9.xml><?xml version="1.0" encoding="utf-8"?>
+<p:sld xmlns:a="http://schemas.openxmlformats.org/drawingml/2006/main" xmlns:r="http://schemas.openxmlformats.org/officeDocument/2006/relationships" xmlns:p="http://schemas.openxmlformats.org/presentationml/2006/main">
+  <p:cSld>
+    <p:spTree>
+      <p:nvGrpSpPr>
+        <p:cNvPr id="1" name="">
+          <a:extLst>
+            <a:ext uri="{FF2B5EF4-FFF2-40B4-BE49-F238E27FC236}">
+              <a16:creationId xmlns:a16="http://schemas.microsoft.com/office/drawing/2014/main" id="{3681183A-3779-BC9C-060D-71FDDF978FA4}"/>
+            </a:ext>
+          </a:extLst>
+        </p:cNvPr>
+        <p:cNvGrpSpPr/>
+        <p:nvPr/>
+      </p:nvGrpSpPr>
+      <p:grpSpPr>
+        <a:xfrm>
+          <a:off x="0" y="0"/>
+          <a:ext cx="0" cy="0"/>
+          <a:chOff x="0" y="0"/>
+          <a:chExt cx="0" cy="0"/>
+        </a:xfrm>
+      </p:grpSpPr>
+      <p:pic>
+        <p:nvPicPr>
+          <p:cNvPr id="3" name="Picture 2" descr="vlcsnap-2024-02-20-00h07m21s305">
+            <a:extLst>
+              <a:ext uri="{FF2B5EF4-FFF2-40B4-BE49-F238E27FC236}">
+                <a16:creationId xmlns:a16="http://schemas.microsoft.com/office/drawing/2014/main" id="{2E5F78B2-2C55-3F9D-E114-53758A427CF5}"/>
+              </a:ext>
+            </a:extLst>
+          </p:cNvPr>
+          <p:cNvPicPr>
+            <a:picLocks noGrp="1" noChangeAspect="1"/>
+          </p:cNvPicPr>
+          <p:nvPr isPhoto="1"/>
+        </p:nvPicPr>
+        <p:blipFill rotWithShape="1">
+          <a:blip r:embed="rId2">
+            <a:lum/>
+            <a:extLst>
+              <a:ext uri="{28A0092B-C50C-407E-A947-70E740481C1C}">
+                <a14:useLocalDpi xmlns:a14="http://schemas.microsoft.com/office/drawing/2010/main" val="0"/>
+              </a:ext>
+            </a:extLst>
+          </a:blip>
+          <a:srcRect b="6807"/>
+          <a:stretch/>
+        </p:blipFill>
+        <p:spPr>
+          <a:xfrm>
+            <a:off x="0" y="0"/>
+            <a:ext cx="12192000" cy="6391175"/>
+          </a:xfrm>
+          <a:prstGeom prst="rect">
+            <a:avLst/>
+          </a:prstGeom>
+        </p:spPr>
+      </p:pic>
+      <p:pic>
+        <p:nvPicPr>
+          <p:cNvPr id="6" name="Picture 5">
+            <a:extLst>
+              <a:ext uri="{FF2B5EF4-FFF2-40B4-BE49-F238E27FC236}">
+                <a16:creationId xmlns:a16="http://schemas.microsoft.com/office/drawing/2014/main" id="{EACC3729-7FAE-E10A-F74C-1BB951A358B1}"/>
+              </a:ext>
+            </a:extLst>
+          </p:cNvPr>
+          <p:cNvPicPr preferRelativeResize="0">
+            <a:picLocks/>
+          </p:cNvPicPr>
+          <p:nvPr/>
+        </p:nvPicPr>
+        <p:blipFill rotWithShape="1">
+          <a:blip r:embed="rId3"/>
+          <a:srcRect l="-1875" t="-51764" r="1875" b="51920"/>
+          <a:stretch/>
+        </p:blipFill>
+        <p:spPr>
+          <a:xfrm>
+            <a:off x="640080" y="1188720"/>
+            <a:ext cx="4876800" cy="4754880"/>
+          </a:xfrm>
+          <a:prstGeom prst="rect">
+            <a:avLst/>
+          </a:prstGeom>
+        </p:spPr>
+      </p:pic>
+    </p:spTree>
+    <p:extLst>
+      <p:ext uri="{BB962C8B-B14F-4D97-AF65-F5344CB8AC3E}">
+        <p14:creationId xmlns:p14="http://schemas.microsoft.com/office/powerpoint/2010/main" val="1933662823"/>
+      </p:ext>
+    </p:extLst>
+  </p:cSld>
+  <p:clrMapOvr>
+    <a:masterClrMapping/>
+  </p:clrMapOvr>
 </p:sld>
 </file>
 
